--- a/Documentation/Cloud-Computing-Proj-Presentation.pptx
+++ b/Documentation/Cloud-Computing-Proj-Presentation.pptx
@@ -7,15 +7,21 @@
   <p:sldIdLst>
     <p:sldId id="256" r:id="rId2"/>
     <p:sldId id="257" r:id="rId3"/>
-    <p:sldId id="260" r:id="rId4"/>
-    <p:sldId id="263" r:id="rId5"/>
-    <p:sldId id="264" r:id="rId6"/>
-    <p:sldId id="262" r:id="rId7"/>
-    <p:sldId id="265" r:id="rId8"/>
-    <p:sldId id="266" r:id="rId9"/>
-    <p:sldId id="270" r:id="rId10"/>
-    <p:sldId id="268" r:id="rId11"/>
-    <p:sldId id="259" r:id="rId12"/>
+    <p:sldId id="278" r:id="rId4"/>
+    <p:sldId id="260" r:id="rId5"/>
+    <p:sldId id="263" r:id="rId6"/>
+    <p:sldId id="264" r:id="rId7"/>
+    <p:sldId id="262" r:id="rId8"/>
+    <p:sldId id="265" r:id="rId9"/>
+    <p:sldId id="266" r:id="rId10"/>
+    <p:sldId id="280" r:id="rId11"/>
+    <p:sldId id="272" r:id="rId12"/>
+    <p:sldId id="273" r:id="rId13"/>
+    <p:sldId id="279" r:id="rId14"/>
+    <p:sldId id="259" r:id="rId15"/>
+    <p:sldId id="275" r:id="rId16"/>
+    <p:sldId id="276" r:id="rId17"/>
+    <p:sldId id="268" r:id="rId18"/>
   </p:sldIdLst>
   <p:sldSz cx="12192000" cy="6858000"/>
   <p:notesSz cx="6858000" cy="9144000"/>
@@ -919,7 +925,7 @@
             <a:fld id="{D57F1E4F-1CFF-5643-939E-217C01CDF565}" type="slidenum">
               <a:rPr lang="en-US" dirty="0"/>
               <a:pPr/>
-              <a:t>‹nº›</a:t>
+              <a:t>‹N›</a:t>
             </a:fld>
             <a:endParaRPr lang="en-US" dirty="0"/>
           </a:p>
@@ -1167,7 +1173,7 @@
             <a:fld id="{D57F1E4F-1CFF-5643-939E-217C01CDF565}" type="slidenum">
               <a:rPr lang="en-US" dirty="0"/>
               <a:pPr/>
-              <a:t>‹nº›</a:t>
+              <a:t>‹N›</a:t>
             </a:fld>
             <a:endParaRPr lang="en-US" dirty="0"/>
           </a:p>
@@ -1478,7 +1484,7 @@
             <a:fld id="{D57F1E4F-1CFF-5643-939E-217C01CDF565}" type="slidenum">
               <a:rPr lang="en-US" dirty="0"/>
               <a:pPr/>
-              <a:t>‹nº›</a:t>
+              <a:t>‹N›</a:t>
             </a:fld>
             <a:endParaRPr lang="en-US" dirty="0"/>
           </a:p>
@@ -1808,7 +1814,7 @@
             <a:fld id="{D57F1E4F-1CFF-5643-939E-217C01CDF565}" type="slidenum">
               <a:rPr lang="en-US" dirty="0"/>
               <a:pPr/>
-              <a:t>‹nº›</a:t>
+              <a:t>‹N›</a:t>
             </a:fld>
             <a:endParaRPr lang="en-US" dirty="0"/>
           </a:p>
@@ -2119,7 +2125,7 @@
             <a:fld id="{D57F1E4F-1CFF-5643-939E-217C01CDF565}" type="slidenum">
               <a:rPr lang="en-US" dirty="0"/>
               <a:pPr/>
-              <a:t>‹nº›</a:t>
+              <a:t>‹N›</a:t>
             </a:fld>
             <a:endParaRPr lang="en-US" dirty="0"/>
           </a:p>
@@ -2509,7 +2515,7 @@
             <a:fld id="{D57F1E4F-1CFF-5643-939E-217C01CDF565}" type="slidenum">
               <a:rPr lang="en-US" dirty="0"/>
               <a:pPr/>
-              <a:t>‹nº›</a:t>
+              <a:t>‹N›</a:t>
             </a:fld>
             <a:endParaRPr lang="en-US" dirty="0"/>
           </a:p>
@@ -2674,7 +2680,7 @@
           <a:p>
             <a:fld id="{89333C77-0158-454C-844F-B7AB9BD7DAD4}" type="slidenum">
               <a:rPr lang="en-US" dirty="0"/>
-              <a:t>‹nº›</a:t>
+              <a:t>‹N›</a:t>
             </a:fld>
             <a:endParaRPr lang="en-US" dirty="0"/>
           </a:p>
@@ -2851,7 +2857,7 @@
             <a:fld id="{D57F1E4F-1CFF-5643-939E-217C01CDF565}" type="slidenum">
               <a:rPr lang="en-US" dirty="0"/>
               <a:pPr/>
-              <a:t>‹nº›</a:t>
+              <a:t>‹N›</a:t>
             </a:fld>
             <a:endParaRPr lang="en-US" dirty="0"/>
           </a:p>
@@ -3016,7 +3022,7 @@
           <a:p>
             <a:fld id="{519954A3-9DFD-4C44-94BA-B95130A3BA1C}" type="slidenum">
               <a:rPr lang="en-US" dirty="0"/>
-              <a:t>‹nº›</a:t>
+              <a:t>‹N›</a:t>
             </a:fld>
             <a:endParaRPr lang="en-US" dirty="0"/>
           </a:p>
@@ -3260,7 +3266,7 @@
             <a:fld id="{D57F1E4F-1CFF-5643-939E-217C01CDF565}" type="slidenum">
               <a:rPr lang="en-US" dirty="0"/>
               <a:pPr/>
-              <a:t>‹nº›</a:t>
+              <a:t>‹N›</a:t>
             </a:fld>
             <a:endParaRPr lang="en-US" dirty="0"/>
           </a:p>
@@ -3487,7 +3493,7 @@
           <a:p>
             <a:fld id="{519954A3-9DFD-4C44-94BA-B95130A3BA1C}" type="slidenum">
               <a:rPr lang="en-US" dirty="0"/>
-              <a:t>‹nº›</a:t>
+              <a:t>‹N›</a:t>
             </a:fld>
             <a:endParaRPr lang="en-US" dirty="0"/>
           </a:p>
@@ -3858,7 +3864,7 @@
             <a:fld id="{D57F1E4F-1CFF-5643-939E-217C01CDF565}" type="slidenum">
               <a:rPr lang="en-US" dirty="0"/>
               <a:pPr/>
-              <a:t>‹nº›</a:t>
+              <a:t>‹N›</a:t>
             </a:fld>
             <a:endParaRPr lang="en-US" dirty="0"/>
           </a:p>
@@ -3978,7 +3984,7 @@
             <a:fld id="{D57F1E4F-1CFF-5643-939E-217C01CDF565}" type="slidenum">
               <a:rPr lang="en-US" dirty="0"/>
               <a:pPr/>
-              <a:t>‹nº›</a:t>
+              <a:t>‹N›</a:t>
             </a:fld>
             <a:endParaRPr lang="en-US" dirty="0"/>
           </a:p>
@@ -4070,7 +4076,7 @@
             <a:fld id="{D57F1E4F-1CFF-5643-939E-217C01CDF565}" type="slidenum">
               <a:rPr lang="en-US" dirty="0"/>
               <a:pPr/>
-              <a:t>‹nº›</a:t>
+              <a:t>‹N›</a:t>
             </a:fld>
             <a:endParaRPr lang="en-US" dirty="0"/>
           </a:p>
@@ -4320,7 +4326,7 @@
           <a:p>
             <a:fld id="{519954A3-9DFD-4C44-94BA-B95130A3BA1C}" type="slidenum">
               <a:rPr lang="en-US" dirty="0"/>
-              <a:t>‹nº›</a:t>
+              <a:t>‹N›</a:t>
             </a:fld>
             <a:endParaRPr lang="en-US" dirty="0"/>
           </a:p>
@@ -4556,7 +4562,7 @@
             <a:fld id="{D57F1E4F-1CFF-5643-939E-217C01CDF565}" type="slidenum">
               <a:rPr lang="en-US" dirty="0"/>
               <a:pPr/>
-              <a:t>‹nº›</a:t>
+              <a:t>‹N›</a:t>
             </a:fld>
             <a:endParaRPr lang="en-US" dirty="0"/>
           </a:p>
@@ -5355,7 +5361,7 @@
             <a:fld id="{D57F1E4F-1CFF-5643-939E-217C01CDF565}" type="slidenum">
               <a:rPr lang="en-US" dirty="0"/>
               <a:pPr/>
-              <a:t>‹nº›</a:t>
+              <a:t>‹N›</a:t>
             </a:fld>
             <a:endParaRPr lang="en-US" dirty="0"/>
           </a:p>
@@ -6274,6 +6280,806 @@
           <a:chExt cx="0" cy="0"/>
         </a:xfrm>
       </p:grpSpPr>
+      <p:pic>
+        <p:nvPicPr>
+          <p:cNvPr id="5" name="Segnaposto contenuto 4">
+            <a:extLst>
+              <a:ext uri="{FF2B5EF4-FFF2-40B4-BE49-F238E27FC236}">
+                <a16:creationId xmlns:a16="http://schemas.microsoft.com/office/drawing/2014/main" id="{A93E36F6-F180-4BC5-BE4C-9B76650441B0}"/>
+              </a:ext>
+            </a:extLst>
+          </p:cNvPr>
+          <p:cNvPicPr>
+            <a:picLocks noChangeAspect="1"/>
+          </p:cNvPicPr>
+          <p:nvPr/>
+        </p:nvPicPr>
+        <p:blipFill>
+          <a:blip r:embed="rId2">
+            <a:extLst>
+              <a:ext uri="{837473B0-CC2E-450A-ABE3-18F120FF3D39}">
+                <a1611:picAttrSrcUrl xmlns:a1611="http://schemas.microsoft.com/office/drawing/2016/11/main" r:id="rId3"/>
+              </a:ext>
+            </a:extLst>
+          </a:blip>
+          <a:srcRect l="24465" r="24465"/>
+          <a:stretch/>
+        </p:blipFill>
+        <p:spPr>
+          <a:xfrm>
+            <a:off x="4269854" y="-1"/>
+            <a:ext cx="7922146" cy="6858001"/>
+          </a:xfrm>
+          <a:custGeom>
+            <a:avLst/>
+            <a:gdLst/>
+            <a:ahLst/>
+            <a:cxnLst/>
+            <a:rect l="l" t="t" r="r" b="b"/>
+            <a:pathLst>
+              <a:path w="7922146" h="6858001">
+                <a:moveTo>
+                  <a:pt x="379987" y="0"/>
+                </a:moveTo>
+                <a:lnTo>
+                  <a:pt x="5304971" y="0"/>
+                </a:lnTo>
+                <a:lnTo>
+                  <a:pt x="7065281" y="0"/>
+                </a:lnTo>
+                <a:lnTo>
+                  <a:pt x="7397540" y="0"/>
+                </a:lnTo>
+                <a:lnTo>
+                  <a:pt x="7397540" y="1"/>
+                </a:lnTo>
+                <a:lnTo>
+                  <a:pt x="7922146" y="1"/>
+                </a:lnTo>
+                <a:lnTo>
+                  <a:pt x="7922146" y="6858001"/>
+                </a:lnTo>
+                <a:lnTo>
+                  <a:pt x="7065281" y="6858001"/>
+                </a:lnTo>
+                <a:lnTo>
+                  <a:pt x="7065281" y="6858000"/>
+                </a:lnTo>
+                <a:lnTo>
+                  <a:pt x="5932989" y="6858000"/>
+                </a:lnTo>
+                <a:lnTo>
+                  <a:pt x="5932989" y="6858001"/>
+                </a:lnTo>
+                <a:lnTo>
+                  <a:pt x="27809" y="6858001"/>
+                </a:lnTo>
+                <a:lnTo>
+                  <a:pt x="1803228" y="4521201"/>
+                </a:lnTo>
+                <a:close/>
+                <a:moveTo>
+                  <a:pt x="0" y="0"/>
+                </a:moveTo>
+                <a:lnTo>
+                  <a:pt x="379987" y="0"/>
+                </a:lnTo>
+                <a:lnTo>
+                  <a:pt x="0" y="407"/>
+                </a:lnTo>
+                <a:close/>
+              </a:path>
+            </a:pathLst>
+          </a:custGeom>
+        </p:spPr>
+      </p:pic>
+      <p:sp>
+        <p:nvSpPr>
+          <p:cNvPr id="2" name="Título 1">
+            <a:extLst>
+              <a:ext uri="{FF2B5EF4-FFF2-40B4-BE49-F238E27FC236}">
+                <a16:creationId xmlns:a16="http://schemas.microsoft.com/office/drawing/2014/main" id="{69BED902-288F-4373-AC39-F683554F2CE0}"/>
+              </a:ext>
+            </a:extLst>
+          </p:cNvPr>
+          <p:cNvSpPr>
+            <a:spLocks noGrp="1"/>
+          </p:cNvSpPr>
+          <p:nvPr>
+            <p:ph type="title"/>
+          </p:nvPr>
+        </p:nvSpPr>
+        <p:spPr>
+          <a:xfrm>
+            <a:off x="226593" y="2942430"/>
+            <a:ext cx="5956499" cy="964671"/>
+          </a:xfrm>
+        </p:spPr>
+        <p:txBody>
+          <a:bodyPr>
+            <a:noAutofit/>
+          </a:bodyPr>
+          <a:lstStyle/>
+          <a:p>
+            <a:r>
+              <a:rPr lang="pt-BR" sz="5400" b="1">
+                <a:latin typeface="Aharoni" panose="02010803020104030203" pitchFamily="2" charset="-79"/>
+                <a:cs typeface="Aharoni" panose="02010803020104030203" pitchFamily="2" charset="-79"/>
+              </a:rPr>
+              <a:t>Communications</a:t>
+            </a:r>
+            <a:endParaRPr lang="pt-BR" sz="5400" b="1" dirty="0">
+              <a:latin typeface="Aharoni" panose="02010803020104030203" pitchFamily="2" charset="-79"/>
+              <a:cs typeface="Aharoni" panose="02010803020104030203" pitchFamily="2" charset="-79"/>
+            </a:endParaRPr>
+          </a:p>
+        </p:txBody>
+      </p:sp>
+      <p:cxnSp>
+        <p:nvCxnSpPr>
+          <p:cNvPr id="34" name="Straight Connector 33">
+            <a:extLst>
+              <a:ext uri="{FF2B5EF4-FFF2-40B4-BE49-F238E27FC236}">
+                <a16:creationId xmlns:a16="http://schemas.microsoft.com/office/drawing/2014/main" id="{64FA5DFF-7FE6-4855-84E6-DFA78EE978BD}"/>
+              </a:ext>
+              <a:ext uri="{C183D7F6-B498-43B3-948B-1728B52AA6E4}">
+                <adec:decorative xmlns:adec="http://schemas.microsoft.com/office/drawing/2017/decorative" val="1"/>
+              </a:ext>
+            </a:extLst>
+          </p:cNvPr>
+          <p:cNvCxnSpPr>
+            <a:cxnSpLocks noGrp="1" noRot="1" noChangeAspect="1" noMove="1" noResize="1" noEditPoints="1" noAdjustHandles="1" noChangeArrowheads="1" noChangeShapeType="1"/>
+          </p:cNvCxnSpPr>
+          <p:nvPr>
+            <p:extLst>
+              <p:ext uri="{386F3935-93C4-4BCD-93E2-E3B085C9AB24}">
+                <p16:designElem xmlns:p16="http://schemas.microsoft.com/office/powerpoint/2015/main" val="1"/>
+              </p:ext>
+            </p:extLst>
+          </p:nvPr>
+        </p:nvCxnSpPr>
+        <p:spPr>
+          <a:xfrm>
+            <a:off x="9371012" y="0"/>
+            <a:ext cx="1219200" cy="6858000"/>
+          </a:xfrm>
+          <a:prstGeom prst="line">
+            <a:avLst/>
+          </a:prstGeom>
+          <a:ln w="9525">
+            <a:solidFill>
+              <a:schemeClr val="bg1">
+                <a:lumMod val="75000"/>
+              </a:schemeClr>
+            </a:solidFill>
+          </a:ln>
+        </p:spPr>
+        <p:style>
+          <a:lnRef idx="2">
+            <a:schemeClr val="accent1"/>
+          </a:lnRef>
+          <a:fillRef idx="0">
+            <a:schemeClr val="accent1"/>
+          </a:fillRef>
+          <a:effectRef idx="1">
+            <a:schemeClr val="accent1"/>
+          </a:effectRef>
+          <a:fontRef idx="minor">
+            <a:schemeClr val="tx1"/>
+          </a:fontRef>
+        </p:style>
+      </p:cxnSp>
+      <p:cxnSp>
+        <p:nvCxnSpPr>
+          <p:cNvPr id="36" name="Straight Connector 35">
+            <a:extLst>
+              <a:ext uri="{FF2B5EF4-FFF2-40B4-BE49-F238E27FC236}">
+                <a16:creationId xmlns:a16="http://schemas.microsoft.com/office/drawing/2014/main" id="{2AFD8CBA-54A3-4363-991B-B9C631BBFA74}"/>
+              </a:ext>
+              <a:ext uri="{C183D7F6-B498-43B3-948B-1728B52AA6E4}">
+                <adec:decorative xmlns:adec="http://schemas.microsoft.com/office/drawing/2017/decorative" val="1"/>
+              </a:ext>
+            </a:extLst>
+          </p:cNvPr>
+          <p:cNvCxnSpPr>
+            <a:cxnSpLocks noGrp="1" noRot="1" noChangeAspect="1" noMove="1" noResize="1" noEditPoints="1" noAdjustHandles="1" noChangeArrowheads="1" noChangeShapeType="1"/>
+          </p:cNvCxnSpPr>
+          <p:nvPr>
+            <p:extLst>
+              <p:ext uri="{386F3935-93C4-4BCD-93E2-E3B085C9AB24}">
+                <p16:designElem xmlns:p16="http://schemas.microsoft.com/office/powerpoint/2015/main" val="1"/>
+              </p:ext>
+            </p:extLst>
+          </p:nvPr>
+        </p:nvCxnSpPr>
+        <p:spPr>
+          <a:xfrm flipH="1">
+            <a:off x="7425267" y="3681413"/>
+            <a:ext cx="4763558" cy="3176587"/>
+          </a:xfrm>
+          <a:prstGeom prst="line">
+            <a:avLst/>
+          </a:prstGeom>
+          <a:ln w="9525">
+            <a:solidFill>
+              <a:schemeClr val="bg1">
+                <a:lumMod val="85000"/>
+              </a:schemeClr>
+            </a:solidFill>
+          </a:ln>
+        </p:spPr>
+        <p:style>
+          <a:lnRef idx="2">
+            <a:schemeClr val="accent1"/>
+          </a:lnRef>
+          <a:fillRef idx="0">
+            <a:schemeClr val="accent1"/>
+          </a:fillRef>
+          <a:effectRef idx="1">
+            <a:schemeClr val="accent1"/>
+          </a:effectRef>
+          <a:fontRef idx="minor">
+            <a:schemeClr val="tx1"/>
+          </a:fontRef>
+        </p:style>
+      </p:cxnSp>
+      <p:sp>
+        <p:nvSpPr>
+          <p:cNvPr id="38" name="Rectangle 23">
+            <a:extLst>
+              <a:ext uri="{FF2B5EF4-FFF2-40B4-BE49-F238E27FC236}">
+                <a16:creationId xmlns:a16="http://schemas.microsoft.com/office/drawing/2014/main" id="{3F088236-D655-4F88-B238-E16762358025}"/>
+              </a:ext>
+              <a:ext uri="{C183D7F6-B498-43B3-948B-1728B52AA6E4}">
+                <adec:decorative xmlns:adec="http://schemas.microsoft.com/office/drawing/2017/decorative" val="1"/>
+              </a:ext>
+            </a:extLst>
+          </p:cNvPr>
+          <p:cNvSpPr>
+            <a:spLocks noGrp="1" noRot="1" noChangeAspect="1" noMove="1" noResize="1" noEditPoints="1" noAdjustHandles="1" noChangeArrowheads="1" noChangeShapeType="1" noTextEdit="1"/>
+          </p:cNvSpPr>
+          <p:nvPr>
+            <p:extLst>
+              <p:ext uri="{386F3935-93C4-4BCD-93E2-E3B085C9AB24}">
+                <p16:designElem xmlns:p16="http://schemas.microsoft.com/office/powerpoint/2015/main" val="1"/>
+              </p:ext>
+            </p:extLst>
+          </p:nvPr>
+        </p:nvSpPr>
+        <p:spPr>
+          <a:xfrm>
+            <a:off x="9181476" y="-8467"/>
+            <a:ext cx="3007349" cy="6866467"/>
+          </a:xfrm>
+          <a:custGeom>
+            <a:avLst/>
+            <a:gdLst/>
+            <a:ahLst/>
+            <a:cxnLst/>
+            <a:rect l="l" t="t" r="r" b="b"/>
+            <a:pathLst>
+              <a:path w="3007349" h="6866467">
+                <a:moveTo>
+                  <a:pt x="2045532" y="0"/>
+                </a:moveTo>
+                <a:lnTo>
+                  <a:pt x="3007349" y="0"/>
+                </a:lnTo>
+                <a:lnTo>
+                  <a:pt x="3007349" y="6866467"/>
+                </a:lnTo>
+                <a:lnTo>
+                  <a:pt x="0" y="6866467"/>
+                </a:lnTo>
+                <a:lnTo>
+                  <a:pt x="2045532" y="0"/>
+                </a:lnTo>
+                <a:close/>
+              </a:path>
+            </a:pathLst>
+          </a:custGeom>
+          <a:solidFill>
+            <a:schemeClr val="accent1">
+              <a:alpha val="30000"/>
+            </a:schemeClr>
+          </a:solidFill>
+          <a:ln>
+            <a:noFill/>
+          </a:ln>
+          <a:effectLst/>
+        </p:spPr>
+        <p:style>
+          <a:lnRef idx="1">
+            <a:schemeClr val="accent1"/>
+          </a:lnRef>
+          <a:fillRef idx="3">
+            <a:schemeClr val="accent1"/>
+          </a:fillRef>
+          <a:effectRef idx="2">
+            <a:schemeClr val="accent1"/>
+          </a:effectRef>
+          <a:fontRef idx="minor">
+            <a:schemeClr val="lt1"/>
+          </a:fontRef>
+        </p:style>
+      </p:sp>
+      <p:sp>
+        <p:nvSpPr>
+          <p:cNvPr id="40" name="Rectangle 25">
+            <a:extLst>
+              <a:ext uri="{FF2B5EF4-FFF2-40B4-BE49-F238E27FC236}">
+                <a16:creationId xmlns:a16="http://schemas.microsoft.com/office/drawing/2014/main" id="{3DAC0C92-199E-475C-9390-119A9B027276}"/>
+              </a:ext>
+              <a:ext uri="{C183D7F6-B498-43B3-948B-1728B52AA6E4}">
+                <adec:decorative xmlns:adec="http://schemas.microsoft.com/office/drawing/2017/decorative" val="1"/>
+              </a:ext>
+            </a:extLst>
+          </p:cNvPr>
+          <p:cNvSpPr>
+            <a:spLocks noGrp="1" noRot="1" noChangeAspect="1" noMove="1" noResize="1" noEditPoints="1" noAdjustHandles="1" noChangeArrowheads="1" noChangeShapeType="1" noTextEdit="1"/>
+          </p:cNvSpPr>
+          <p:nvPr>
+            <p:extLst>
+              <p:ext uri="{386F3935-93C4-4BCD-93E2-E3B085C9AB24}">
+                <p16:designElem xmlns:p16="http://schemas.microsoft.com/office/powerpoint/2015/main" val="1"/>
+              </p:ext>
+            </p:extLst>
+          </p:nvPr>
+        </p:nvSpPr>
+        <p:spPr>
+          <a:xfrm>
+            <a:off x="9603442" y="-8467"/>
+            <a:ext cx="2588558" cy="6866467"/>
+          </a:xfrm>
+          <a:custGeom>
+            <a:avLst/>
+            <a:gdLst/>
+            <a:ahLst/>
+            <a:cxnLst/>
+            <a:rect l="l" t="t" r="r" b="b"/>
+            <a:pathLst>
+              <a:path w="2573311" h="6866467">
+                <a:moveTo>
+                  <a:pt x="0" y="0"/>
+                </a:moveTo>
+                <a:lnTo>
+                  <a:pt x="2573311" y="0"/>
+                </a:lnTo>
+                <a:lnTo>
+                  <a:pt x="2573311" y="6866467"/>
+                </a:lnTo>
+                <a:lnTo>
+                  <a:pt x="1202336" y="6866467"/>
+                </a:lnTo>
+                <a:lnTo>
+                  <a:pt x="0" y="0"/>
+                </a:lnTo>
+                <a:close/>
+              </a:path>
+            </a:pathLst>
+          </a:custGeom>
+          <a:solidFill>
+            <a:schemeClr val="accent1">
+              <a:alpha val="20000"/>
+            </a:schemeClr>
+          </a:solidFill>
+          <a:ln>
+            <a:noFill/>
+          </a:ln>
+          <a:effectLst/>
+        </p:spPr>
+        <p:style>
+          <a:lnRef idx="1">
+            <a:schemeClr val="accent1"/>
+          </a:lnRef>
+          <a:fillRef idx="3">
+            <a:schemeClr val="accent1"/>
+          </a:fillRef>
+          <a:effectRef idx="2">
+            <a:schemeClr val="accent1"/>
+          </a:effectRef>
+          <a:fontRef idx="minor">
+            <a:schemeClr val="lt1"/>
+          </a:fontRef>
+        </p:style>
+      </p:sp>
+      <p:sp>
+        <p:nvSpPr>
+          <p:cNvPr id="42" name="Isosceles Triangle 24">
+            <a:extLst>
+              <a:ext uri="{FF2B5EF4-FFF2-40B4-BE49-F238E27FC236}">
+                <a16:creationId xmlns:a16="http://schemas.microsoft.com/office/drawing/2014/main" id="{C4CFB339-0ED8-4FE2-9EF1-6D1375B8499B}"/>
+              </a:ext>
+              <a:ext uri="{C183D7F6-B498-43B3-948B-1728B52AA6E4}">
+                <adec:decorative xmlns:adec="http://schemas.microsoft.com/office/drawing/2017/decorative" val="1"/>
+              </a:ext>
+            </a:extLst>
+          </p:cNvPr>
+          <p:cNvSpPr>
+            <a:spLocks noGrp="1" noRot="1" noChangeAspect="1" noMove="1" noResize="1" noEditPoints="1" noAdjustHandles="1" noChangeArrowheads="1" noChangeShapeType="1" noTextEdit="1"/>
+          </p:cNvSpPr>
+          <p:nvPr>
+            <p:extLst>
+              <p:ext uri="{386F3935-93C4-4BCD-93E2-E3B085C9AB24}">
+                <p16:designElem xmlns:p16="http://schemas.microsoft.com/office/powerpoint/2015/main" val="1"/>
+              </p:ext>
+            </p:extLst>
+          </p:nvPr>
+        </p:nvSpPr>
+        <p:spPr>
+          <a:xfrm>
+            <a:off x="8932333" y="3048000"/>
+            <a:ext cx="3259667" cy="3810000"/>
+          </a:xfrm>
+          <a:prstGeom prst="triangle">
+            <a:avLst>
+              <a:gd name="adj" fmla="val 100000"/>
+            </a:avLst>
+          </a:prstGeom>
+          <a:solidFill>
+            <a:schemeClr val="accent2">
+              <a:alpha val="72000"/>
+            </a:schemeClr>
+          </a:solidFill>
+          <a:ln>
+            <a:noFill/>
+          </a:ln>
+          <a:effectLst/>
+        </p:spPr>
+        <p:style>
+          <a:lnRef idx="1">
+            <a:schemeClr val="accent1"/>
+          </a:lnRef>
+          <a:fillRef idx="3">
+            <a:schemeClr val="accent1"/>
+          </a:fillRef>
+          <a:effectRef idx="2">
+            <a:schemeClr val="accent1"/>
+          </a:effectRef>
+          <a:fontRef idx="minor">
+            <a:schemeClr val="lt1"/>
+          </a:fontRef>
+        </p:style>
+      </p:sp>
+      <p:sp>
+        <p:nvSpPr>
+          <p:cNvPr id="44" name="Rectangle 27">
+            <a:extLst>
+              <a:ext uri="{FF2B5EF4-FFF2-40B4-BE49-F238E27FC236}">
+                <a16:creationId xmlns:a16="http://schemas.microsoft.com/office/drawing/2014/main" id="{31896C80-2069-4431-9C19-83B913734490}"/>
+              </a:ext>
+              <a:ext uri="{C183D7F6-B498-43B3-948B-1728B52AA6E4}">
+                <adec:decorative xmlns:adec="http://schemas.microsoft.com/office/drawing/2017/decorative" val="1"/>
+              </a:ext>
+            </a:extLst>
+          </p:cNvPr>
+          <p:cNvSpPr>
+            <a:spLocks noGrp="1" noRot="1" noChangeAspect="1" noMove="1" noResize="1" noEditPoints="1" noAdjustHandles="1" noChangeArrowheads="1" noChangeShapeType="1" noTextEdit="1"/>
+          </p:cNvSpPr>
+          <p:nvPr>
+            <p:extLst>
+              <p:ext uri="{386F3935-93C4-4BCD-93E2-E3B085C9AB24}">
+                <p16:designElem xmlns:p16="http://schemas.microsoft.com/office/powerpoint/2015/main" val="1"/>
+              </p:ext>
+            </p:extLst>
+          </p:nvPr>
+        </p:nvSpPr>
+        <p:spPr>
+          <a:xfrm>
+            <a:off x="9334500" y="-8467"/>
+            <a:ext cx="2854326" cy="6866467"/>
+          </a:xfrm>
+          <a:custGeom>
+            <a:avLst/>
+            <a:gdLst/>
+            <a:ahLst/>
+            <a:cxnLst/>
+            <a:rect l="l" t="t" r="r" b="b"/>
+            <a:pathLst>
+              <a:path w="2858013" h="6866467">
+                <a:moveTo>
+                  <a:pt x="0" y="0"/>
+                </a:moveTo>
+                <a:lnTo>
+                  <a:pt x="2858013" y="0"/>
+                </a:lnTo>
+                <a:lnTo>
+                  <a:pt x="2858013" y="6866467"/>
+                </a:lnTo>
+                <a:lnTo>
+                  <a:pt x="2473942" y="6866467"/>
+                </a:lnTo>
+                <a:lnTo>
+                  <a:pt x="0" y="0"/>
+                </a:lnTo>
+                <a:close/>
+              </a:path>
+            </a:pathLst>
+          </a:custGeom>
+          <a:solidFill>
+            <a:schemeClr val="accent2">
+              <a:lumMod val="75000"/>
+              <a:alpha val="47000"/>
+            </a:schemeClr>
+          </a:solidFill>
+          <a:ln>
+            <a:noFill/>
+          </a:ln>
+          <a:effectLst/>
+        </p:spPr>
+        <p:style>
+          <a:lnRef idx="1">
+            <a:schemeClr val="accent1"/>
+          </a:lnRef>
+          <a:fillRef idx="3">
+            <a:schemeClr val="accent1"/>
+          </a:fillRef>
+          <a:effectRef idx="2">
+            <a:schemeClr val="accent1"/>
+          </a:effectRef>
+          <a:fontRef idx="minor">
+            <a:schemeClr val="lt1"/>
+          </a:fontRef>
+        </p:style>
+      </p:sp>
+      <p:sp>
+        <p:nvSpPr>
+          <p:cNvPr id="46" name="Rectangle 28">
+            <a:extLst>
+              <a:ext uri="{FF2B5EF4-FFF2-40B4-BE49-F238E27FC236}">
+                <a16:creationId xmlns:a16="http://schemas.microsoft.com/office/drawing/2014/main" id="{BF120A21-0841-4823-B0C4-28AEBCEF9B78}"/>
+              </a:ext>
+              <a:ext uri="{C183D7F6-B498-43B3-948B-1728B52AA6E4}">
+                <adec:decorative xmlns:adec="http://schemas.microsoft.com/office/drawing/2017/decorative" val="1"/>
+              </a:ext>
+            </a:extLst>
+          </p:cNvPr>
+          <p:cNvSpPr>
+            <a:spLocks noGrp="1" noRot="1" noChangeAspect="1" noMove="1" noResize="1" noEditPoints="1" noAdjustHandles="1" noChangeArrowheads="1" noChangeShapeType="1" noTextEdit="1"/>
+          </p:cNvSpPr>
+          <p:nvPr>
+            <p:extLst>
+              <p:ext uri="{386F3935-93C4-4BCD-93E2-E3B085C9AB24}">
+                <p16:designElem xmlns:p16="http://schemas.microsoft.com/office/powerpoint/2015/main" val="1"/>
+              </p:ext>
+            </p:extLst>
+          </p:nvPr>
+        </p:nvSpPr>
+        <p:spPr>
+          <a:xfrm>
+            <a:off x="10898730" y="-8467"/>
+            <a:ext cx="1290094" cy="6866467"/>
+          </a:xfrm>
+          <a:custGeom>
+            <a:avLst/>
+            <a:gdLst/>
+            <a:ahLst/>
+            <a:cxnLst/>
+            <a:rect l="l" t="t" r="r" b="b"/>
+            <a:pathLst>
+              <a:path w="1290094" h="6858000">
+                <a:moveTo>
+                  <a:pt x="1019735" y="0"/>
+                </a:moveTo>
+                <a:lnTo>
+                  <a:pt x="1290094" y="0"/>
+                </a:lnTo>
+                <a:lnTo>
+                  <a:pt x="1290094" y="6858000"/>
+                </a:lnTo>
+                <a:lnTo>
+                  <a:pt x="0" y="6858000"/>
+                </a:lnTo>
+                <a:lnTo>
+                  <a:pt x="1019735" y="0"/>
+                </a:lnTo>
+                <a:close/>
+              </a:path>
+            </a:pathLst>
+          </a:custGeom>
+          <a:solidFill>
+            <a:schemeClr val="accent1">
+              <a:lumMod val="60000"/>
+              <a:lumOff val="40000"/>
+              <a:alpha val="70000"/>
+            </a:schemeClr>
+          </a:solidFill>
+          <a:ln>
+            <a:noFill/>
+          </a:ln>
+          <a:effectLst/>
+        </p:spPr>
+        <p:style>
+          <a:lnRef idx="1">
+            <a:schemeClr val="accent1"/>
+          </a:lnRef>
+          <a:fillRef idx="3">
+            <a:schemeClr val="accent1"/>
+          </a:fillRef>
+          <a:effectRef idx="2">
+            <a:schemeClr val="accent1"/>
+          </a:effectRef>
+          <a:fontRef idx="minor">
+            <a:schemeClr val="lt1"/>
+          </a:fontRef>
+        </p:style>
+      </p:sp>
+      <p:sp>
+        <p:nvSpPr>
+          <p:cNvPr id="48" name="Rectangle 29">
+            <a:extLst>
+              <a:ext uri="{FF2B5EF4-FFF2-40B4-BE49-F238E27FC236}">
+                <a16:creationId xmlns:a16="http://schemas.microsoft.com/office/drawing/2014/main" id="{DBB05BAE-BBD3-4289-899F-A6851503C6B0}"/>
+              </a:ext>
+              <a:ext uri="{C183D7F6-B498-43B3-948B-1728B52AA6E4}">
+                <adec:decorative xmlns:adec="http://schemas.microsoft.com/office/drawing/2017/decorative" val="1"/>
+              </a:ext>
+            </a:extLst>
+          </p:cNvPr>
+          <p:cNvSpPr>
+            <a:spLocks noGrp="1" noRot="1" noChangeAspect="1" noMove="1" noResize="1" noEditPoints="1" noAdjustHandles="1" noChangeArrowheads="1" noChangeShapeType="1" noTextEdit="1"/>
+          </p:cNvSpPr>
+          <p:nvPr>
+            <p:extLst>
+              <p:ext uri="{386F3935-93C4-4BCD-93E2-E3B085C9AB24}">
+                <p16:designElem xmlns:p16="http://schemas.microsoft.com/office/powerpoint/2015/main" val="1"/>
+              </p:ext>
+            </p:extLst>
+          </p:nvPr>
+        </p:nvSpPr>
+        <p:spPr>
+          <a:xfrm>
+            <a:off x="10938999" y="-8467"/>
+            <a:ext cx="1249825" cy="6866467"/>
+          </a:xfrm>
+          <a:custGeom>
+            <a:avLst/>
+            <a:gdLst/>
+            <a:ahLst/>
+            <a:cxnLst/>
+            <a:rect l="l" t="t" r="r" b="b"/>
+            <a:pathLst>
+              <a:path w="1249825" h="6858000">
+                <a:moveTo>
+                  <a:pt x="0" y="0"/>
+                </a:moveTo>
+                <a:lnTo>
+                  <a:pt x="1249825" y="0"/>
+                </a:lnTo>
+                <a:lnTo>
+                  <a:pt x="1249825" y="6858000"/>
+                </a:lnTo>
+                <a:lnTo>
+                  <a:pt x="1109382" y="6858000"/>
+                </a:lnTo>
+                <a:lnTo>
+                  <a:pt x="0" y="0"/>
+                </a:lnTo>
+                <a:close/>
+              </a:path>
+            </a:pathLst>
+          </a:custGeom>
+          <a:solidFill>
+            <a:schemeClr val="accent1">
+              <a:alpha val="65000"/>
+            </a:schemeClr>
+          </a:solidFill>
+          <a:ln>
+            <a:noFill/>
+          </a:ln>
+          <a:effectLst/>
+        </p:spPr>
+        <p:style>
+          <a:lnRef idx="1">
+            <a:schemeClr val="accent1"/>
+          </a:lnRef>
+          <a:fillRef idx="3">
+            <a:schemeClr val="accent1"/>
+          </a:fillRef>
+          <a:effectRef idx="2">
+            <a:schemeClr val="accent1"/>
+          </a:effectRef>
+          <a:fontRef idx="minor">
+            <a:schemeClr val="lt1"/>
+          </a:fontRef>
+        </p:style>
+      </p:sp>
+      <p:sp>
+        <p:nvSpPr>
+          <p:cNvPr id="50" name="Isosceles Triangle 29">
+            <a:extLst>
+              <a:ext uri="{FF2B5EF4-FFF2-40B4-BE49-F238E27FC236}">
+                <a16:creationId xmlns:a16="http://schemas.microsoft.com/office/drawing/2014/main" id="{9874D11C-36F5-4BBE-A490-019A54E953B0}"/>
+              </a:ext>
+              <a:ext uri="{C183D7F6-B498-43B3-948B-1728B52AA6E4}">
+                <adec:decorative xmlns:adec="http://schemas.microsoft.com/office/drawing/2017/decorative" val="1"/>
+              </a:ext>
+            </a:extLst>
+          </p:cNvPr>
+          <p:cNvSpPr>
+            <a:spLocks noGrp="1" noRot="1" noChangeAspect="1" noMove="1" noResize="1" noEditPoints="1" noAdjustHandles="1" noChangeArrowheads="1" noChangeShapeType="1" noTextEdit="1"/>
+          </p:cNvSpPr>
+          <p:nvPr>
+            <p:extLst>
+              <p:ext uri="{386F3935-93C4-4BCD-93E2-E3B085C9AB24}">
+                <p16:designElem xmlns:p16="http://schemas.microsoft.com/office/powerpoint/2015/main" val="1"/>
+              </p:ext>
+            </p:extLst>
+          </p:nvPr>
+        </p:nvSpPr>
+        <p:spPr>
+          <a:xfrm>
+            <a:off x="10371666" y="3589867"/>
+            <a:ext cx="1817159" cy="3268133"/>
+          </a:xfrm>
+          <a:prstGeom prst="triangle">
+            <a:avLst>
+              <a:gd name="adj" fmla="val 100000"/>
+            </a:avLst>
+          </a:prstGeom>
+          <a:solidFill>
+            <a:schemeClr val="accent1">
+              <a:alpha val="80000"/>
+            </a:schemeClr>
+          </a:solidFill>
+          <a:ln>
+            <a:noFill/>
+          </a:ln>
+          <a:effectLst/>
+        </p:spPr>
+        <p:style>
+          <a:lnRef idx="1">
+            <a:schemeClr val="accent1"/>
+          </a:lnRef>
+          <a:fillRef idx="3">
+            <a:schemeClr val="accent1"/>
+          </a:fillRef>
+          <a:effectRef idx="2">
+            <a:schemeClr val="accent1"/>
+          </a:effectRef>
+          <a:fontRef idx="minor">
+            <a:schemeClr val="lt1"/>
+          </a:fontRef>
+        </p:style>
+      </p:sp>
+    </p:spTree>
+    <p:extLst>
+      <p:ext uri="{BB962C8B-B14F-4D97-AF65-F5344CB8AC3E}">
+        <p14:creationId xmlns:p14="http://schemas.microsoft.com/office/powerpoint/2010/main" val="2380456349"/>
+      </p:ext>
+    </p:extLst>
+  </p:cSld>
+  <p:clrMapOvr>
+    <a:masterClrMapping/>
+  </p:clrMapOvr>
+</p:sld>
+</file>
+
+<file path=ppt/slides/slide11.xml><?xml version="1.0" encoding="utf-8"?>
+<p:sld xmlns:a="http://schemas.openxmlformats.org/drawingml/2006/main" xmlns:r="http://schemas.openxmlformats.org/officeDocument/2006/relationships" xmlns:p="http://schemas.openxmlformats.org/presentationml/2006/main">
+  <p:cSld>
+    <p:bg>
+      <p:bgPr>
+        <a:solidFill>
+          <a:schemeClr val="bg1"/>
+        </a:solidFill>
+        <a:effectLst/>
+      </p:bgPr>
+    </p:bg>
+    <p:spTree>
+      <p:nvGrpSpPr>
+        <p:cNvPr id="1" name=""/>
+        <p:cNvGrpSpPr/>
+        <p:nvPr/>
+      </p:nvGrpSpPr>
+      <p:grpSpPr>
+        <a:xfrm>
+          <a:off x="0" y="0"/>
+          <a:ext cx="0" cy="0"/>
+          <a:chOff x="0" y="0"/>
+          <a:chExt cx="0" cy="0"/>
+        </a:xfrm>
+      </p:grpSpPr>
       <p:sp useBgFill="1">
         <p:nvSpPr>
           <p:cNvPr id="17" name="Rectangle 16">
@@ -6331,38 +7137,6 @@
           <a:p>
             <a:pPr algn="ctr"/>
             <a:endParaRPr lang="en-US"/>
-          </a:p>
-        </p:txBody>
-      </p:sp>
-      <p:sp>
-        <p:nvSpPr>
-          <p:cNvPr id="2" name="Título 1">
-            <a:extLst>
-              <a:ext uri="{FF2B5EF4-FFF2-40B4-BE49-F238E27FC236}">
-                <a16:creationId xmlns:a16="http://schemas.microsoft.com/office/drawing/2014/main" id="{69BED902-288F-4373-AC39-F683554F2CE0}"/>
-              </a:ext>
-            </a:extLst>
-          </p:cNvPr>
-          <p:cNvSpPr>
-            <a:spLocks noGrp="1"/>
-          </p:cNvSpPr>
-          <p:nvPr>
-            <p:ph type="title"/>
-          </p:nvPr>
-        </p:nvSpPr>
-        <p:spPr>
-          <a:xfrm>
-            <a:off x="1333502" y="0"/>
-            <a:ext cx="8596668" cy="1320800"/>
-          </a:xfrm>
-        </p:spPr>
-        <p:txBody>
-          <a:bodyPr>
-            <a:normAutofit/>
-          </a:bodyPr>
-          <a:lstStyle/>
-          <a:p>
-            <a:endParaRPr lang="pt-BR" dirty="0"/>
           </a:p>
         </p:txBody>
       </p:sp>
@@ -6585,38 +7359,6 @@
           </a:fontRef>
         </p:style>
       </p:cxnSp>
-      <p:sp>
-        <p:nvSpPr>
-          <p:cNvPr id="3" name="Espaço Reservado para Conteúdo 2">
-            <a:extLst>
-              <a:ext uri="{FF2B5EF4-FFF2-40B4-BE49-F238E27FC236}">
-                <a16:creationId xmlns:a16="http://schemas.microsoft.com/office/drawing/2014/main" id="{5B65D832-808E-4996-AAB3-33A4FF1B5839}"/>
-              </a:ext>
-            </a:extLst>
-          </p:cNvPr>
-          <p:cNvSpPr>
-            <a:spLocks noGrp="1"/>
-          </p:cNvSpPr>
-          <p:nvPr>
-            <p:ph idx="1"/>
-          </p:nvPr>
-        </p:nvSpPr>
-        <p:spPr>
-          <a:xfrm>
-            <a:off x="1333502" y="2160590"/>
-            <a:ext cx="8470898" cy="3429260"/>
-          </a:xfrm>
-        </p:spPr>
-        <p:txBody>
-          <a:bodyPr>
-            <a:normAutofit/>
-          </a:bodyPr>
-          <a:lstStyle/>
-          <a:p>
-            <a:endParaRPr lang="pt-BR"/>
-          </a:p>
-        </p:txBody>
-      </p:sp>
       <p:sp>
         <p:nvSpPr>
           <p:cNvPr id="27" name="Rectangle 27">
@@ -6695,10 +7437,378 @@
           </a:fontRef>
         </p:style>
       </p:sp>
+      <p:sp>
+        <p:nvSpPr>
+          <p:cNvPr id="13" name="Espaço Reservado para Conteúdo 2">
+            <a:extLst>
+              <a:ext uri="{FF2B5EF4-FFF2-40B4-BE49-F238E27FC236}">
+                <a16:creationId xmlns:a16="http://schemas.microsoft.com/office/drawing/2014/main" id="{06F2F2F6-A1E8-4CF7-A54F-7FFD1AD44E6E}"/>
+              </a:ext>
+            </a:extLst>
+          </p:cNvPr>
+          <p:cNvSpPr txBox="1">
+            <a:spLocks/>
+          </p:cNvSpPr>
+          <p:nvPr/>
+        </p:nvSpPr>
+        <p:spPr>
+          <a:xfrm>
+            <a:off x="5765676" y="2066484"/>
+            <a:ext cx="4395810" cy="4483403"/>
+          </a:xfrm>
+          <a:prstGeom prst="rect">
+            <a:avLst/>
+          </a:prstGeom>
+        </p:spPr>
+        <p:txBody>
+          <a:bodyPr vert="horz" lIns="91440" tIns="45720" rIns="91440" bIns="45720" rtlCol="0">
+            <a:normAutofit/>
+          </a:bodyPr>
+          <a:lstStyle>
+            <a:lvl1pPr marL="342900" indent="-342900" algn="l" defTabSz="457200" rtl="0" eaLnBrk="1" latinLnBrk="0" hangingPunct="1">
+              <a:spcBef>
+                <a:spcPts val="1000"/>
+              </a:spcBef>
+              <a:spcAft>
+                <a:spcPts val="0"/>
+              </a:spcAft>
+              <a:buClr>
+                <a:schemeClr val="accent1"/>
+              </a:buClr>
+              <a:buSzPct val="80000"/>
+              <a:buFont typeface="Wingdings 3" charset="2"/>
+              <a:buChar char=""/>
+              <a:defRPr sz="1800" kern="1200">
+                <a:solidFill>
+                  <a:schemeClr val="tx1">
+                    <a:lumMod val="75000"/>
+                    <a:lumOff val="25000"/>
+                  </a:schemeClr>
+                </a:solidFill>
+                <a:latin typeface="+mn-lt"/>
+                <a:ea typeface="+mn-ea"/>
+                <a:cs typeface="+mn-cs"/>
+              </a:defRPr>
+            </a:lvl1pPr>
+            <a:lvl2pPr marL="742950" indent="-285750" algn="l" defTabSz="457200" rtl="0" eaLnBrk="1" latinLnBrk="0" hangingPunct="1">
+              <a:spcBef>
+                <a:spcPts val="1000"/>
+              </a:spcBef>
+              <a:spcAft>
+                <a:spcPts val="0"/>
+              </a:spcAft>
+              <a:buClr>
+                <a:schemeClr val="accent1"/>
+              </a:buClr>
+              <a:buSzPct val="80000"/>
+              <a:buFont typeface="Wingdings 3" charset="2"/>
+              <a:buChar char=""/>
+              <a:defRPr sz="1600" kern="1200">
+                <a:solidFill>
+                  <a:schemeClr val="tx1">
+                    <a:lumMod val="75000"/>
+                    <a:lumOff val="25000"/>
+                  </a:schemeClr>
+                </a:solidFill>
+                <a:latin typeface="+mn-lt"/>
+                <a:ea typeface="+mn-ea"/>
+                <a:cs typeface="+mn-cs"/>
+              </a:defRPr>
+            </a:lvl2pPr>
+            <a:lvl3pPr marL="1143000" indent="-228600" algn="l" defTabSz="457200" rtl="0" eaLnBrk="1" latinLnBrk="0" hangingPunct="1">
+              <a:spcBef>
+                <a:spcPts val="1000"/>
+              </a:spcBef>
+              <a:spcAft>
+                <a:spcPts val="0"/>
+              </a:spcAft>
+              <a:buClr>
+                <a:schemeClr val="accent1"/>
+              </a:buClr>
+              <a:buSzPct val="80000"/>
+              <a:buFont typeface="Wingdings 3" charset="2"/>
+              <a:buChar char=""/>
+              <a:defRPr sz="1400" kern="1200">
+                <a:solidFill>
+                  <a:schemeClr val="tx1">
+                    <a:lumMod val="75000"/>
+                    <a:lumOff val="25000"/>
+                  </a:schemeClr>
+                </a:solidFill>
+                <a:latin typeface="+mn-lt"/>
+                <a:ea typeface="+mn-ea"/>
+                <a:cs typeface="+mn-cs"/>
+              </a:defRPr>
+            </a:lvl3pPr>
+            <a:lvl4pPr marL="1600200" indent="-228600" algn="l" defTabSz="457200" rtl="0" eaLnBrk="1" latinLnBrk="0" hangingPunct="1">
+              <a:spcBef>
+                <a:spcPts val="1000"/>
+              </a:spcBef>
+              <a:spcAft>
+                <a:spcPts val="0"/>
+              </a:spcAft>
+              <a:buClr>
+                <a:schemeClr val="accent1"/>
+              </a:buClr>
+              <a:buSzPct val="80000"/>
+              <a:buFont typeface="Wingdings 3" charset="2"/>
+              <a:buChar char=""/>
+              <a:defRPr sz="1200" kern="1200">
+                <a:solidFill>
+                  <a:schemeClr val="tx1">
+                    <a:lumMod val="75000"/>
+                    <a:lumOff val="25000"/>
+                  </a:schemeClr>
+                </a:solidFill>
+                <a:latin typeface="+mn-lt"/>
+                <a:ea typeface="+mn-ea"/>
+                <a:cs typeface="+mn-cs"/>
+              </a:defRPr>
+            </a:lvl4pPr>
+            <a:lvl5pPr marL="2057400" indent="-228600" algn="l" defTabSz="457200" rtl="0" eaLnBrk="1" latinLnBrk="0" hangingPunct="1">
+              <a:spcBef>
+                <a:spcPts val="1000"/>
+              </a:spcBef>
+              <a:spcAft>
+                <a:spcPts val="0"/>
+              </a:spcAft>
+              <a:buClr>
+                <a:schemeClr val="accent1"/>
+              </a:buClr>
+              <a:buSzPct val="80000"/>
+              <a:buFont typeface="Wingdings 3" charset="2"/>
+              <a:buChar char=""/>
+              <a:defRPr sz="1200" kern="1200">
+                <a:solidFill>
+                  <a:schemeClr val="tx1">
+                    <a:lumMod val="75000"/>
+                    <a:lumOff val="25000"/>
+                  </a:schemeClr>
+                </a:solidFill>
+                <a:latin typeface="+mn-lt"/>
+                <a:ea typeface="+mn-ea"/>
+                <a:cs typeface="+mn-cs"/>
+              </a:defRPr>
+            </a:lvl5pPr>
+            <a:lvl6pPr marL="2514600" indent="-228600" algn="l" defTabSz="457200" rtl="0" eaLnBrk="1" latinLnBrk="0" hangingPunct="1">
+              <a:spcBef>
+                <a:spcPts val="1000"/>
+              </a:spcBef>
+              <a:spcAft>
+                <a:spcPts val="0"/>
+              </a:spcAft>
+              <a:buClr>
+                <a:schemeClr val="accent1"/>
+              </a:buClr>
+              <a:buSzPct val="80000"/>
+              <a:buFont typeface="Wingdings 3" charset="2"/>
+              <a:buChar char=""/>
+              <a:defRPr sz="1200" kern="1200">
+                <a:solidFill>
+                  <a:schemeClr val="tx1">
+                    <a:lumMod val="75000"/>
+                    <a:lumOff val="25000"/>
+                  </a:schemeClr>
+                </a:solidFill>
+                <a:latin typeface="+mn-lt"/>
+                <a:ea typeface="+mn-ea"/>
+                <a:cs typeface="+mn-cs"/>
+              </a:defRPr>
+            </a:lvl6pPr>
+            <a:lvl7pPr marL="2971800" indent="-228600" algn="l" defTabSz="457200" rtl="0" eaLnBrk="1" latinLnBrk="0" hangingPunct="1">
+              <a:spcBef>
+                <a:spcPts val="1000"/>
+              </a:spcBef>
+              <a:spcAft>
+                <a:spcPts val="0"/>
+              </a:spcAft>
+              <a:buClr>
+                <a:schemeClr val="accent1"/>
+              </a:buClr>
+              <a:buSzPct val="80000"/>
+              <a:buFont typeface="Wingdings 3" charset="2"/>
+              <a:buChar char=""/>
+              <a:defRPr sz="1200" kern="1200">
+                <a:solidFill>
+                  <a:schemeClr val="tx1">
+                    <a:lumMod val="75000"/>
+                    <a:lumOff val="25000"/>
+                  </a:schemeClr>
+                </a:solidFill>
+                <a:latin typeface="+mn-lt"/>
+                <a:ea typeface="+mn-ea"/>
+                <a:cs typeface="+mn-cs"/>
+              </a:defRPr>
+            </a:lvl7pPr>
+            <a:lvl8pPr marL="3429000" indent="-228600" algn="l" defTabSz="457200" rtl="0" eaLnBrk="1" latinLnBrk="0" hangingPunct="1">
+              <a:spcBef>
+                <a:spcPts val="1000"/>
+              </a:spcBef>
+              <a:spcAft>
+                <a:spcPts val="0"/>
+              </a:spcAft>
+              <a:buClr>
+                <a:schemeClr val="accent1"/>
+              </a:buClr>
+              <a:buSzPct val="80000"/>
+              <a:buFont typeface="Wingdings 3" charset="2"/>
+              <a:buChar char=""/>
+              <a:defRPr sz="1200" kern="1200">
+                <a:solidFill>
+                  <a:schemeClr val="tx1">
+                    <a:lumMod val="75000"/>
+                    <a:lumOff val="25000"/>
+                  </a:schemeClr>
+                </a:solidFill>
+                <a:latin typeface="+mn-lt"/>
+                <a:ea typeface="+mn-ea"/>
+                <a:cs typeface="+mn-cs"/>
+              </a:defRPr>
+            </a:lvl8pPr>
+            <a:lvl9pPr marL="3886200" indent="-228600" algn="l" defTabSz="457200" rtl="0" eaLnBrk="1" latinLnBrk="0" hangingPunct="1">
+              <a:spcBef>
+                <a:spcPts val="1000"/>
+              </a:spcBef>
+              <a:spcAft>
+                <a:spcPts val="0"/>
+              </a:spcAft>
+              <a:buClr>
+                <a:schemeClr val="accent1"/>
+              </a:buClr>
+              <a:buSzPct val="80000"/>
+              <a:buFont typeface="Wingdings 3" charset="2"/>
+              <a:buChar char=""/>
+              <a:defRPr sz="1200" kern="1200">
+                <a:solidFill>
+                  <a:schemeClr val="tx1">
+                    <a:lumMod val="75000"/>
+                    <a:lumOff val="25000"/>
+                  </a:schemeClr>
+                </a:solidFill>
+                <a:latin typeface="+mn-lt"/>
+                <a:ea typeface="+mn-ea"/>
+                <a:cs typeface="+mn-cs"/>
+              </a:defRPr>
+            </a:lvl9pPr>
+          </a:lstStyle>
+          <a:p>
+            <a:r>
+              <a:rPr lang="en-US"/>
+              <a:t>For the communication we have used a</a:t>
+            </a:r>
+            <a:r>
+              <a:rPr lang="en-US" b="1"/>
+              <a:t> RabbitMQ </a:t>
+            </a:r>
+            <a:r>
+              <a:rPr lang="en-US"/>
+              <a:t>message broker</a:t>
+            </a:r>
+          </a:p>
+          <a:p>
+            <a:r>
+              <a:rPr lang="en-US"/>
+              <a:t>Each RabbitMQ client consists of </a:t>
+            </a:r>
+            <a:r>
+              <a:rPr lang="en-US" b="1"/>
+              <a:t>two different queues</a:t>
+            </a:r>
+            <a:r>
+              <a:rPr lang="en-US"/>
+              <a:t>, one to receive the requests from the other modules and the other the receive replies to the module requests</a:t>
+            </a:r>
+          </a:p>
+          <a:p>
+            <a:r>
+              <a:rPr lang="en-US"/>
+              <a:t>Communication between the module can </a:t>
+            </a:r>
+            <a:r>
+              <a:rPr lang="en-US" b="1"/>
+              <a:t>be asynchronous </a:t>
+            </a:r>
+            <a:r>
+              <a:rPr lang="en-US"/>
+              <a:t>or </a:t>
+            </a:r>
+            <a:r>
+              <a:rPr lang="en-US" b="1"/>
+              <a:t>synchronous</a:t>
+            </a:r>
+            <a:endParaRPr lang="en-US"/>
+          </a:p>
+        </p:txBody>
+      </p:sp>
+      <p:sp>
+        <p:nvSpPr>
+          <p:cNvPr id="2" name="Título 1">
+            <a:extLst>
+              <a:ext uri="{FF2B5EF4-FFF2-40B4-BE49-F238E27FC236}">
+                <a16:creationId xmlns:a16="http://schemas.microsoft.com/office/drawing/2014/main" id="{69BED902-288F-4373-AC39-F683554F2CE0}"/>
+              </a:ext>
+            </a:extLst>
+          </p:cNvPr>
+          <p:cNvSpPr>
+            <a:spLocks noGrp="1"/>
+          </p:cNvSpPr>
+          <p:nvPr>
+            <p:ph type="title"/>
+          </p:nvPr>
+        </p:nvSpPr>
+        <p:spPr>
+          <a:xfrm>
+            <a:off x="667581" y="308113"/>
+            <a:ext cx="5295897" cy="654227"/>
+          </a:xfrm>
+        </p:spPr>
+        <p:txBody>
+          <a:bodyPr>
+            <a:normAutofit/>
+          </a:bodyPr>
+          <a:lstStyle/>
+          <a:p>
+            <a:r>
+              <a:rPr lang="pt-BR"/>
+              <a:t>Communications Overall</a:t>
+            </a:r>
+            <a:endParaRPr lang="pt-BR" dirty="0"/>
+          </a:p>
+        </p:txBody>
+      </p:sp>
+      <p:pic>
+        <p:nvPicPr>
+          <p:cNvPr id="5" name="Segnaposto contenuto 4">
+            <a:extLst>
+              <a:ext uri="{FF2B5EF4-FFF2-40B4-BE49-F238E27FC236}">
+                <a16:creationId xmlns:a16="http://schemas.microsoft.com/office/drawing/2014/main" id="{ACFF8497-CABD-4064-9A29-EED315E0F99F}"/>
+              </a:ext>
+            </a:extLst>
+          </p:cNvPr>
+          <p:cNvPicPr>
+            <a:picLocks noGrp="1" noChangeAspect="1"/>
+          </p:cNvPicPr>
+          <p:nvPr>
+            <p:ph idx="1"/>
+          </p:nvPr>
+        </p:nvPicPr>
+        <p:blipFill>
+          <a:blip r:embed="rId2"/>
+          <a:stretch>
+            <a:fillRect/>
+          </a:stretch>
+        </p:blipFill>
+        <p:spPr>
+          <a:xfrm>
+            <a:off x="448733" y="1270453"/>
+            <a:ext cx="5061077" cy="4821920"/>
+          </a:xfrm>
+        </p:spPr>
+      </p:pic>
     </p:spTree>
     <p:extLst>
       <p:ext uri="{BB962C8B-B14F-4D97-AF65-F5344CB8AC3E}">
-        <p14:creationId xmlns:p14="http://schemas.microsoft.com/office/powerpoint/2010/main" val="3008709187"/>
+        <p14:creationId xmlns:p14="http://schemas.microsoft.com/office/powerpoint/2010/main" val="383846261"/>
       </p:ext>
     </p:extLst>
   </p:cSld>
@@ -6708,7 +7818,1643 @@
 </p:sld>
 </file>
 
-<file path=ppt/slides/slide11.xml><?xml version="1.0" encoding="utf-8"?>
+<file path=ppt/slides/slide12.xml><?xml version="1.0" encoding="utf-8"?>
+<p:sld xmlns:a="http://schemas.openxmlformats.org/drawingml/2006/main" xmlns:r="http://schemas.openxmlformats.org/officeDocument/2006/relationships" xmlns:p="http://schemas.openxmlformats.org/presentationml/2006/main">
+  <p:cSld>
+    <p:bg>
+      <p:bgPr>
+        <a:solidFill>
+          <a:schemeClr val="bg1"/>
+        </a:solidFill>
+        <a:effectLst/>
+      </p:bgPr>
+    </p:bg>
+    <p:spTree>
+      <p:nvGrpSpPr>
+        <p:cNvPr id="1" name=""/>
+        <p:cNvGrpSpPr/>
+        <p:nvPr/>
+      </p:nvGrpSpPr>
+      <p:grpSpPr>
+        <a:xfrm>
+          <a:off x="0" y="0"/>
+          <a:ext cx="0" cy="0"/>
+          <a:chOff x="0" y="0"/>
+          <a:chExt cx="0" cy="0"/>
+        </a:xfrm>
+      </p:grpSpPr>
+      <p:sp useBgFill="1">
+        <p:nvSpPr>
+          <p:cNvPr id="8" name="Rectangle 7">
+            <a:extLst>
+              <a:ext uri="{FF2B5EF4-FFF2-40B4-BE49-F238E27FC236}">
+                <a16:creationId xmlns:a16="http://schemas.microsoft.com/office/drawing/2014/main" id="{E80B86A7-A1EC-475B-9166-88902B033A38}"/>
+              </a:ext>
+              <a:ext uri="{C183D7F6-B498-43B3-948B-1728B52AA6E4}">
+                <adec:decorative xmlns:adec="http://schemas.microsoft.com/office/drawing/2017/decorative" val="1"/>
+              </a:ext>
+            </a:extLst>
+          </p:cNvPr>
+          <p:cNvSpPr>
+            <a:spLocks noGrp="1" noRot="1" noChangeAspect="1" noMove="1" noResize="1" noEditPoints="1" noAdjustHandles="1" noChangeArrowheads="1" noChangeShapeType="1" noTextEdit="1"/>
+          </p:cNvSpPr>
+          <p:nvPr>
+            <p:extLst>
+              <p:ext uri="{386F3935-93C4-4BCD-93E2-E3B085C9AB24}">
+                <p16:designElem xmlns:p16="http://schemas.microsoft.com/office/powerpoint/2015/main" val="1"/>
+              </p:ext>
+            </p:extLst>
+          </p:nvPr>
+        </p:nvSpPr>
+        <p:spPr>
+          <a:xfrm>
+            <a:off x="0" y="0"/>
+            <a:ext cx="12192000" cy="6858000"/>
+          </a:xfrm>
+          <a:prstGeom prst="rect">
+            <a:avLst/>
+          </a:prstGeom>
+          <a:ln>
+            <a:noFill/>
+          </a:ln>
+        </p:spPr>
+        <p:style>
+          <a:lnRef idx="2">
+            <a:schemeClr val="accent1">
+              <a:shade val="50000"/>
+            </a:schemeClr>
+          </a:lnRef>
+          <a:fillRef idx="1">
+            <a:schemeClr val="accent1"/>
+          </a:fillRef>
+          <a:effectRef idx="0">
+            <a:schemeClr val="accent1"/>
+          </a:effectRef>
+          <a:fontRef idx="minor">
+            <a:schemeClr val="lt1"/>
+          </a:fontRef>
+        </p:style>
+        <p:txBody>
+          <a:bodyPr rtlCol="0" anchor="ctr"/>
+          <a:lstStyle/>
+          <a:p>
+            <a:pPr algn="ctr"/>
+            <a:endParaRPr lang="en-US"/>
+          </a:p>
+        </p:txBody>
+      </p:sp>
+      <p:sp>
+        <p:nvSpPr>
+          <p:cNvPr id="10" name="Isosceles Triangle 9">
+            <a:extLst>
+              <a:ext uri="{FF2B5EF4-FFF2-40B4-BE49-F238E27FC236}">
+                <a16:creationId xmlns:a16="http://schemas.microsoft.com/office/drawing/2014/main" id="{C2C29CB1-9F74-4879-A6AF-AEA67B6F1F4D}"/>
+              </a:ext>
+              <a:ext uri="{C183D7F6-B498-43B3-948B-1728B52AA6E4}">
+                <adec:decorative xmlns:adec="http://schemas.microsoft.com/office/drawing/2017/decorative" val="1"/>
+              </a:ext>
+            </a:extLst>
+          </p:cNvPr>
+          <p:cNvSpPr>
+            <a:spLocks noGrp="1" noRot="1" noChangeAspect="1" noMove="1" noResize="1" noEditPoints="1" noAdjustHandles="1" noChangeArrowheads="1" noChangeShapeType="1" noTextEdit="1"/>
+          </p:cNvSpPr>
+          <p:nvPr>
+            <p:extLst>
+              <p:ext uri="{386F3935-93C4-4BCD-93E2-E3B085C9AB24}">
+                <p16:designElem xmlns:p16="http://schemas.microsoft.com/office/powerpoint/2015/main" val="1"/>
+              </p:ext>
+            </p:extLst>
+          </p:nvPr>
+        </p:nvSpPr>
+        <p:spPr>
+          <a:xfrm rot="10800000">
+            <a:off x="0" y="0"/>
+            <a:ext cx="842596" cy="5666154"/>
+          </a:xfrm>
+          <a:prstGeom prst="triangle">
+            <a:avLst>
+              <a:gd name="adj" fmla="val 100000"/>
+            </a:avLst>
+          </a:prstGeom>
+          <a:solidFill>
+            <a:schemeClr val="accent1">
+              <a:alpha val="85000"/>
+            </a:schemeClr>
+          </a:solidFill>
+          <a:ln>
+            <a:noFill/>
+          </a:ln>
+          <a:effectLst/>
+        </p:spPr>
+        <p:style>
+          <a:lnRef idx="1">
+            <a:schemeClr val="accent1"/>
+          </a:lnRef>
+          <a:fillRef idx="3">
+            <a:schemeClr val="accent1"/>
+          </a:fillRef>
+          <a:effectRef idx="2">
+            <a:schemeClr val="accent1"/>
+          </a:effectRef>
+          <a:fontRef idx="minor">
+            <a:schemeClr val="lt1"/>
+          </a:fontRef>
+        </p:style>
+      </p:sp>
+      <p:sp>
+        <p:nvSpPr>
+          <p:cNvPr id="12" name="Isosceles Triangle 11">
+            <a:extLst>
+              <a:ext uri="{FF2B5EF4-FFF2-40B4-BE49-F238E27FC236}">
+                <a16:creationId xmlns:a16="http://schemas.microsoft.com/office/drawing/2014/main" id="{7E2C7115-5336-410C-AD71-0F0952A2E5A7}"/>
+              </a:ext>
+              <a:ext uri="{C183D7F6-B498-43B3-948B-1728B52AA6E4}">
+                <adec:decorative xmlns:adec="http://schemas.microsoft.com/office/drawing/2017/decorative" val="1"/>
+              </a:ext>
+            </a:extLst>
+          </p:cNvPr>
+          <p:cNvSpPr>
+            <a:spLocks noGrp="1" noRot="1" noChangeAspect="1" noMove="1" noResize="1" noEditPoints="1" noAdjustHandles="1" noChangeArrowheads="1" noChangeShapeType="1" noTextEdit="1"/>
+          </p:cNvSpPr>
+          <p:nvPr>
+            <p:extLst>
+              <p:ext uri="{386F3935-93C4-4BCD-93E2-E3B085C9AB24}">
+                <p16:designElem xmlns:p16="http://schemas.microsoft.com/office/powerpoint/2015/main" val="1"/>
+              </p:ext>
+            </p:extLst>
+          </p:nvPr>
+        </p:nvSpPr>
+        <p:spPr>
+          <a:xfrm flipH="1">
+            <a:off x="11743267" y="4013200"/>
+            <a:ext cx="448733" cy="2844800"/>
+          </a:xfrm>
+          <a:prstGeom prst="triangle">
+            <a:avLst>
+              <a:gd name="adj" fmla="val 0"/>
+            </a:avLst>
+          </a:prstGeom>
+          <a:solidFill>
+            <a:schemeClr val="accent1">
+              <a:alpha val="85000"/>
+            </a:schemeClr>
+          </a:solidFill>
+          <a:ln>
+            <a:noFill/>
+          </a:ln>
+          <a:effectLst/>
+        </p:spPr>
+        <p:style>
+          <a:lnRef idx="1">
+            <a:schemeClr val="accent1"/>
+          </a:lnRef>
+          <a:fillRef idx="3">
+            <a:schemeClr val="accent1"/>
+          </a:fillRef>
+          <a:effectRef idx="2">
+            <a:schemeClr val="accent1"/>
+          </a:effectRef>
+          <a:fontRef idx="minor">
+            <a:schemeClr val="lt1"/>
+          </a:fontRef>
+        </p:style>
+      </p:sp>
+      <p:sp>
+        <p:nvSpPr>
+          <p:cNvPr id="9" name="Espaço Reservado para Conteúdo 2">
+            <a:extLst>
+              <a:ext uri="{FF2B5EF4-FFF2-40B4-BE49-F238E27FC236}">
+                <a16:creationId xmlns:a16="http://schemas.microsoft.com/office/drawing/2014/main" id="{439371E8-47A5-4CD6-8060-C195E9F43A4C}"/>
+              </a:ext>
+            </a:extLst>
+          </p:cNvPr>
+          <p:cNvSpPr txBox="1">
+            <a:spLocks/>
+          </p:cNvSpPr>
+          <p:nvPr/>
+        </p:nvSpPr>
+        <p:spPr>
+          <a:xfrm>
+            <a:off x="1333502" y="725194"/>
+            <a:ext cx="9798786" cy="1320800"/>
+          </a:xfrm>
+          <a:prstGeom prst="rect">
+            <a:avLst/>
+          </a:prstGeom>
+        </p:spPr>
+        <p:txBody>
+          <a:bodyPr vert="horz" lIns="91440" tIns="45720" rIns="91440" bIns="45720" rtlCol="0">
+            <a:normAutofit/>
+          </a:bodyPr>
+          <a:lstStyle>
+            <a:lvl1pPr marL="342900" indent="-342900" algn="l" defTabSz="457200" rtl="0" eaLnBrk="1" latinLnBrk="0" hangingPunct="1">
+              <a:spcBef>
+                <a:spcPts val="1000"/>
+              </a:spcBef>
+              <a:spcAft>
+                <a:spcPts val="0"/>
+              </a:spcAft>
+              <a:buClr>
+                <a:schemeClr val="accent1"/>
+              </a:buClr>
+              <a:buSzPct val="80000"/>
+              <a:buFont typeface="Wingdings 3" charset="2"/>
+              <a:buChar char=""/>
+              <a:defRPr sz="1800" kern="1200">
+                <a:solidFill>
+                  <a:schemeClr val="tx1">
+                    <a:lumMod val="75000"/>
+                    <a:lumOff val="25000"/>
+                  </a:schemeClr>
+                </a:solidFill>
+                <a:latin typeface="+mn-lt"/>
+                <a:ea typeface="+mn-ea"/>
+                <a:cs typeface="+mn-cs"/>
+              </a:defRPr>
+            </a:lvl1pPr>
+            <a:lvl2pPr marL="742950" indent="-285750" algn="l" defTabSz="457200" rtl="0" eaLnBrk="1" latinLnBrk="0" hangingPunct="1">
+              <a:spcBef>
+                <a:spcPts val="1000"/>
+              </a:spcBef>
+              <a:spcAft>
+                <a:spcPts val="0"/>
+              </a:spcAft>
+              <a:buClr>
+                <a:schemeClr val="accent1"/>
+              </a:buClr>
+              <a:buSzPct val="80000"/>
+              <a:buFont typeface="Wingdings 3" charset="2"/>
+              <a:buChar char=""/>
+              <a:defRPr sz="1600" kern="1200">
+                <a:solidFill>
+                  <a:schemeClr val="tx1">
+                    <a:lumMod val="75000"/>
+                    <a:lumOff val="25000"/>
+                  </a:schemeClr>
+                </a:solidFill>
+                <a:latin typeface="+mn-lt"/>
+                <a:ea typeface="+mn-ea"/>
+                <a:cs typeface="+mn-cs"/>
+              </a:defRPr>
+            </a:lvl2pPr>
+            <a:lvl3pPr marL="1143000" indent="-228600" algn="l" defTabSz="457200" rtl="0" eaLnBrk="1" latinLnBrk="0" hangingPunct="1">
+              <a:spcBef>
+                <a:spcPts val="1000"/>
+              </a:spcBef>
+              <a:spcAft>
+                <a:spcPts val="0"/>
+              </a:spcAft>
+              <a:buClr>
+                <a:schemeClr val="accent1"/>
+              </a:buClr>
+              <a:buSzPct val="80000"/>
+              <a:buFont typeface="Wingdings 3" charset="2"/>
+              <a:buChar char=""/>
+              <a:defRPr sz="1400" kern="1200">
+                <a:solidFill>
+                  <a:schemeClr val="tx1">
+                    <a:lumMod val="75000"/>
+                    <a:lumOff val="25000"/>
+                  </a:schemeClr>
+                </a:solidFill>
+                <a:latin typeface="+mn-lt"/>
+                <a:ea typeface="+mn-ea"/>
+                <a:cs typeface="+mn-cs"/>
+              </a:defRPr>
+            </a:lvl3pPr>
+            <a:lvl4pPr marL="1600200" indent="-228600" algn="l" defTabSz="457200" rtl="0" eaLnBrk="1" latinLnBrk="0" hangingPunct="1">
+              <a:spcBef>
+                <a:spcPts val="1000"/>
+              </a:spcBef>
+              <a:spcAft>
+                <a:spcPts val="0"/>
+              </a:spcAft>
+              <a:buClr>
+                <a:schemeClr val="accent1"/>
+              </a:buClr>
+              <a:buSzPct val="80000"/>
+              <a:buFont typeface="Wingdings 3" charset="2"/>
+              <a:buChar char=""/>
+              <a:defRPr sz="1200" kern="1200">
+                <a:solidFill>
+                  <a:schemeClr val="tx1">
+                    <a:lumMod val="75000"/>
+                    <a:lumOff val="25000"/>
+                  </a:schemeClr>
+                </a:solidFill>
+                <a:latin typeface="+mn-lt"/>
+                <a:ea typeface="+mn-ea"/>
+                <a:cs typeface="+mn-cs"/>
+              </a:defRPr>
+            </a:lvl4pPr>
+            <a:lvl5pPr marL="2057400" indent="-228600" algn="l" defTabSz="457200" rtl="0" eaLnBrk="1" latinLnBrk="0" hangingPunct="1">
+              <a:spcBef>
+                <a:spcPts val="1000"/>
+              </a:spcBef>
+              <a:spcAft>
+                <a:spcPts val="0"/>
+              </a:spcAft>
+              <a:buClr>
+                <a:schemeClr val="accent1"/>
+              </a:buClr>
+              <a:buSzPct val="80000"/>
+              <a:buFont typeface="Wingdings 3" charset="2"/>
+              <a:buChar char=""/>
+              <a:defRPr sz="1200" kern="1200">
+                <a:solidFill>
+                  <a:schemeClr val="tx1">
+                    <a:lumMod val="75000"/>
+                    <a:lumOff val="25000"/>
+                  </a:schemeClr>
+                </a:solidFill>
+                <a:latin typeface="+mn-lt"/>
+                <a:ea typeface="+mn-ea"/>
+                <a:cs typeface="+mn-cs"/>
+              </a:defRPr>
+            </a:lvl5pPr>
+            <a:lvl6pPr marL="2514600" indent="-228600" algn="l" defTabSz="457200" rtl="0" eaLnBrk="1" latinLnBrk="0" hangingPunct="1">
+              <a:spcBef>
+                <a:spcPts val="1000"/>
+              </a:spcBef>
+              <a:spcAft>
+                <a:spcPts val="0"/>
+              </a:spcAft>
+              <a:buClr>
+                <a:schemeClr val="accent1"/>
+              </a:buClr>
+              <a:buSzPct val="80000"/>
+              <a:buFont typeface="Wingdings 3" charset="2"/>
+              <a:buChar char=""/>
+              <a:defRPr sz="1200" kern="1200">
+                <a:solidFill>
+                  <a:schemeClr val="tx1">
+                    <a:lumMod val="75000"/>
+                    <a:lumOff val="25000"/>
+                  </a:schemeClr>
+                </a:solidFill>
+                <a:latin typeface="+mn-lt"/>
+                <a:ea typeface="+mn-ea"/>
+                <a:cs typeface="+mn-cs"/>
+              </a:defRPr>
+            </a:lvl6pPr>
+            <a:lvl7pPr marL="2971800" indent="-228600" algn="l" defTabSz="457200" rtl="0" eaLnBrk="1" latinLnBrk="0" hangingPunct="1">
+              <a:spcBef>
+                <a:spcPts val="1000"/>
+              </a:spcBef>
+              <a:spcAft>
+                <a:spcPts val="0"/>
+              </a:spcAft>
+              <a:buClr>
+                <a:schemeClr val="accent1"/>
+              </a:buClr>
+              <a:buSzPct val="80000"/>
+              <a:buFont typeface="Wingdings 3" charset="2"/>
+              <a:buChar char=""/>
+              <a:defRPr sz="1200" kern="1200">
+                <a:solidFill>
+                  <a:schemeClr val="tx1">
+                    <a:lumMod val="75000"/>
+                    <a:lumOff val="25000"/>
+                  </a:schemeClr>
+                </a:solidFill>
+                <a:latin typeface="+mn-lt"/>
+                <a:ea typeface="+mn-ea"/>
+                <a:cs typeface="+mn-cs"/>
+              </a:defRPr>
+            </a:lvl7pPr>
+            <a:lvl8pPr marL="3429000" indent="-228600" algn="l" defTabSz="457200" rtl="0" eaLnBrk="1" latinLnBrk="0" hangingPunct="1">
+              <a:spcBef>
+                <a:spcPts val="1000"/>
+              </a:spcBef>
+              <a:spcAft>
+                <a:spcPts val="0"/>
+              </a:spcAft>
+              <a:buClr>
+                <a:schemeClr val="accent1"/>
+              </a:buClr>
+              <a:buSzPct val="80000"/>
+              <a:buFont typeface="Wingdings 3" charset="2"/>
+              <a:buChar char=""/>
+              <a:defRPr sz="1200" kern="1200">
+                <a:solidFill>
+                  <a:schemeClr val="tx1">
+                    <a:lumMod val="75000"/>
+                    <a:lumOff val="25000"/>
+                  </a:schemeClr>
+                </a:solidFill>
+                <a:latin typeface="+mn-lt"/>
+                <a:ea typeface="+mn-ea"/>
+                <a:cs typeface="+mn-cs"/>
+              </a:defRPr>
+            </a:lvl8pPr>
+            <a:lvl9pPr marL="3886200" indent="-228600" algn="l" defTabSz="457200" rtl="0" eaLnBrk="1" latinLnBrk="0" hangingPunct="1">
+              <a:spcBef>
+                <a:spcPts val="1000"/>
+              </a:spcBef>
+              <a:spcAft>
+                <a:spcPts val="0"/>
+              </a:spcAft>
+              <a:buClr>
+                <a:schemeClr val="accent1"/>
+              </a:buClr>
+              <a:buSzPct val="80000"/>
+              <a:buFont typeface="Wingdings 3" charset="2"/>
+              <a:buChar char=""/>
+              <a:defRPr sz="1200" kern="1200">
+                <a:solidFill>
+                  <a:schemeClr val="tx1">
+                    <a:lumMod val="75000"/>
+                    <a:lumOff val="25000"/>
+                  </a:schemeClr>
+                </a:solidFill>
+                <a:latin typeface="+mn-lt"/>
+                <a:ea typeface="+mn-ea"/>
+                <a:cs typeface="+mn-cs"/>
+              </a:defRPr>
+            </a:lvl9pPr>
+          </a:lstStyle>
+          <a:p>
+            <a:pPr marL="0" indent="0">
+              <a:buNone/>
+            </a:pPr>
+            <a:endParaRPr lang="en-US" dirty="0"/>
+          </a:p>
+        </p:txBody>
+      </p:sp>
+      <p:sp>
+        <p:nvSpPr>
+          <p:cNvPr id="11" name="Título 1">
+            <a:extLst>
+              <a:ext uri="{FF2B5EF4-FFF2-40B4-BE49-F238E27FC236}">
+                <a16:creationId xmlns:a16="http://schemas.microsoft.com/office/drawing/2014/main" id="{332D9953-8612-4CF3-A165-52A68E7452E6}"/>
+              </a:ext>
+            </a:extLst>
+          </p:cNvPr>
+          <p:cNvSpPr>
+            <a:spLocks noGrp="1"/>
+          </p:cNvSpPr>
+          <p:nvPr>
+            <p:ph type="title"/>
+          </p:nvPr>
+        </p:nvSpPr>
+        <p:spPr>
+          <a:xfrm>
+            <a:off x="902905" y="554988"/>
+            <a:ext cx="8596668" cy="1320800"/>
+          </a:xfrm>
+        </p:spPr>
+        <p:txBody>
+          <a:bodyPr/>
+          <a:lstStyle/>
+          <a:p>
+            <a:r>
+              <a:rPr lang="pt-BR"/>
+              <a:t>Synchronized Messaging</a:t>
+            </a:r>
+          </a:p>
+        </p:txBody>
+      </p:sp>
+      <p:pic>
+        <p:nvPicPr>
+          <p:cNvPr id="5" name="Segnaposto contenuto 4">
+            <a:extLst>
+              <a:ext uri="{FF2B5EF4-FFF2-40B4-BE49-F238E27FC236}">
+                <a16:creationId xmlns:a16="http://schemas.microsoft.com/office/drawing/2014/main" id="{2367B3FE-3A4D-4498-9EF7-BF5D1474D071}"/>
+              </a:ext>
+            </a:extLst>
+          </p:cNvPr>
+          <p:cNvPicPr>
+            <a:picLocks noGrp="1" noChangeAspect="1"/>
+          </p:cNvPicPr>
+          <p:nvPr>
+            <p:ph sz="half" idx="1"/>
+          </p:nvPr>
+        </p:nvPicPr>
+        <p:blipFill>
+          <a:blip r:embed="rId2"/>
+          <a:stretch>
+            <a:fillRect/>
+          </a:stretch>
+        </p:blipFill>
+        <p:spPr>
+          <a:xfrm>
+            <a:off x="1393810" y="1410677"/>
+            <a:ext cx="9464688" cy="2844800"/>
+          </a:xfrm>
+        </p:spPr>
+      </p:pic>
+      <p:sp>
+        <p:nvSpPr>
+          <p:cNvPr id="14" name="Espaço Reservado para Conteúdo 2">
+            <a:extLst>
+              <a:ext uri="{FF2B5EF4-FFF2-40B4-BE49-F238E27FC236}">
+                <a16:creationId xmlns:a16="http://schemas.microsoft.com/office/drawing/2014/main" id="{6BBC86E4-BAC2-456D-A844-491186050DFB}"/>
+              </a:ext>
+            </a:extLst>
+          </p:cNvPr>
+          <p:cNvSpPr txBox="1">
+            <a:spLocks/>
+          </p:cNvSpPr>
+          <p:nvPr/>
+        </p:nvSpPr>
+        <p:spPr>
+          <a:xfrm>
+            <a:off x="421298" y="4646055"/>
+            <a:ext cx="10957815" cy="1694523"/>
+          </a:xfrm>
+          <a:prstGeom prst="rect">
+            <a:avLst/>
+          </a:prstGeom>
+        </p:spPr>
+        <p:txBody>
+          <a:bodyPr vert="horz" lIns="91440" tIns="45720" rIns="91440" bIns="45720" rtlCol="0">
+            <a:normAutofit lnSpcReduction="10000"/>
+          </a:bodyPr>
+          <a:lstStyle>
+            <a:lvl1pPr marL="342900" indent="-342900" algn="l" defTabSz="457200" rtl="0" eaLnBrk="1" latinLnBrk="0" hangingPunct="1">
+              <a:spcBef>
+                <a:spcPts val="1000"/>
+              </a:spcBef>
+              <a:spcAft>
+                <a:spcPts val="0"/>
+              </a:spcAft>
+              <a:buClr>
+                <a:schemeClr val="accent1"/>
+              </a:buClr>
+              <a:buSzPct val="80000"/>
+              <a:buFont typeface="Wingdings 3" charset="2"/>
+              <a:buChar char=""/>
+              <a:defRPr sz="1800" kern="1200">
+                <a:solidFill>
+                  <a:schemeClr val="tx1">
+                    <a:lumMod val="75000"/>
+                    <a:lumOff val="25000"/>
+                  </a:schemeClr>
+                </a:solidFill>
+                <a:latin typeface="+mn-lt"/>
+                <a:ea typeface="+mn-ea"/>
+                <a:cs typeface="+mn-cs"/>
+              </a:defRPr>
+            </a:lvl1pPr>
+            <a:lvl2pPr marL="742950" indent="-285750" algn="l" defTabSz="457200" rtl="0" eaLnBrk="1" latinLnBrk="0" hangingPunct="1">
+              <a:spcBef>
+                <a:spcPts val="1000"/>
+              </a:spcBef>
+              <a:spcAft>
+                <a:spcPts val="0"/>
+              </a:spcAft>
+              <a:buClr>
+                <a:schemeClr val="accent1"/>
+              </a:buClr>
+              <a:buSzPct val="80000"/>
+              <a:buFont typeface="Wingdings 3" charset="2"/>
+              <a:buChar char=""/>
+              <a:defRPr sz="1600" kern="1200">
+                <a:solidFill>
+                  <a:schemeClr val="tx1">
+                    <a:lumMod val="75000"/>
+                    <a:lumOff val="25000"/>
+                  </a:schemeClr>
+                </a:solidFill>
+                <a:latin typeface="+mn-lt"/>
+                <a:ea typeface="+mn-ea"/>
+                <a:cs typeface="+mn-cs"/>
+              </a:defRPr>
+            </a:lvl2pPr>
+            <a:lvl3pPr marL="1143000" indent="-228600" algn="l" defTabSz="457200" rtl="0" eaLnBrk="1" latinLnBrk="0" hangingPunct="1">
+              <a:spcBef>
+                <a:spcPts val="1000"/>
+              </a:spcBef>
+              <a:spcAft>
+                <a:spcPts val="0"/>
+              </a:spcAft>
+              <a:buClr>
+                <a:schemeClr val="accent1"/>
+              </a:buClr>
+              <a:buSzPct val="80000"/>
+              <a:buFont typeface="Wingdings 3" charset="2"/>
+              <a:buChar char=""/>
+              <a:defRPr sz="1400" kern="1200">
+                <a:solidFill>
+                  <a:schemeClr val="tx1">
+                    <a:lumMod val="75000"/>
+                    <a:lumOff val="25000"/>
+                  </a:schemeClr>
+                </a:solidFill>
+                <a:latin typeface="+mn-lt"/>
+                <a:ea typeface="+mn-ea"/>
+                <a:cs typeface="+mn-cs"/>
+              </a:defRPr>
+            </a:lvl3pPr>
+            <a:lvl4pPr marL="1600200" indent="-228600" algn="l" defTabSz="457200" rtl="0" eaLnBrk="1" latinLnBrk="0" hangingPunct="1">
+              <a:spcBef>
+                <a:spcPts val="1000"/>
+              </a:spcBef>
+              <a:spcAft>
+                <a:spcPts val="0"/>
+              </a:spcAft>
+              <a:buClr>
+                <a:schemeClr val="accent1"/>
+              </a:buClr>
+              <a:buSzPct val="80000"/>
+              <a:buFont typeface="Wingdings 3" charset="2"/>
+              <a:buChar char=""/>
+              <a:defRPr sz="1200" kern="1200">
+                <a:solidFill>
+                  <a:schemeClr val="tx1">
+                    <a:lumMod val="75000"/>
+                    <a:lumOff val="25000"/>
+                  </a:schemeClr>
+                </a:solidFill>
+                <a:latin typeface="+mn-lt"/>
+                <a:ea typeface="+mn-ea"/>
+                <a:cs typeface="+mn-cs"/>
+              </a:defRPr>
+            </a:lvl4pPr>
+            <a:lvl5pPr marL="2057400" indent="-228600" algn="l" defTabSz="457200" rtl="0" eaLnBrk="1" latinLnBrk="0" hangingPunct="1">
+              <a:spcBef>
+                <a:spcPts val="1000"/>
+              </a:spcBef>
+              <a:spcAft>
+                <a:spcPts val="0"/>
+              </a:spcAft>
+              <a:buClr>
+                <a:schemeClr val="accent1"/>
+              </a:buClr>
+              <a:buSzPct val="80000"/>
+              <a:buFont typeface="Wingdings 3" charset="2"/>
+              <a:buChar char=""/>
+              <a:defRPr sz="1200" kern="1200">
+                <a:solidFill>
+                  <a:schemeClr val="tx1">
+                    <a:lumMod val="75000"/>
+                    <a:lumOff val="25000"/>
+                  </a:schemeClr>
+                </a:solidFill>
+                <a:latin typeface="+mn-lt"/>
+                <a:ea typeface="+mn-ea"/>
+                <a:cs typeface="+mn-cs"/>
+              </a:defRPr>
+            </a:lvl5pPr>
+            <a:lvl6pPr marL="2514600" indent="-228600" algn="l" defTabSz="457200" rtl="0" eaLnBrk="1" latinLnBrk="0" hangingPunct="1">
+              <a:spcBef>
+                <a:spcPts val="1000"/>
+              </a:spcBef>
+              <a:spcAft>
+                <a:spcPts val="0"/>
+              </a:spcAft>
+              <a:buClr>
+                <a:schemeClr val="accent1"/>
+              </a:buClr>
+              <a:buSzPct val="80000"/>
+              <a:buFont typeface="Wingdings 3" charset="2"/>
+              <a:buChar char=""/>
+              <a:defRPr sz="1200" kern="1200">
+                <a:solidFill>
+                  <a:schemeClr val="tx1">
+                    <a:lumMod val="75000"/>
+                    <a:lumOff val="25000"/>
+                  </a:schemeClr>
+                </a:solidFill>
+                <a:latin typeface="+mn-lt"/>
+                <a:ea typeface="+mn-ea"/>
+                <a:cs typeface="+mn-cs"/>
+              </a:defRPr>
+            </a:lvl6pPr>
+            <a:lvl7pPr marL="2971800" indent="-228600" algn="l" defTabSz="457200" rtl="0" eaLnBrk="1" latinLnBrk="0" hangingPunct="1">
+              <a:spcBef>
+                <a:spcPts val="1000"/>
+              </a:spcBef>
+              <a:spcAft>
+                <a:spcPts val="0"/>
+              </a:spcAft>
+              <a:buClr>
+                <a:schemeClr val="accent1"/>
+              </a:buClr>
+              <a:buSzPct val="80000"/>
+              <a:buFont typeface="Wingdings 3" charset="2"/>
+              <a:buChar char=""/>
+              <a:defRPr sz="1200" kern="1200">
+                <a:solidFill>
+                  <a:schemeClr val="tx1">
+                    <a:lumMod val="75000"/>
+                    <a:lumOff val="25000"/>
+                  </a:schemeClr>
+                </a:solidFill>
+                <a:latin typeface="+mn-lt"/>
+                <a:ea typeface="+mn-ea"/>
+                <a:cs typeface="+mn-cs"/>
+              </a:defRPr>
+            </a:lvl7pPr>
+            <a:lvl8pPr marL="3429000" indent="-228600" algn="l" defTabSz="457200" rtl="0" eaLnBrk="1" latinLnBrk="0" hangingPunct="1">
+              <a:spcBef>
+                <a:spcPts val="1000"/>
+              </a:spcBef>
+              <a:spcAft>
+                <a:spcPts val="0"/>
+              </a:spcAft>
+              <a:buClr>
+                <a:schemeClr val="accent1"/>
+              </a:buClr>
+              <a:buSzPct val="80000"/>
+              <a:buFont typeface="Wingdings 3" charset="2"/>
+              <a:buChar char=""/>
+              <a:defRPr sz="1200" kern="1200">
+                <a:solidFill>
+                  <a:schemeClr val="tx1">
+                    <a:lumMod val="75000"/>
+                    <a:lumOff val="25000"/>
+                  </a:schemeClr>
+                </a:solidFill>
+                <a:latin typeface="+mn-lt"/>
+                <a:ea typeface="+mn-ea"/>
+                <a:cs typeface="+mn-cs"/>
+              </a:defRPr>
+            </a:lvl8pPr>
+            <a:lvl9pPr marL="3886200" indent="-228600" algn="l" defTabSz="457200" rtl="0" eaLnBrk="1" latinLnBrk="0" hangingPunct="1">
+              <a:spcBef>
+                <a:spcPts val="1000"/>
+              </a:spcBef>
+              <a:spcAft>
+                <a:spcPts val="0"/>
+              </a:spcAft>
+              <a:buClr>
+                <a:schemeClr val="accent1"/>
+              </a:buClr>
+              <a:buSzPct val="80000"/>
+              <a:buFont typeface="Wingdings 3" charset="2"/>
+              <a:buChar char=""/>
+              <a:defRPr sz="1200" kern="1200">
+                <a:solidFill>
+                  <a:schemeClr val="tx1">
+                    <a:lumMod val="75000"/>
+                    <a:lumOff val="25000"/>
+                  </a:schemeClr>
+                </a:solidFill>
+                <a:latin typeface="+mn-lt"/>
+                <a:ea typeface="+mn-ea"/>
+                <a:cs typeface="+mn-cs"/>
+              </a:defRPr>
+            </a:lvl9pPr>
+          </a:lstStyle>
+          <a:p>
+            <a:r>
+              <a:rPr lang="en-US" sz="1800"/>
+              <a:t>To implement the </a:t>
+            </a:r>
+            <a:r>
+              <a:rPr lang="en-US" sz="1800" b="1"/>
+              <a:t>synchronous communications </a:t>
+            </a:r>
+            <a:r>
+              <a:rPr lang="en-US" sz="1800"/>
+              <a:t>we have used a mechanism based on a callback channel</a:t>
+            </a:r>
+          </a:p>
+          <a:p>
+            <a:r>
+              <a:rPr lang="en-US"/>
+              <a:t>The </a:t>
+            </a:r>
+            <a:r>
+              <a:rPr lang="en-US" b="1"/>
+              <a:t>callback channel </a:t>
+            </a:r>
+            <a:r>
+              <a:rPr lang="en-US"/>
+              <a:t>is used to receive the reply to a request</a:t>
+            </a:r>
+          </a:p>
+          <a:p>
+            <a:r>
+              <a:rPr lang="en-US" sz="1800"/>
+              <a:t>Each request and reply have a </a:t>
+            </a:r>
+            <a:r>
+              <a:rPr lang="en-US" sz="1800" b="1"/>
+              <a:t>correlation id </a:t>
+            </a:r>
+            <a:r>
+              <a:rPr lang="en-US" sz="1800"/>
+              <a:t>associated which is used from the client to identify the origin request and forward the response to the correct thread</a:t>
+            </a:r>
+          </a:p>
+        </p:txBody>
+      </p:sp>
+    </p:spTree>
+    <p:extLst>
+      <p:ext uri="{BB962C8B-B14F-4D97-AF65-F5344CB8AC3E}">
+        <p14:creationId xmlns:p14="http://schemas.microsoft.com/office/powerpoint/2010/main" val="3545152672"/>
+      </p:ext>
+    </p:extLst>
+  </p:cSld>
+  <p:clrMapOvr>
+    <a:masterClrMapping/>
+  </p:clrMapOvr>
+</p:sld>
+</file>
+
+<file path=ppt/slides/slide13.xml><?xml version="1.0" encoding="utf-8"?>
+<p:sld xmlns:a="http://schemas.openxmlformats.org/drawingml/2006/main" xmlns:r="http://schemas.openxmlformats.org/officeDocument/2006/relationships" xmlns:p="http://schemas.openxmlformats.org/presentationml/2006/main">
+  <p:cSld>
+    <p:bg>
+      <p:bgPr>
+        <a:solidFill>
+          <a:schemeClr val="bg1"/>
+        </a:solidFill>
+        <a:effectLst/>
+      </p:bgPr>
+    </p:bg>
+    <p:spTree>
+      <p:nvGrpSpPr>
+        <p:cNvPr id="1" name=""/>
+        <p:cNvGrpSpPr/>
+        <p:nvPr/>
+      </p:nvGrpSpPr>
+      <p:grpSpPr>
+        <a:xfrm>
+          <a:off x="0" y="0"/>
+          <a:ext cx="0" cy="0"/>
+          <a:chOff x="0" y="0"/>
+          <a:chExt cx="0" cy="0"/>
+        </a:xfrm>
+      </p:grpSpPr>
+      <p:pic>
+        <p:nvPicPr>
+          <p:cNvPr id="5" name="Segnaposto contenuto 4">
+            <a:extLst>
+              <a:ext uri="{FF2B5EF4-FFF2-40B4-BE49-F238E27FC236}">
+                <a16:creationId xmlns:a16="http://schemas.microsoft.com/office/drawing/2014/main" id="{A93E36F6-F180-4BC5-BE4C-9B76650441B0}"/>
+              </a:ext>
+            </a:extLst>
+          </p:cNvPr>
+          <p:cNvPicPr>
+            <a:picLocks noChangeAspect="1"/>
+          </p:cNvPicPr>
+          <p:nvPr/>
+        </p:nvPicPr>
+        <p:blipFill>
+          <a:blip r:embed="rId2">
+            <a:extLst>
+              <a:ext uri="{837473B0-CC2E-450A-ABE3-18F120FF3D39}">
+                <a1611:picAttrSrcUrl xmlns:a1611="http://schemas.microsoft.com/office/drawing/2016/11/main" r:id="rId3"/>
+              </a:ext>
+            </a:extLst>
+          </a:blip>
+          <a:srcRect l="21121" r="21121"/>
+          <a:stretch/>
+        </p:blipFill>
+        <p:spPr>
+          <a:xfrm>
+            <a:off x="4269854" y="-1"/>
+            <a:ext cx="7922146" cy="6858001"/>
+          </a:xfrm>
+          <a:custGeom>
+            <a:avLst/>
+            <a:gdLst/>
+            <a:ahLst/>
+            <a:cxnLst/>
+            <a:rect l="l" t="t" r="r" b="b"/>
+            <a:pathLst>
+              <a:path w="7922146" h="6858001">
+                <a:moveTo>
+                  <a:pt x="379987" y="0"/>
+                </a:moveTo>
+                <a:lnTo>
+                  <a:pt x="5304971" y="0"/>
+                </a:lnTo>
+                <a:lnTo>
+                  <a:pt x="7065281" y="0"/>
+                </a:lnTo>
+                <a:lnTo>
+                  <a:pt x="7397540" y="0"/>
+                </a:lnTo>
+                <a:lnTo>
+                  <a:pt x="7397540" y="1"/>
+                </a:lnTo>
+                <a:lnTo>
+                  <a:pt x="7922146" y="1"/>
+                </a:lnTo>
+                <a:lnTo>
+                  <a:pt x="7922146" y="6858001"/>
+                </a:lnTo>
+                <a:lnTo>
+                  <a:pt x="7065281" y="6858001"/>
+                </a:lnTo>
+                <a:lnTo>
+                  <a:pt x="7065281" y="6858000"/>
+                </a:lnTo>
+                <a:lnTo>
+                  <a:pt x="5932989" y="6858000"/>
+                </a:lnTo>
+                <a:lnTo>
+                  <a:pt x="5932989" y="6858001"/>
+                </a:lnTo>
+                <a:lnTo>
+                  <a:pt x="27809" y="6858001"/>
+                </a:lnTo>
+                <a:lnTo>
+                  <a:pt x="1803228" y="4521201"/>
+                </a:lnTo>
+                <a:close/>
+                <a:moveTo>
+                  <a:pt x="0" y="0"/>
+                </a:moveTo>
+                <a:lnTo>
+                  <a:pt x="379987" y="0"/>
+                </a:lnTo>
+                <a:lnTo>
+                  <a:pt x="0" y="407"/>
+                </a:lnTo>
+                <a:close/>
+              </a:path>
+            </a:pathLst>
+          </a:custGeom>
+        </p:spPr>
+      </p:pic>
+      <p:sp>
+        <p:nvSpPr>
+          <p:cNvPr id="2" name="Título 1">
+            <a:extLst>
+              <a:ext uri="{FF2B5EF4-FFF2-40B4-BE49-F238E27FC236}">
+                <a16:creationId xmlns:a16="http://schemas.microsoft.com/office/drawing/2014/main" id="{69BED902-288F-4373-AC39-F683554F2CE0}"/>
+              </a:ext>
+            </a:extLst>
+          </p:cNvPr>
+          <p:cNvSpPr>
+            <a:spLocks noGrp="1"/>
+          </p:cNvSpPr>
+          <p:nvPr>
+            <p:ph type="title"/>
+          </p:nvPr>
+        </p:nvSpPr>
+        <p:spPr>
+          <a:xfrm>
+            <a:off x="170216" y="2565664"/>
+            <a:ext cx="5956499" cy="964671"/>
+          </a:xfrm>
+        </p:spPr>
+        <p:txBody>
+          <a:bodyPr>
+            <a:noAutofit/>
+          </a:bodyPr>
+          <a:lstStyle/>
+          <a:p>
+            <a:r>
+              <a:rPr lang="pt-BR" sz="6000" b="1">
+                <a:latin typeface="Aharoni" panose="02010803020104030203" pitchFamily="2" charset="-79"/>
+                <a:cs typeface="Aharoni" panose="02010803020104030203" pitchFamily="2" charset="-79"/>
+              </a:rPr>
+              <a:t>Optimizations</a:t>
+            </a:r>
+            <a:endParaRPr lang="pt-BR" sz="6000" b="1" dirty="0">
+              <a:latin typeface="Aharoni" panose="02010803020104030203" pitchFamily="2" charset="-79"/>
+              <a:cs typeface="Aharoni" panose="02010803020104030203" pitchFamily="2" charset="-79"/>
+            </a:endParaRPr>
+          </a:p>
+        </p:txBody>
+      </p:sp>
+      <p:cxnSp>
+        <p:nvCxnSpPr>
+          <p:cNvPr id="34" name="Straight Connector 33">
+            <a:extLst>
+              <a:ext uri="{FF2B5EF4-FFF2-40B4-BE49-F238E27FC236}">
+                <a16:creationId xmlns:a16="http://schemas.microsoft.com/office/drawing/2014/main" id="{64FA5DFF-7FE6-4855-84E6-DFA78EE978BD}"/>
+              </a:ext>
+              <a:ext uri="{C183D7F6-B498-43B3-948B-1728B52AA6E4}">
+                <adec:decorative xmlns:adec="http://schemas.microsoft.com/office/drawing/2017/decorative" val="1"/>
+              </a:ext>
+            </a:extLst>
+          </p:cNvPr>
+          <p:cNvCxnSpPr>
+            <a:cxnSpLocks noGrp="1" noRot="1" noChangeAspect="1" noMove="1" noResize="1" noEditPoints="1" noAdjustHandles="1" noChangeArrowheads="1" noChangeShapeType="1"/>
+          </p:cNvCxnSpPr>
+          <p:nvPr>
+            <p:extLst>
+              <p:ext uri="{386F3935-93C4-4BCD-93E2-E3B085C9AB24}">
+                <p16:designElem xmlns:p16="http://schemas.microsoft.com/office/powerpoint/2015/main" val="1"/>
+              </p:ext>
+            </p:extLst>
+          </p:nvPr>
+        </p:nvCxnSpPr>
+        <p:spPr>
+          <a:xfrm>
+            <a:off x="9371012" y="0"/>
+            <a:ext cx="1219200" cy="6858000"/>
+          </a:xfrm>
+          <a:prstGeom prst="line">
+            <a:avLst/>
+          </a:prstGeom>
+          <a:ln w="9525">
+            <a:solidFill>
+              <a:schemeClr val="bg1">
+                <a:lumMod val="75000"/>
+              </a:schemeClr>
+            </a:solidFill>
+          </a:ln>
+        </p:spPr>
+        <p:style>
+          <a:lnRef idx="2">
+            <a:schemeClr val="accent1"/>
+          </a:lnRef>
+          <a:fillRef idx="0">
+            <a:schemeClr val="accent1"/>
+          </a:fillRef>
+          <a:effectRef idx="1">
+            <a:schemeClr val="accent1"/>
+          </a:effectRef>
+          <a:fontRef idx="minor">
+            <a:schemeClr val="tx1"/>
+          </a:fontRef>
+        </p:style>
+      </p:cxnSp>
+      <p:cxnSp>
+        <p:nvCxnSpPr>
+          <p:cNvPr id="36" name="Straight Connector 35">
+            <a:extLst>
+              <a:ext uri="{FF2B5EF4-FFF2-40B4-BE49-F238E27FC236}">
+                <a16:creationId xmlns:a16="http://schemas.microsoft.com/office/drawing/2014/main" id="{2AFD8CBA-54A3-4363-991B-B9C631BBFA74}"/>
+              </a:ext>
+              <a:ext uri="{C183D7F6-B498-43B3-948B-1728B52AA6E4}">
+                <adec:decorative xmlns:adec="http://schemas.microsoft.com/office/drawing/2017/decorative" val="1"/>
+              </a:ext>
+            </a:extLst>
+          </p:cNvPr>
+          <p:cNvCxnSpPr>
+            <a:cxnSpLocks noGrp="1" noRot="1" noChangeAspect="1" noMove="1" noResize="1" noEditPoints="1" noAdjustHandles="1" noChangeArrowheads="1" noChangeShapeType="1"/>
+          </p:cNvCxnSpPr>
+          <p:nvPr>
+            <p:extLst>
+              <p:ext uri="{386F3935-93C4-4BCD-93E2-E3B085C9AB24}">
+                <p16:designElem xmlns:p16="http://schemas.microsoft.com/office/powerpoint/2015/main" val="1"/>
+              </p:ext>
+            </p:extLst>
+          </p:nvPr>
+        </p:nvCxnSpPr>
+        <p:spPr>
+          <a:xfrm flipH="1">
+            <a:off x="7425267" y="3681413"/>
+            <a:ext cx="4763558" cy="3176587"/>
+          </a:xfrm>
+          <a:prstGeom prst="line">
+            <a:avLst/>
+          </a:prstGeom>
+          <a:ln w="9525">
+            <a:solidFill>
+              <a:schemeClr val="bg1">
+                <a:lumMod val="85000"/>
+              </a:schemeClr>
+            </a:solidFill>
+          </a:ln>
+        </p:spPr>
+        <p:style>
+          <a:lnRef idx="2">
+            <a:schemeClr val="accent1"/>
+          </a:lnRef>
+          <a:fillRef idx="0">
+            <a:schemeClr val="accent1"/>
+          </a:fillRef>
+          <a:effectRef idx="1">
+            <a:schemeClr val="accent1"/>
+          </a:effectRef>
+          <a:fontRef idx="minor">
+            <a:schemeClr val="tx1"/>
+          </a:fontRef>
+        </p:style>
+      </p:cxnSp>
+      <p:sp>
+        <p:nvSpPr>
+          <p:cNvPr id="38" name="Rectangle 23">
+            <a:extLst>
+              <a:ext uri="{FF2B5EF4-FFF2-40B4-BE49-F238E27FC236}">
+                <a16:creationId xmlns:a16="http://schemas.microsoft.com/office/drawing/2014/main" id="{3F088236-D655-4F88-B238-E16762358025}"/>
+              </a:ext>
+              <a:ext uri="{C183D7F6-B498-43B3-948B-1728B52AA6E4}">
+                <adec:decorative xmlns:adec="http://schemas.microsoft.com/office/drawing/2017/decorative" val="1"/>
+              </a:ext>
+            </a:extLst>
+          </p:cNvPr>
+          <p:cNvSpPr>
+            <a:spLocks noGrp="1" noRot="1" noChangeAspect="1" noMove="1" noResize="1" noEditPoints="1" noAdjustHandles="1" noChangeArrowheads="1" noChangeShapeType="1" noTextEdit="1"/>
+          </p:cNvSpPr>
+          <p:nvPr>
+            <p:extLst>
+              <p:ext uri="{386F3935-93C4-4BCD-93E2-E3B085C9AB24}">
+                <p16:designElem xmlns:p16="http://schemas.microsoft.com/office/powerpoint/2015/main" val="1"/>
+              </p:ext>
+            </p:extLst>
+          </p:nvPr>
+        </p:nvSpPr>
+        <p:spPr>
+          <a:xfrm>
+            <a:off x="9181476" y="-8467"/>
+            <a:ext cx="3007349" cy="6866467"/>
+          </a:xfrm>
+          <a:custGeom>
+            <a:avLst/>
+            <a:gdLst/>
+            <a:ahLst/>
+            <a:cxnLst/>
+            <a:rect l="l" t="t" r="r" b="b"/>
+            <a:pathLst>
+              <a:path w="3007349" h="6866467">
+                <a:moveTo>
+                  <a:pt x="2045532" y="0"/>
+                </a:moveTo>
+                <a:lnTo>
+                  <a:pt x="3007349" y="0"/>
+                </a:lnTo>
+                <a:lnTo>
+                  <a:pt x="3007349" y="6866467"/>
+                </a:lnTo>
+                <a:lnTo>
+                  <a:pt x="0" y="6866467"/>
+                </a:lnTo>
+                <a:lnTo>
+                  <a:pt x="2045532" y="0"/>
+                </a:lnTo>
+                <a:close/>
+              </a:path>
+            </a:pathLst>
+          </a:custGeom>
+          <a:solidFill>
+            <a:schemeClr val="accent1">
+              <a:alpha val="30000"/>
+            </a:schemeClr>
+          </a:solidFill>
+          <a:ln>
+            <a:noFill/>
+          </a:ln>
+          <a:effectLst/>
+        </p:spPr>
+        <p:style>
+          <a:lnRef idx="1">
+            <a:schemeClr val="accent1"/>
+          </a:lnRef>
+          <a:fillRef idx="3">
+            <a:schemeClr val="accent1"/>
+          </a:fillRef>
+          <a:effectRef idx="2">
+            <a:schemeClr val="accent1"/>
+          </a:effectRef>
+          <a:fontRef idx="minor">
+            <a:schemeClr val="lt1"/>
+          </a:fontRef>
+        </p:style>
+      </p:sp>
+      <p:sp>
+        <p:nvSpPr>
+          <p:cNvPr id="40" name="Rectangle 25">
+            <a:extLst>
+              <a:ext uri="{FF2B5EF4-FFF2-40B4-BE49-F238E27FC236}">
+                <a16:creationId xmlns:a16="http://schemas.microsoft.com/office/drawing/2014/main" id="{3DAC0C92-199E-475C-9390-119A9B027276}"/>
+              </a:ext>
+              <a:ext uri="{C183D7F6-B498-43B3-948B-1728B52AA6E4}">
+                <adec:decorative xmlns:adec="http://schemas.microsoft.com/office/drawing/2017/decorative" val="1"/>
+              </a:ext>
+            </a:extLst>
+          </p:cNvPr>
+          <p:cNvSpPr>
+            <a:spLocks noGrp="1" noRot="1" noChangeAspect="1" noMove="1" noResize="1" noEditPoints="1" noAdjustHandles="1" noChangeArrowheads="1" noChangeShapeType="1" noTextEdit="1"/>
+          </p:cNvSpPr>
+          <p:nvPr>
+            <p:extLst>
+              <p:ext uri="{386F3935-93C4-4BCD-93E2-E3B085C9AB24}">
+                <p16:designElem xmlns:p16="http://schemas.microsoft.com/office/powerpoint/2015/main" val="1"/>
+              </p:ext>
+            </p:extLst>
+          </p:nvPr>
+        </p:nvSpPr>
+        <p:spPr>
+          <a:xfrm>
+            <a:off x="9603442" y="-8467"/>
+            <a:ext cx="2588558" cy="6866467"/>
+          </a:xfrm>
+          <a:custGeom>
+            <a:avLst/>
+            <a:gdLst/>
+            <a:ahLst/>
+            <a:cxnLst/>
+            <a:rect l="l" t="t" r="r" b="b"/>
+            <a:pathLst>
+              <a:path w="2573311" h="6866467">
+                <a:moveTo>
+                  <a:pt x="0" y="0"/>
+                </a:moveTo>
+                <a:lnTo>
+                  <a:pt x="2573311" y="0"/>
+                </a:lnTo>
+                <a:lnTo>
+                  <a:pt x="2573311" y="6866467"/>
+                </a:lnTo>
+                <a:lnTo>
+                  <a:pt x="1202336" y="6866467"/>
+                </a:lnTo>
+                <a:lnTo>
+                  <a:pt x="0" y="0"/>
+                </a:lnTo>
+                <a:close/>
+              </a:path>
+            </a:pathLst>
+          </a:custGeom>
+          <a:solidFill>
+            <a:schemeClr val="accent1">
+              <a:alpha val="20000"/>
+            </a:schemeClr>
+          </a:solidFill>
+          <a:ln>
+            <a:noFill/>
+          </a:ln>
+          <a:effectLst/>
+        </p:spPr>
+        <p:style>
+          <a:lnRef idx="1">
+            <a:schemeClr val="accent1"/>
+          </a:lnRef>
+          <a:fillRef idx="3">
+            <a:schemeClr val="accent1"/>
+          </a:fillRef>
+          <a:effectRef idx="2">
+            <a:schemeClr val="accent1"/>
+          </a:effectRef>
+          <a:fontRef idx="minor">
+            <a:schemeClr val="lt1"/>
+          </a:fontRef>
+        </p:style>
+      </p:sp>
+      <p:sp>
+        <p:nvSpPr>
+          <p:cNvPr id="42" name="Isosceles Triangle 24">
+            <a:extLst>
+              <a:ext uri="{FF2B5EF4-FFF2-40B4-BE49-F238E27FC236}">
+                <a16:creationId xmlns:a16="http://schemas.microsoft.com/office/drawing/2014/main" id="{C4CFB339-0ED8-4FE2-9EF1-6D1375B8499B}"/>
+              </a:ext>
+              <a:ext uri="{C183D7F6-B498-43B3-948B-1728B52AA6E4}">
+                <adec:decorative xmlns:adec="http://schemas.microsoft.com/office/drawing/2017/decorative" val="1"/>
+              </a:ext>
+            </a:extLst>
+          </p:cNvPr>
+          <p:cNvSpPr>
+            <a:spLocks noGrp="1" noRot="1" noChangeAspect="1" noMove="1" noResize="1" noEditPoints="1" noAdjustHandles="1" noChangeArrowheads="1" noChangeShapeType="1" noTextEdit="1"/>
+          </p:cNvSpPr>
+          <p:nvPr>
+            <p:extLst>
+              <p:ext uri="{386F3935-93C4-4BCD-93E2-E3B085C9AB24}">
+                <p16:designElem xmlns:p16="http://schemas.microsoft.com/office/powerpoint/2015/main" val="1"/>
+              </p:ext>
+            </p:extLst>
+          </p:nvPr>
+        </p:nvSpPr>
+        <p:spPr>
+          <a:xfrm>
+            <a:off x="8932333" y="3048000"/>
+            <a:ext cx="3259667" cy="3810000"/>
+          </a:xfrm>
+          <a:prstGeom prst="triangle">
+            <a:avLst>
+              <a:gd name="adj" fmla="val 100000"/>
+            </a:avLst>
+          </a:prstGeom>
+          <a:solidFill>
+            <a:schemeClr val="accent2">
+              <a:alpha val="72000"/>
+            </a:schemeClr>
+          </a:solidFill>
+          <a:ln>
+            <a:noFill/>
+          </a:ln>
+          <a:effectLst/>
+        </p:spPr>
+        <p:style>
+          <a:lnRef idx="1">
+            <a:schemeClr val="accent1"/>
+          </a:lnRef>
+          <a:fillRef idx="3">
+            <a:schemeClr val="accent1"/>
+          </a:fillRef>
+          <a:effectRef idx="2">
+            <a:schemeClr val="accent1"/>
+          </a:effectRef>
+          <a:fontRef idx="minor">
+            <a:schemeClr val="lt1"/>
+          </a:fontRef>
+        </p:style>
+      </p:sp>
+      <p:sp>
+        <p:nvSpPr>
+          <p:cNvPr id="44" name="Rectangle 27">
+            <a:extLst>
+              <a:ext uri="{FF2B5EF4-FFF2-40B4-BE49-F238E27FC236}">
+                <a16:creationId xmlns:a16="http://schemas.microsoft.com/office/drawing/2014/main" id="{31896C80-2069-4431-9C19-83B913734490}"/>
+              </a:ext>
+              <a:ext uri="{C183D7F6-B498-43B3-948B-1728B52AA6E4}">
+                <adec:decorative xmlns:adec="http://schemas.microsoft.com/office/drawing/2017/decorative" val="1"/>
+              </a:ext>
+            </a:extLst>
+          </p:cNvPr>
+          <p:cNvSpPr>
+            <a:spLocks noGrp="1" noRot="1" noChangeAspect="1" noMove="1" noResize="1" noEditPoints="1" noAdjustHandles="1" noChangeArrowheads="1" noChangeShapeType="1" noTextEdit="1"/>
+          </p:cNvSpPr>
+          <p:nvPr>
+            <p:extLst>
+              <p:ext uri="{386F3935-93C4-4BCD-93E2-E3B085C9AB24}">
+                <p16:designElem xmlns:p16="http://schemas.microsoft.com/office/powerpoint/2015/main" val="1"/>
+              </p:ext>
+            </p:extLst>
+          </p:nvPr>
+        </p:nvSpPr>
+        <p:spPr>
+          <a:xfrm>
+            <a:off x="9334500" y="-8467"/>
+            <a:ext cx="2854326" cy="6866467"/>
+          </a:xfrm>
+          <a:custGeom>
+            <a:avLst/>
+            <a:gdLst/>
+            <a:ahLst/>
+            <a:cxnLst/>
+            <a:rect l="l" t="t" r="r" b="b"/>
+            <a:pathLst>
+              <a:path w="2858013" h="6866467">
+                <a:moveTo>
+                  <a:pt x="0" y="0"/>
+                </a:moveTo>
+                <a:lnTo>
+                  <a:pt x="2858013" y="0"/>
+                </a:lnTo>
+                <a:lnTo>
+                  <a:pt x="2858013" y="6866467"/>
+                </a:lnTo>
+                <a:lnTo>
+                  <a:pt x="2473942" y="6866467"/>
+                </a:lnTo>
+                <a:lnTo>
+                  <a:pt x="0" y="0"/>
+                </a:lnTo>
+                <a:close/>
+              </a:path>
+            </a:pathLst>
+          </a:custGeom>
+          <a:solidFill>
+            <a:schemeClr val="accent2">
+              <a:lumMod val="75000"/>
+              <a:alpha val="47000"/>
+            </a:schemeClr>
+          </a:solidFill>
+          <a:ln>
+            <a:noFill/>
+          </a:ln>
+          <a:effectLst/>
+        </p:spPr>
+        <p:style>
+          <a:lnRef idx="1">
+            <a:schemeClr val="accent1"/>
+          </a:lnRef>
+          <a:fillRef idx="3">
+            <a:schemeClr val="accent1"/>
+          </a:fillRef>
+          <a:effectRef idx="2">
+            <a:schemeClr val="accent1"/>
+          </a:effectRef>
+          <a:fontRef idx="minor">
+            <a:schemeClr val="lt1"/>
+          </a:fontRef>
+        </p:style>
+      </p:sp>
+      <p:sp>
+        <p:nvSpPr>
+          <p:cNvPr id="46" name="Rectangle 28">
+            <a:extLst>
+              <a:ext uri="{FF2B5EF4-FFF2-40B4-BE49-F238E27FC236}">
+                <a16:creationId xmlns:a16="http://schemas.microsoft.com/office/drawing/2014/main" id="{BF120A21-0841-4823-B0C4-28AEBCEF9B78}"/>
+              </a:ext>
+              <a:ext uri="{C183D7F6-B498-43B3-948B-1728B52AA6E4}">
+                <adec:decorative xmlns:adec="http://schemas.microsoft.com/office/drawing/2017/decorative" val="1"/>
+              </a:ext>
+            </a:extLst>
+          </p:cNvPr>
+          <p:cNvSpPr>
+            <a:spLocks noGrp="1" noRot="1" noChangeAspect="1" noMove="1" noResize="1" noEditPoints="1" noAdjustHandles="1" noChangeArrowheads="1" noChangeShapeType="1" noTextEdit="1"/>
+          </p:cNvSpPr>
+          <p:nvPr>
+            <p:extLst>
+              <p:ext uri="{386F3935-93C4-4BCD-93E2-E3B085C9AB24}">
+                <p16:designElem xmlns:p16="http://schemas.microsoft.com/office/powerpoint/2015/main" val="1"/>
+              </p:ext>
+            </p:extLst>
+          </p:nvPr>
+        </p:nvSpPr>
+        <p:spPr>
+          <a:xfrm>
+            <a:off x="10898730" y="-8467"/>
+            <a:ext cx="1290094" cy="6866467"/>
+          </a:xfrm>
+          <a:custGeom>
+            <a:avLst/>
+            <a:gdLst/>
+            <a:ahLst/>
+            <a:cxnLst/>
+            <a:rect l="l" t="t" r="r" b="b"/>
+            <a:pathLst>
+              <a:path w="1290094" h="6858000">
+                <a:moveTo>
+                  <a:pt x="1019735" y="0"/>
+                </a:moveTo>
+                <a:lnTo>
+                  <a:pt x="1290094" y="0"/>
+                </a:lnTo>
+                <a:lnTo>
+                  <a:pt x="1290094" y="6858000"/>
+                </a:lnTo>
+                <a:lnTo>
+                  <a:pt x="0" y="6858000"/>
+                </a:lnTo>
+                <a:lnTo>
+                  <a:pt x="1019735" y="0"/>
+                </a:lnTo>
+                <a:close/>
+              </a:path>
+            </a:pathLst>
+          </a:custGeom>
+          <a:solidFill>
+            <a:schemeClr val="accent1">
+              <a:lumMod val="60000"/>
+              <a:lumOff val="40000"/>
+              <a:alpha val="70000"/>
+            </a:schemeClr>
+          </a:solidFill>
+          <a:ln>
+            <a:noFill/>
+          </a:ln>
+          <a:effectLst/>
+        </p:spPr>
+        <p:style>
+          <a:lnRef idx="1">
+            <a:schemeClr val="accent1"/>
+          </a:lnRef>
+          <a:fillRef idx="3">
+            <a:schemeClr val="accent1"/>
+          </a:fillRef>
+          <a:effectRef idx="2">
+            <a:schemeClr val="accent1"/>
+          </a:effectRef>
+          <a:fontRef idx="minor">
+            <a:schemeClr val="lt1"/>
+          </a:fontRef>
+        </p:style>
+      </p:sp>
+      <p:sp>
+        <p:nvSpPr>
+          <p:cNvPr id="48" name="Rectangle 29">
+            <a:extLst>
+              <a:ext uri="{FF2B5EF4-FFF2-40B4-BE49-F238E27FC236}">
+                <a16:creationId xmlns:a16="http://schemas.microsoft.com/office/drawing/2014/main" id="{DBB05BAE-BBD3-4289-899F-A6851503C6B0}"/>
+              </a:ext>
+              <a:ext uri="{C183D7F6-B498-43B3-948B-1728B52AA6E4}">
+                <adec:decorative xmlns:adec="http://schemas.microsoft.com/office/drawing/2017/decorative" val="1"/>
+              </a:ext>
+            </a:extLst>
+          </p:cNvPr>
+          <p:cNvSpPr>
+            <a:spLocks noGrp="1" noRot="1" noChangeAspect="1" noMove="1" noResize="1" noEditPoints="1" noAdjustHandles="1" noChangeArrowheads="1" noChangeShapeType="1" noTextEdit="1"/>
+          </p:cNvSpPr>
+          <p:nvPr>
+            <p:extLst>
+              <p:ext uri="{386F3935-93C4-4BCD-93E2-E3B085C9AB24}">
+                <p16:designElem xmlns:p16="http://schemas.microsoft.com/office/powerpoint/2015/main" val="1"/>
+              </p:ext>
+            </p:extLst>
+          </p:nvPr>
+        </p:nvSpPr>
+        <p:spPr>
+          <a:xfrm>
+            <a:off x="10938999" y="-8467"/>
+            <a:ext cx="1249825" cy="6866467"/>
+          </a:xfrm>
+          <a:custGeom>
+            <a:avLst/>
+            <a:gdLst/>
+            <a:ahLst/>
+            <a:cxnLst/>
+            <a:rect l="l" t="t" r="r" b="b"/>
+            <a:pathLst>
+              <a:path w="1249825" h="6858000">
+                <a:moveTo>
+                  <a:pt x="0" y="0"/>
+                </a:moveTo>
+                <a:lnTo>
+                  <a:pt x="1249825" y="0"/>
+                </a:lnTo>
+                <a:lnTo>
+                  <a:pt x="1249825" y="6858000"/>
+                </a:lnTo>
+                <a:lnTo>
+                  <a:pt x="1109382" y="6858000"/>
+                </a:lnTo>
+                <a:lnTo>
+                  <a:pt x="0" y="0"/>
+                </a:lnTo>
+                <a:close/>
+              </a:path>
+            </a:pathLst>
+          </a:custGeom>
+          <a:solidFill>
+            <a:schemeClr val="accent1">
+              <a:alpha val="65000"/>
+            </a:schemeClr>
+          </a:solidFill>
+          <a:ln>
+            <a:noFill/>
+          </a:ln>
+          <a:effectLst/>
+        </p:spPr>
+        <p:style>
+          <a:lnRef idx="1">
+            <a:schemeClr val="accent1"/>
+          </a:lnRef>
+          <a:fillRef idx="3">
+            <a:schemeClr val="accent1"/>
+          </a:fillRef>
+          <a:effectRef idx="2">
+            <a:schemeClr val="accent1"/>
+          </a:effectRef>
+          <a:fontRef idx="minor">
+            <a:schemeClr val="lt1"/>
+          </a:fontRef>
+        </p:style>
+      </p:sp>
+      <p:sp>
+        <p:nvSpPr>
+          <p:cNvPr id="50" name="Isosceles Triangle 29">
+            <a:extLst>
+              <a:ext uri="{FF2B5EF4-FFF2-40B4-BE49-F238E27FC236}">
+                <a16:creationId xmlns:a16="http://schemas.microsoft.com/office/drawing/2014/main" id="{9874D11C-36F5-4BBE-A490-019A54E953B0}"/>
+              </a:ext>
+              <a:ext uri="{C183D7F6-B498-43B3-948B-1728B52AA6E4}">
+                <adec:decorative xmlns:adec="http://schemas.microsoft.com/office/drawing/2017/decorative" val="1"/>
+              </a:ext>
+            </a:extLst>
+          </p:cNvPr>
+          <p:cNvSpPr>
+            <a:spLocks noGrp="1" noRot="1" noChangeAspect="1" noMove="1" noResize="1" noEditPoints="1" noAdjustHandles="1" noChangeArrowheads="1" noChangeShapeType="1" noTextEdit="1"/>
+          </p:cNvSpPr>
+          <p:nvPr>
+            <p:extLst>
+              <p:ext uri="{386F3935-93C4-4BCD-93E2-E3B085C9AB24}">
+                <p16:designElem xmlns:p16="http://schemas.microsoft.com/office/powerpoint/2015/main" val="1"/>
+              </p:ext>
+            </p:extLst>
+          </p:nvPr>
+        </p:nvSpPr>
+        <p:spPr>
+          <a:xfrm>
+            <a:off x="10371666" y="3589867"/>
+            <a:ext cx="1817159" cy="3268133"/>
+          </a:xfrm>
+          <a:prstGeom prst="triangle">
+            <a:avLst>
+              <a:gd name="adj" fmla="val 100000"/>
+            </a:avLst>
+          </a:prstGeom>
+          <a:solidFill>
+            <a:schemeClr val="accent1">
+              <a:alpha val="80000"/>
+            </a:schemeClr>
+          </a:solidFill>
+          <a:ln>
+            <a:noFill/>
+          </a:ln>
+          <a:effectLst/>
+        </p:spPr>
+        <p:style>
+          <a:lnRef idx="1">
+            <a:schemeClr val="accent1"/>
+          </a:lnRef>
+          <a:fillRef idx="3">
+            <a:schemeClr val="accent1"/>
+          </a:fillRef>
+          <a:effectRef idx="2">
+            <a:schemeClr val="accent1"/>
+          </a:effectRef>
+          <a:fontRef idx="minor">
+            <a:schemeClr val="lt1"/>
+          </a:fontRef>
+        </p:style>
+      </p:sp>
+    </p:spTree>
+    <p:extLst>
+      <p:ext uri="{BB962C8B-B14F-4D97-AF65-F5344CB8AC3E}">
+        <p14:creationId xmlns:p14="http://schemas.microsoft.com/office/powerpoint/2010/main" val="3554812401"/>
+      </p:ext>
+    </p:extLst>
+  </p:cSld>
+  <p:clrMapOvr>
+    <a:masterClrMapping/>
+  </p:clrMapOvr>
+</p:sld>
+</file>
+
+<file path=ppt/slides/slide14.xml><?xml version="1.0" encoding="utf-8"?>
 <p:sld xmlns:a="http://schemas.openxmlformats.org/drawingml/2006/main" xmlns:r="http://schemas.openxmlformats.org/officeDocument/2006/relationships" xmlns:p="http://schemas.openxmlformats.org/presentationml/2006/main">
   <p:cSld>
     <p:spTree>
@@ -6741,21 +9487,3491 @@
             <p:ph type="title"/>
           </p:nvPr>
         </p:nvSpPr>
-        <p:spPr/>
+        <p:spPr>
+          <a:xfrm>
+            <a:off x="522017" y="377687"/>
+            <a:ext cx="8596668" cy="1320800"/>
+          </a:xfrm>
+        </p:spPr>
         <p:txBody>
           <a:bodyPr/>
           <a:lstStyle/>
           <a:p>
-            <a:endParaRPr lang="pt-BR"/>
+            <a:r>
+              <a:rPr lang="pt-BR"/>
+              <a:t>Asynchronous Information Update</a:t>
+            </a:r>
           </a:p>
         </p:txBody>
       </p:sp>
       <p:sp>
         <p:nvSpPr>
+          <p:cNvPr id="8" name="Espaço Reservado para Conteúdo 2">
+            <a:extLst>
+              <a:ext uri="{FF2B5EF4-FFF2-40B4-BE49-F238E27FC236}">
+                <a16:creationId xmlns:a16="http://schemas.microsoft.com/office/drawing/2014/main" id="{99FFF384-94AA-4EE6-B7BA-2B6FDA38BBD7}"/>
+              </a:ext>
+            </a:extLst>
+          </p:cNvPr>
+          <p:cNvSpPr txBox="1">
+            <a:spLocks/>
+          </p:cNvSpPr>
+          <p:nvPr/>
+        </p:nvSpPr>
+        <p:spPr>
+          <a:xfrm>
+            <a:off x="194818" y="1270000"/>
+            <a:ext cx="9561699" cy="1768060"/>
+          </a:xfrm>
+          <a:prstGeom prst="rect">
+            <a:avLst/>
+          </a:prstGeom>
+        </p:spPr>
+        <p:txBody>
+          <a:bodyPr vert="horz" lIns="91440" tIns="45720" rIns="91440" bIns="45720" rtlCol="0">
+            <a:normAutofit fontScale="92500"/>
+          </a:bodyPr>
+          <a:lstStyle>
+            <a:lvl1pPr marL="342900" indent="-342900" algn="l" defTabSz="457200" rtl="0" eaLnBrk="1" latinLnBrk="0" hangingPunct="1">
+              <a:spcBef>
+                <a:spcPts val="1000"/>
+              </a:spcBef>
+              <a:spcAft>
+                <a:spcPts val="0"/>
+              </a:spcAft>
+              <a:buClr>
+                <a:schemeClr val="accent1"/>
+              </a:buClr>
+              <a:buSzPct val="80000"/>
+              <a:buFont typeface="Wingdings 3" charset="2"/>
+              <a:buChar char=""/>
+              <a:defRPr sz="1800" kern="1200">
+                <a:solidFill>
+                  <a:schemeClr val="tx1">
+                    <a:lumMod val="75000"/>
+                    <a:lumOff val="25000"/>
+                  </a:schemeClr>
+                </a:solidFill>
+                <a:latin typeface="+mn-lt"/>
+                <a:ea typeface="+mn-ea"/>
+                <a:cs typeface="+mn-cs"/>
+              </a:defRPr>
+            </a:lvl1pPr>
+            <a:lvl2pPr marL="742950" indent="-285750" algn="l" defTabSz="457200" rtl="0" eaLnBrk="1" latinLnBrk="0" hangingPunct="1">
+              <a:spcBef>
+                <a:spcPts val="1000"/>
+              </a:spcBef>
+              <a:spcAft>
+                <a:spcPts val="0"/>
+              </a:spcAft>
+              <a:buClr>
+                <a:schemeClr val="accent1"/>
+              </a:buClr>
+              <a:buSzPct val="80000"/>
+              <a:buFont typeface="Wingdings 3" charset="2"/>
+              <a:buChar char=""/>
+              <a:defRPr sz="1600" kern="1200">
+                <a:solidFill>
+                  <a:schemeClr val="tx1">
+                    <a:lumMod val="75000"/>
+                    <a:lumOff val="25000"/>
+                  </a:schemeClr>
+                </a:solidFill>
+                <a:latin typeface="+mn-lt"/>
+                <a:ea typeface="+mn-ea"/>
+                <a:cs typeface="+mn-cs"/>
+              </a:defRPr>
+            </a:lvl2pPr>
+            <a:lvl3pPr marL="1143000" indent="-228600" algn="l" defTabSz="457200" rtl="0" eaLnBrk="1" latinLnBrk="0" hangingPunct="1">
+              <a:spcBef>
+                <a:spcPts val="1000"/>
+              </a:spcBef>
+              <a:spcAft>
+                <a:spcPts val="0"/>
+              </a:spcAft>
+              <a:buClr>
+                <a:schemeClr val="accent1"/>
+              </a:buClr>
+              <a:buSzPct val="80000"/>
+              <a:buFont typeface="Wingdings 3" charset="2"/>
+              <a:buChar char=""/>
+              <a:defRPr sz="1400" kern="1200">
+                <a:solidFill>
+                  <a:schemeClr val="tx1">
+                    <a:lumMod val="75000"/>
+                    <a:lumOff val="25000"/>
+                  </a:schemeClr>
+                </a:solidFill>
+                <a:latin typeface="+mn-lt"/>
+                <a:ea typeface="+mn-ea"/>
+                <a:cs typeface="+mn-cs"/>
+              </a:defRPr>
+            </a:lvl3pPr>
+            <a:lvl4pPr marL="1600200" indent="-228600" algn="l" defTabSz="457200" rtl="0" eaLnBrk="1" latinLnBrk="0" hangingPunct="1">
+              <a:spcBef>
+                <a:spcPts val="1000"/>
+              </a:spcBef>
+              <a:spcAft>
+                <a:spcPts val="0"/>
+              </a:spcAft>
+              <a:buClr>
+                <a:schemeClr val="accent1"/>
+              </a:buClr>
+              <a:buSzPct val="80000"/>
+              <a:buFont typeface="Wingdings 3" charset="2"/>
+              <a:buChar char=""/>
+              <a:defRPr sz="1200" kern="1200">
+                <a:solidFill>
+                  <a:schemeClr val="tx1">
+                    <a:lumMod val="75000"/>
+                    <a:lumOff val="25000"/>
+                  </a:schemeClr>
+                </a:solidFill>
+                <a:latin typeface="+mn-lt"/>
+                <a:ea typeface="+mn-ea"/>
+                <a:cs typeface="+mn-cs"/>
+              </a:defRPr>
+            </a:lvl4pPr>
+            <a:lvl5pPr marL="2057400" indent="-228600" algn="l" defTabSz="457200" rtl="0" eaLnBrk="1" latinLnBrk="0" hangingPunct="1">
+              <a:spcBef>
+                <a:spcPts val="1000"/>
+              </a:spcBef>
+              <a:spcAft>
+                <a:spcPts val="0"/>
+              </a:spcAft>
+              <a:buClr>
+                <a:schemeClr val="accent1"/>
+              </a:buClr>
+              <a:buSzPct val="80000"/>
+              <a:buFont typeface="Wingdings 3" charset="2"/>
+              <a:buChar char=""/>
+              <a:defRPr sz="1200" kern="1200">
+                <a:solidFill>
+                  <a:schemeClr val="tx1">
+                    <a:lumMod val="75000"/>
+                    <a:lumOff val="25000"/>
+                  </a:schemeClr>
+                </a:solidFill>
+                <a:latin typeface="+mn-lt"/>
+                <a:ea typeface="+mn-ea"/>
+                <a:cs typeface="+mn-cs"/>
+              </a:defRPr>
+            </a:lvl5pPr>
+            <a:lvl6pPr marL="2514600" indent="-228600" algn="l" defTabSz="457200" rtl="0" eaLnBrk="1" latinLnBrk="0" hangingPunct="1">
+              <a:spcBef>
+                <a:spcPts val="1000"/>
+              </a:spcBef>
+              <a:spcAft>
+                <a:spcPts val="0"/>
+              </a:spcAft>
+              <a:buClr>
+                <a:schemeClr val="accent1"/>
+              </a:buClr>
+              <a:buSzPct val="80000"/>
+              <a:buFont typeface="Wingdings 3" charset="2"/>
+              <a:buChar char=""/>
+              <a:defRPr sz="1200" kern="1200">
+                <a:solidFill>
+                  <a:schemeClr val="tx1">
+                    <a:lumMod val="75000"/>
+                    <a:lumOff val="25000"/>
+                  </a:schemeClr>
+                </a:solidFill>
+                <a:latin typeface="+mn-lt"/>
+                <a:ea typeface="+mn-ea"/>
+                <a:cs typeface="+mn-cs"/>
+              </a:defRPr>
+            </a:lvl6pPr>
+            <a:lvl7pPr marL="2971800" indent="-228600" algn="l" defTabSz="457200" rtl="0" eaLnBrk="1" latinLnBrk="0" hangingPunct="1">
+              <a:spcBef>
+                <a:spcPts val="1000"/>
+              </a:spcBef>
+              <a:spcAft>
+                <a:spcPts val="0"/>
+              </a:spcAft>
+              <a:buClr>
+                <a:schemeClr val="accent1"/>
+              </a:buClr>
+              <a:buSzPct val="80000"/>
+              <a:buFont typeface="Wingdings 3" charset="2"/>
+              <a:buChar char=""/>
+              <a:defRPr sz="1200" kern="1200">
+                <a:solidFill>
+                  <a:schemeClr val="tx1">
+                    <a:lumMod val="75000"/>
+                    <a:lumOff val="25000"/>
+                  </a:schemeClr>
+                </a:solidFill>
+                <a:latin typeface="+mn-lt"/>
+                <a:ea typeface="+mn-ea"/>
+                <a:cs typeface="+mn-cs"/>
+              </a:defRPr>
+            </a:lvl7pPr>
+            <a:lvl8pPr marL="3429000" indent="-228600" algn="l" defTabSz="457200" rtl="0" eaLnBrk="1" latinLnBrk="0" hangingPunct="1">
+              <a:spcBef>
+                <a:spcPts val="1000"/>
+              </a:spcBef>
+              <a:spcAft>
+                <a:spcPts val="0"/>
+              </a:spcAft>
+              <a:buClr>
+                <a:schemeClr val="accent1"/>
+              </a:buClr>
+              <a:buSzPct val="80000"/>
+              <a:buFont typeface="Wingdings 3" charset="2"/>
+              <a:buChar char=""/>
+              <a:defRPr sz="1200" kern="1200">
+                <a:solidFill>
+                  <a:schemeClr val="tx1">
+                    <a:lumMod val="75000"/>
+                    <a:lumOff val="25000"/>
+                  </a:schemeClr>
+                </a:solidFill>
+                <a:latin typeface="+mn-lt"/>
+                <a:ea typeface="+mn-ea"/>
+                <a:cs typeface="+mn-cs"/>
+              </a:defRPr>
+            </a:lvl8pPr>
+            <a:lvl9pPr marL="3886200" indent="-228600" algn="l" defTabSz="457200" rtl="0" eaLnBrk="1" latinLnBrk="0" hangingPunct="1">
+              <a:spcBef>
+                <a:spcPts val="1000"/>
+              </a:spcBef>
+              <a:spcAft>
+                <a:spcPts val="0"/>
+              </a:spcAft>
+              <a:buClr>
+                <a:schemeClr val="accent1"/>
+              </a:buClr>
+              <a:buSzPct val="80000"/>
+              <a:buFont typeface="Wingdings 3" charset="2"/>
+              <a:buChar char=""/>
+              <a:defRPr sz="1200" kern="1200">
+                <a:solidFill>
+                  <a:schemeClr val="tx1">
+                    <a:lumMod val="75000"/>
+                    <a:lumOff val="25000"/>
+                  </a:schemeClr>
+                </a:solidFill>
+                <a:latin typeface="+mn-lt"/>
+                <a:ea typeface="+mn-ea"/>
+                <a:cs typeface="+mn-cs"/>
+              </a:defRPr>
+            </a:lvl9pPr>
+          </a:lstStyle>
+          <a:p>
+            <a:r>
+              <a:rPr lang="en-GB"/>
+              <a:t>To </a:t>
+            </a:r>
+            <a:r>
+              <a:rPr lang="en-GB" b="1"/>
+              <a:t>increase system performance </a:t>
+            </a:r>
+            <a:r>
+              <a:rPr lang="en-GB"/>
+              <a:t>it is important to avoid involving as many components as possible</a:t>
+            </a:r>
+          </a:p>
+          <a:p>
+            <a:r>
+              <a:rPr lang="en-GB"/>
+              <a:t>For the </a:t>
+            </a:r>
+            <a:r>
+              <a:rPr lang="en-GB" b="1"/>
+              <a:t>containers information</a:t>
+            </a:r>
+            <a:r>
+              <a:rPr lang="en-GB"/>
+              <a:t> we have introduced a </a:t>
+            </a:r>
+            <a:r>
+              <a:rPr lang="en-GB" b="1"/>
+              <a:t>caching mechanism, </a:t>
+            </a:r>
+            <a:r>
+              <a:rPr lang="en-GB"/>
+              <a:t>in this way the controller can respond directly to a request without get the data from all the managers</a:t>
+            </a:r>
+            <a:endParaRPr lang="en-GB" b="1"/>
+          </a:p>
+          <a:p>
+            <a:r>
+              <a:rPr lang="en-GB"/>
+              <a:t>The </a:t>
+            </a:r>
+            <a:r>
+              <a:rPr lang="en-GB" b="1"/>
+              <a:t>controller</a:t>
+            </a:r>
+            <a:r>
+              <a:rPr lang="en-GB"/>
+              <a:t> is responsible for keeping an up-to-date copy of all container information</a:t>
+            </a:r>
+          </a:p>
+        </p:txBody>
+      </p:sp>
+      <p:pic>
+        <p:nvPicPr>
+          <p:cNvPr id="31" name="Immagine 30">
+            <a:extLst>
+              <a:ext uri="{FF2B5EF4-FFF2-40B4-BE49-F238E27FC236}">
+                <a16:creationId xmlns:a16="http://schemas.microsoft.com/office/drawing/2014/main" id="{5A99DE8B-DD51-440B-B373-559DAD8FE97D}"/>
+              </a:ext>
+            </a:extLst>
+          </p:cNvPr>
+          <p:cNvPicPr>
+            <a:picLocks noChangeAspect="1"/>
+          </p:cNvPicPr>
+          <p:nvPr/>
+        </p:nvPicPr>
+        <p:blipFill>
+          <a:blip r:embed="rId2"/>
+          <a:stretch>
+            <a:fillRect/>
+          </a:stretch>
+        </p:blipFill>
+        <p:spPr>
+          <a:xfrm>
+            <a:off x="766511" y="3043622"/>
+            <a:ext cx="8107680" cy="2757253"/>
+          </a:xfrm>
+          <a:prstGeom prst="rect">
+            <a:avLst/>
+          </a:prstGeom>
+        </p:spPr>
+      </p:pic>
+    </p:spTree>
+    <p:extLst>
+      <p:ext uri="{BB962C8B-B14F-4D97-AF65-F5344CB8AC3E}">
+        <p14:creationId xmlns:p14="http://schemas.microsoft.com/office/powerpoint/2010/main" val="3921225901"/>
+      </p:ext>
+    </p:extLst>
+  </p:cSld>
+  <p:clrMapOvr>
+    <a:masterClrMapping/>
+  </p:clrMapOvr>
+</p:sld>
+</file>
+
+<file path=ppt/slides/slide15.xml><?xml version="1.0" encoding="utf-8"?>
+<p:sld xmlns:a="http://schemas.openxmlformats.org/drawingml/2006/main" xmlns:r="http://schemas.openxmlformats.org/officeDocument/2006/relationships" xmlns:p="http://schemas.openxmlformats.org/presentationml/2006/main">
+  <p:cSld>
+    <p:bg>
+      <p:bgPr>
+        <a:solidFill>
+          <a:schemeClr val="bg1"/>
+        </a:solidFill>
+        <a:effectLst/>
+      </p:bgPr>
+    </p:bg>
+    <p:spTree>
+      <p:nvGrpSpPr>
+        <p:cNvPr id="1" name=""/>
+        <p:cNvGrpSpPr/>
+        <p:nvPr/>
+      </p:nvGrpSpPr>
+      <p:grpSpPr>
+        <a:xfrm>
+          <a:off x="0" y="0"/>
+          <a:ext cx="0" cy="0"/>
+          <a:chOff x="0" y="0"/>
+          <a:chExt cx="0" cy="0"/>
+        </a:xfrm>
+      </p:grpSpPr>
+      <p:sp useBgFill="1">
+        <p:nvSpPr>
+          <p:cNvPr id="8" name="Rectangle 7">
+            <a:extLst>
+              <a:ext uri="{FF2B5EF4-FFF2-40B4-BE49-F238E27FC236}">
+                <a16:creationId xmlns:a16="http://schemas.microsoft.com/office/drawing/2014/main" id="{E80B86A7-A1EC-475B-9166-88902B033A38}"/>
+              </a:ext>
+              <a:ext uri="{C183D7F6-B498-43B3-948B-1728B52AA6E4}">
+                <adec:decorative xmlns:adec="http://schemas.microsoft.com/office/drawing/2017/decorative" val="1"/>
+              </a:ext>
+            </a:extLst>
+          </p:cNvPr>
+          <p:cNvSpPr>
+            <a:spLocks noGrp="1" noRot="1" noChangeAspect="1" noMove="1" noResize="1" noEditPoints="1" noAdjustHandles="1" noChangeArrowheads="1" noChangeShapeType="1" noTextEdit="1"/>
+          </p:cNvSpPr>
+          <p:nvPr>
+            <p:extLst>
+              <p:ext uri="{386F3935-93C4-4BCD-93E2-E3B085C9AB24}">
+                <p16:designElem xmlns:p16="http://schemas.microsoft.com/office/powerpoint/2015/main" val="1"/>
+              </p:ext>
+            </p:extLst>
+          </p:nvPr>
+        </p:nvSpPr>
+        <p:spPr>
+          <a:xfrm>
+            <a:off x="0" y="0"/>
+            <a:ext cx="12192000" cy="6858000"/>
+          </a:xfrm>
+          <a:prstGeom prst="rect">
+            <a:avLst/>
+          </a:prstGeom>
+          <a:ln>
+            <a:noFill/>
+          </a:ln>
+        </p:spPr>
+        <p:style>
+          <a:lnRef idx="2">
+            <a:schemeClr val="accent1">
+              <a:shade val="50000"/>
+            </a:schemeClr>
+          </a:lnRef>
+          <a:fillRef idx="1">
+            <a:schemeClr val="accent1"/>
+          </a:fillRef>
+          <a:effectRef idx="0">
+            <a:schemeClr val="accent1"/>
+          </a:effectRef>
+          <a:fontRef idx="minor">
+            <a:schemeClr val="lt1"/>
+          </a:fontRef>
+        </p:style>
+        <p:txBody>
+          <a:bodyPr rtlCol="0" anchor="ctr"/>
+          <a:lstStyle/>
+          <a:p>
+            <a:pPr algn="ctr"/>
+            <a:endParaRPr lang="en-US"/>
+          </a:p>
+        </p:txBody>
+      </p:sp>
+      <p:sp>
+        <p:nvSpPr>
+          <p:cNvPr id="10" name="Isosceles Triangle 9">
+            <a:extLst>
+              <a:ext uri="{FF2B5EF4-FFF2-40B4-BE49-F238E27FC236}">
+                <a16:creationId xmlns:a16="http://schemas.microsoft.com/office/drawing/2014/main" id="{C2C29CB1-9F74-4879-A6AF-AEA67B6F1F4D}"/>
+              </a:ext>
+              <a:ext uri="{C183D7F6-B498-43B3-948B-1728B52AA6E4}">
+                <adec:decorative xmlns:adec="http://schemas.microsoft.com/office/drawing/2017/decorative" val="1"/>
+              </a:ext>
+            </a:extLst>
+          </p:cNvPr>
+          <p:cNvSpPr>
+            <a:spLocks noGrp="1" noRot="1" noChangeAspect="1" noMove="1" noResize="1" noEditPoints="1" noAdjustHandles="1" noChangeArrowheads="1" noChangeShapeType="1" noTextEdit="1"/>
+          </p:cNvSpPr>
+          <p:nvPr>
+            <p:extLst>
+              <p:ext uri="{386F3935-93C4-4BCD-93E2-E3B085C9AB24}">
+                <p16:designElem xmlns:p16="http://schemas.microsoft.com/office/powerpoint/2015/main" val="1"/>
+              </p:ext>
+            </p:extLst>
+          </p:nvPr>
+        </p:nvSpPr>
+        <p:spPr>
+          <a:xfrm rot="10800000">
+            <a:off x="0" y="0"/>
+            <a:ext cx="842596" cy="5666154"/>
+          </a:xfrm>
+          <a:prstGeom prst="triangle">
+            <a:avLst>
+              <a:gd name="adj" fmla="val 100000"/>
+            </a:avLst>
+          </a:prstGeom>
+          <a:solidFill>
+            <a:schemeClr val="accent1">
+              <a:alpha val="85000"/>
+            </a:schemeClr>
+          </a:solidFill>
+          <a:ln>
+            <a:noFill/>
+          </a:ln>
+          <a:effectLst/>
+        </p:spPr>
+        <p:style>
+          <a:lnRef idx="1">
+            <a:schemeClr val="accent1"/>
+          </a:lnRef>
+          <a:fillRef idx="3">
+            <a:schemeClr val="accent1"/>
+          </a:fillRef>
+          <a:effectRef idx="2">
+            <a:schemeClr val="accent1"/>
+          </a:effectRef>
+          <a:fontRef idx="minor">
+            <a:schemeClr val="lt1"/>
+          </a:fontRef>
+        </p:style>
+      </p:sp>
+      <p:sp>
+        <p:nvSpPr>
+          <p:cNvPr id="12" name="Isosceles Triangle 11">
+            <a:extLst>
+              <a:ext uri="{FF2B5EF4-FFF2-40B4-BE49-F238E27FC236}">
+                <a16:creationId xmlns:a16="http://schemas.microsoft.com/office/drawing/2014/main" id="{7E2C7115-5336-410C-AD71-0F0952A2E5A7}"/>
+              </a:ext>
+              <a:ext uri="{C183D7F6-B498-43B3-948B-1728B52AA6E4}">
+                <adec:decorative xmlns:adec="http://schemas.microsoft.com/office/drawing/2017/decorative" val="1"/>
+              </a:ext>
+            </a:extLst>
+          </p:cNvPr>
+          <p:cNvSpPr>
+            <a:spLocks noGrp="1" noRot="1" noChangeAspect="1" noMove="1" noResize="1" noEditPoints="1" noAdjustHandles="1" noChangeArrowheads="1" noChangeShapeType="1" noTextEdit="1"/>
+          </p:cNvSpPr>
+          <p:nvPr>
+            <p:extLst>
+              <p:ext uri="{386F3935-93C4-4BCD-93E2-E3B085C9AB24}">
+                <p16:designElem xmlns:p16="http://schemas.microsoft.com/office/powerpoint/2015/main" val="1"/>
+              </p:ext>
+            </p:extLst>
+          </p:nvPr>
+        </p:nvSpPr>
+        <p:spPr>
+          <a:xfrm flipH="1">
+            <a:off x="11743267" y="4013200"/>
+            <a:ext cx="448733" cy="2844800"/>
+          </a:xfrm>
+          <a:prstGeom prst="triangle">
+            <a:avLst>
+              <a:gd name="adj" fmla="val 0"/>
+            </a:avLst>
+          </a:prstGeom>
+          <a:solidFill>
+            <a:schemeClr val="accent1">
+              <a:alpha val="85000"/>
+            </a:schemeClr>
+          </a:solidFill>
+          <a:ln>
+            <a:noFill/>
+          </a:ln>
+          <a:effectLst/>
+        </p:spPr>
+        <p:style>
+          <a:lnRef idx="1">
+            <a:schemeClr val="accent1"/>
+          </a:lnRef>
+          <a:fillRef idx="3">
+            <a:schemeClr val="accent1"/>
+          </a:fillRef>
+          <a:effectRef idx="2">
+            <a:schemeClr val="accent1"/>
+          </a:effectRef>
+          <a:fontRef idx="minor">
+            <a:schemeClr val="lt1"/>
+          </a:fontRef>
+        </p:style>
+      </p:sp>
+      <p:sp>
+        <p:nvSpPr>
+          <p:cNvPr id="9" name="Espaço Reservado para Conteúdo 2">
+            <a:extLst>
+              <a:ext uri="{FF2B5EF4-FFF2-40B4-BE49-F238E27FC236}">
+                <a16:creationId xmlns:a16="http://schemas.microsoft.com/office/drawing/2014/main" id="{439371E8-47A5-4CD6-8060-C195E9F43A4C}"/>
+              </a:ext>
+            </a:extLst>
+          </p:cNvPr>
+          <p:cNvSpPr txBox="1">
+            <a:spLocks/>
+          </p:cNvSpPr>
+          <p:nvPr/>
+        </p:nvSpPr>
+        <p:spPr>
+          <a:xfrm>
+            <a:off x="1333502" y="725194"/>
+            <a:ext cx="9798786" cy="1320800"/>
+          </a:xfrm>
+          <a:prstGeom prst="rect">
+            <a:avLst/>
+          </a:prstGeom>
+        </p:spPr>
+        <p:txBody>
+          <a:bodyPr vert="horz" lIns="91440" tIns="45720" rIns="91440" bIns="45720" rtlCol="0">
+            <a:normAutofit/>
+          </a:bodyPr>
+          <a:lstStyle>
+            <a:lvl1pPr marL="342900" indent="-342900" algn="l" defTabSz="457200" rtl="0" eaLnBrk="1" latinLnBrk="0" hangingPunct="1">
+              <a:spcBef>
+                <a:spcPts val="1000"/>
+              </a:spcBef>
+              <a:spcAft>
+                <a:spcPts val="0"/>
+              </a:spcAft>
+              <a:buClr>
+                <a:schemeClr val="accent1"/>
+              </a:buClr>
+              <a:buSzPct val="80000"/>
+              <a:buFont typeface="Wingdings 3" charset="2"/>
+              <a:buChar char=""/>
+              <a:defRPr sz="1800" kern="1200">
+                <a:solidFill>
+                  <a:schemeClr val="tx1">
+                    <a:lumMod val="75000"/>
+                    <a:lumOff val="25000"/>
+                  </a:schemeClr>
+                </a:solidFill>
+                <a:latin typeface="+mn-lt"/>
+                <a:ea typeface="+mn-ea"/>
+                <a:cs typeface="+mn-cs"/>
+              </a:defRPr>
+            </a:lvl1pPr>
+            <a:lvl2pPr marL="742950" indent="-285750" algn="l" defTabSz="457200" rtl="0" eaLnBrk="1" latinLnBrk="0" hangingPunct="1">
+              <a:spcBef>
+                <a:spcPts val="1000"/>
+              </a:spcBef>
+              <a:spcAft>
+                <a:spcPts val="0"/>
+              </a:spcAft>
+              <a:buClr>
+                <a:schemeClr val="accent1"/>
+              </a:buClr>
+              <a:buSzPct val="80000"/>
+              <a:buFont typeface="Wingdings 3" charset="2"/>
+              <a:buChar char=""/>
+              <a:defRPr sz="1600" kern="1200">
+                <a:solidFill>
+                  <a:schemeClr val="tx1">
+                    <a:lumMod val="75000"/>
+                    <a:lumOff val="25000"/>
+                  </a:schemeClr>
+                </a:solidFill>
+                <a:latin typeface="+mn-lt"/>
+                <a:ea typeface="+mn-ea"/>
+                <a:cs typeface="+mn-cs"/>
+              </a:defRPr>
+            </a:lvl2pPr>
+            <a:lvl3pPr marL="1143000" indent="-228600" algn="l" defTabSz="457200" rtl="0" eaLnBrk="1" latinLnBrk="0" hangingPunct="1">
+              <a:spcBef>
+                <a:spcPts val="1000"/>
+              </a:spcBef>
+              <a:spcAft>
+                <a:spcPts val="0"/>
+              </a:spcAft>
+              <a:buClr>
+                <a:schemeClr val="accent1"/>
+              </a:buClr>
+              <a:buSzPct val="80000"/>
+              <a:buFont typeface="Wingdings 3" charset="2"/>
+              <a:buChar char=""/>
+              <a:defRPr sz="1400" kern="1200">
+                <a:solidFill>
+                  <a:schemeClr val="tx1">
+                    <a:lumMod val="75000"/>
+                    <a:lumOff val="25000"/>
+                  </a:schemeClr>
+                </a:solidFill>
+                <a:latin typeface="+mn-lt"/>
+                <a:ea typeface="+mn-ea"/>
+                <a:cs typeface="+mn-cs"/>
+              </a:defRPr>
+            </a:lvl3pPr>
+            <a:lvl4pPr marL="1600200" indent="-228600" algn="l" defTabSz="457200" rtl="0" eaLnBrk="1" latinLnBrk="0" hangingPunct="1">
+              <a:spcBef>
+                <a:spcPts val="1000"/>
+              </a:spcBef>
+              <a:spcAft>
+                <a:spcPts val="0"/>
+              </a:spcAft>
+              <a:buClr>
+                <a:schemeClr val="accent1"/>
+              </a:buClr>
+              <a:buSzPct val="80000"/>
+              <a:buFont typeface="Wingdings 3" charset="2"/>
+              <a:buChar char=""/>
+              <a:defRPr sz="1200" kern="1200">
+                <a:solidFill>
+                  <a:schemeClr val="tx1">
+                    <a:lumMod val="75000"/>
+                    <a:lumOff val="25000"/>
+                  </a:schemeClr>
+                </a:solidFill>
+                <a:latin typeface="+mn-lt"/>
+                <a:ea typeface="+mn-ea"/>
+                <a:cs typeface="+mn-cs"/>
+              </a:defRPr>
+            </a:lvl4pPr>
+            <a:lvl5pPr marL="2057400" indent="-228600" algn="l" defTabSz="457200" rtl="0" eaLnBrk="1" latinLnBrk="0" hangingPunct="1">
+              <a:spcBef>
+                <a:spcPts val="1000"/>
+              </a:spcBef>
+              <a:spcAft>
+                <a:spcPts val="0"/>
+              </a:spcAft>
+              <a:buClr>
+                <a:schemeClr val="accent1"/>
+              </a:buClr>
+              <a:buSzPct val="80000"/>
+              <a:buFont typeface="Wingdings 3" charset="2"/>
+              <a:buChar char=""/>
+              <a:defRPr sz="1200" kern="1200">
+                <a:solidFill>
+                  <a:schemeClr val="tx1">
+                    <a:lumMod val="75000"/>
+                    <a:lumOff val="25000"/>
+                  </a:schemeClr>
+                </a:solidFill>
+                <a:latin typeface="+mn-lt"/>
+                <a:ea typeface="+mn-ea"/>
+                <a:cs typeface="+mn-cs"/>
+              </a:defRPr>
+            </a:lvl5pPr>
+            <a:lvl6pPr marL="2514600" indent="-228600" algn="l" defTabSz="457200" rtl="0" eaLnBrk="1" latinLnBrk="0" hangingPunct="1">
+              <a:spcBef>
+                <a:spcPts val="1000"/>
+              </a:spcBef>
+              <a:spcAft>
+                <a:spcPts val="0"/>
+              </a:spcAft>
+              <a:buClr>
+                <a:schemeClr val="accent1"/>
+              </a:buClr>
+              <a:buSzPct val="80000"/>
+              <a:buFont typeface="Wingdings 3" charset="2"/>
+              <a:buChar char=""/>
+              <a:defRPr sz="1200" kern="1200">
+                <a:solidFill>
+                  <a:schemeClr val="tx1">
+                    <a:lumMod val="75000"/>
+                    <a:lumOff val="25000"/>
+                  </a:schemeClr>
+                </a:solidFill>
+                <a:latin typeface="+mn-lt"/>
+                <a:ea typeface="+mn-ea"/>
+                <a:cs typeface="+mn-cs"/>
+              </a:defRPr>
+            </a:lvl6pPr>
+            <a:lvl7pPr marL="2971800" indent="-228600" algn="l" defTabSz="457200" rtl="0" eaLnBrk="1" latinLnBrk="0" hangingPunct="1">
+              <a:spcBef>
+                <a:spcPts val="1000"/>
+              </a:spcBef>
+              <a:spcAft>
+                <a:spcPts val="0"/>
+              </a:spcAft>
+              <a:buClr>
+                <a:schemeClr val="accent1"/>
+              </a:buClr>
+              <a:buSzPct val="80000"/>
+              <a:buFont typeface="Wingdings 3" charset="2"/>
+              <a:buChar char=""/>
+              <a:defRPr sz="1200" kern="1200">
+                <a:solidFill>
+                  <a:schemeClr val="tx1">
+                    <a:lumMod val="75000"/>
+                    <a:lumOff val="25000"/>
+                  </a:schemeClr>
+                </a:solidFill>
+                <a:latin typeface="+mn-lt"/>
+                <a:ea typeface="+mn-ea"/>
+                <a:cs typeface="+mn-cs"/>
+              </a:defRPr>
+            </a:lvl7pPr>
+            <a:lvl8pPr marL="3429000" indent="-228600" algn="l" defTabSz="457200" rtl="0" eaLnBrk="1" latinLnBrk="0" hangingPunct="1">
+              <a:spcBef>
+                <a:spcPts val="1000"/>
+              </a:spcBef>
+              <a:spcAft>
+                <a:spcPts val="0"/>
+              </a:spcAft>
+              <a:buClr>
+                <a:schemeClr val="accent1"/>
+              </a:buClr>
+              <a:buSzPct val="80000"/>
+              <a:buFont typeface="Wingdings 3" charset="2"/>
+              <a:buChar char=""/>
+              <a:defRPr sz="1200" kern="1200">
+                <a:solidFill>
+                  <a:schemeClr val="tx1">
+                    <a:lumMod val="75000"/>
+                    <a:lumOff val="25000"/>
+                  </a:schemeClr>
+                </a:solidFill>
+                <a:latin typeface="+mn-lt"/>
+                <a:ea typeface="+mn-ea"/>
+                <a:cs typeface="+mn-cs"/>
+              </a:defRPr>
+            </a:lvl8pPr>
+            <a:lvl9pPr marL="3886200" indent="-228600" algn="l" defTabSz="457200" rtl="0" eaLnBrk="1" latinLnBrk="0" hangingPunct="1">
+              <a:spcBef>
+                <a:spcPts val="1000"/>
+              </a:spcBef>
+              <a:spcAft>
+                <a:spcPts val="0"/>
+              </a:spcAft>
+              <a:buClr>
+                <a:schemeClr val="accent1"/>
+              </a:buClr>
+              <a:buSzPct val="80000"/>
+              <a:buFont typeface="Wingdings 3" charset="2"/>
+              <a:buChar char=""/>
+              <a:defRPr sz="1200" kern="1200">
+                <a:solidFill>
+                  <a:schemeClr val="tx1">
+                    <a:lumMod val="75000"/>
+                    <a:lumOff val="25000"/>
+                  </a:schemeClr>
+                </a:solidFill>
+                <a:latin typeface="+mn-lt"/>
+                <a:ea typeface="+mn-ea"/>
+                <a:cs typeface="+mn-cs"/>
+              </a:defRPr>
+            </a:lvl9pPr>
+          </a:lstStyle>
+          <a:p>
+            <a:pPr marL="0" indent="0">
+              <a:buNone/>
+            </a:pPr>
+            <a:endParaRPr lang="en-US" dirty="0"/>
+          </a:p>
+        </p:txBody>
+      </p:sp>
+      <p:sp>
+        <p:nvSpPr>
+          <p:cNvPr id="11" name="Título 1">
+            <a:extLst>
+              <a:ext uri="{FF2B5EF4-FFF2-40B4-BE49-F238E27FC236}">
+                <a16:creationId xmlns:a16="http://schemas.microsoft.com/office/drawing/2014/main" id="{332D9953-8612-4CF3-A165-52A68E7452E6}"/>
+              </a:ext>
+            </a:extLst>
+          </p:cNvPr>
+          <p:cNvSpPr>
+            <a:spLocks noGrp="1"/>
+          </p:cNvSpPr>
+          <p:nvPr>
+            <p:ph type="title"/>
+          </p:nvPr>
+        </p:nvSpPr>
+        <p:spPr>
+          <a:xfrm>
+            <a:off x="1181749" y="91310"/>
+            <a:ext cx="8596668" cy="1320800"/>
+          </a:xfrm>
+        </p:spPr>
+        <p:txBody>
+          <a:bodyPr/>
+          <a:lstStyle/>
+          <a:p>
+            <a:r>
+              <a:rPr lang="pt-BR"/>
+              <a:t>Update Management</a:t>
+            </a:r>
+          </a:p>
+        </p:txBody>
+      </p:sp>
+      <p:sp>
+        <p:nvSpPr>
+          <p:cNvPr id="16" name="Espaço Reservado para Conteúdo 2">
+            <a:extLst>
+              <a:ext uri="{FF2B5EF4-FFF2-40B4-BE49-F238E27FC236}">
+                <a16:creationId xmlns:a16="http://schemas.microsoft.com/office/drawing/2014/main" id="{712EAF4F-1B1B-4EBE-A460-05973A823325}"/>
+              </a:ext>
+            </a:extLst>
+          </p:cNvPr>
+          <p:cNvSpPr txBox="1">
+            <a:spLocks/>
+          </p:cNvSpPr>
+          <p:nvPr/>
+        </p:nvSpPr>
+        <p:spPr>
+          <a:xfrm>
+            <a:off x="994350" y="880447"/>
+            <a:ext cx="5665730" cy="1200329"/>
+          </a:xfrm>
+          <a:prstGeom prst="rect">
+            <a:avLst/>
+          </a:prstGeom>
+        </p:spPr>
+        <p:txBody>
+          <a:bodyPr vert="horz" lIns="91440" tIns="45720" rIns="91440" bIns="45720" rtlCol="0">
+            <a:normAutofit/>
+          </a:bodyPr>
+          <a:lstStyle>
+            <a:lvl1pPr marL="342900" indent="-342900" algn="l" defTabSz="457200" rtl="0" eaLnBrk="1" latinLnBrk="0" hangingPunct="1">
+              <a:spcBef>
+                <a:spcPts val="1000"/>
+              </a:spcBef>
+              <a:spcAft>
+                <a:spcPts val="0"/>
+              </a:spcAft>
+              <a:buClr>
+                <a:schemeClr val="accent1"/>
+              </a:buClr>
+              <a:buSzPct val="80000"/>
+              <a:buFont typeface="Wingdings 3" charset="2"/>
+              <a:buChar char=""/>
+              <a:defRPr sz="1800" kern="1200">
+                <a:solidFill>
+                  <a:schemeClr val="tx1">
+                    <a:lumMod val="75000"/>
+                    <a:lumOff val="25000"/>
+                  </a:schemeClr>
+                </a:solidFill>
+                <a:latin typeface="+mn-lt"/>
+                <a:ea typeface="+mn-ea"/>
+                <a:cs typeface="+mn-cs"/>
+              </a:defRPr>
+            </a:lvl1pPr>
+            <a:lvl2pPr marL="742950" indent="-285750" algn="l" defTabSz="457200" rtl="0" eaLnBrk="1" latinLnBrk="0" hangingPunct="1">
+              <a:spcBef>
+                <a:spcPts val="1000"/>
+              </a:spcBef>
+              <a:spcAft>
+                <a:spcPts val="0"/>
+              </a:spcAft>
+              <a:buClr>
+                <a:schemeClr val="accent1"/>
+              </a:buClr>
+              <a:buSzPct val="80000"/>
+              <a:buFont typeface="Wingdings 3" charset="2"/>
+              <a:buChar char=""/>
+              <a:defRPr sz="1600" kern="1200">
+                <a:solidFill>
+                  <a:schemeClr val="tx1">
+                    <a:lumMod val="75000"/>
+                    <a:lumOff val="25000"/>
+                  </a:schemeClr>
+                </a:solidFill>
+                <a:latin typeface="+mn-lt"/>
+                <a:ea typeface="+mn-ea"/>
+                <a:cs typeface="+mn-cs"/>
+              </a:defRPr>
+            </a:lvl2pPr>
+            <a:lvl3pPr marL="1143000" indent="-228600" algn="l" defTabSz="457200" rtl="0" eaLnBrk="1" latinLnBrk="0" hangingPunct="1">
+              <a:spcBef>
+                <a:spcPts val="1000"/>
+              </a:spcBef>
+              <a:spcAft>
+                <a:spcPts val="0"/>
+              </a:spcAft>
+              <a:buClr>
+                <a:schemeClr val="accent1"/>
+              </a:buClr>
+              <a:buSzPct val="80000"/>
+              <a:buFont typeface="Wingdings 3" charset="2"/>
+              <a:buChar char=""/>
+              <a:defRPr sz="1400" kern="1200">
+                <a:solidFill>
+                  <a:schemeClr val="tx1">
+                    <a:lumMod val="75000"/>
+                    <a:lumOff val="25000"/>
+                  </a:schemeClr>
+                </a:solidFill>
+                <a:latin typeface="+mn-lt"/>
+                <a:ea typeface="+mn-ea"/>
+                <a:cs typeface="+mn-cs"/>
+              </a:defRPr>
+            </a:lvl3pPr>
+            <a:lvl4pPr marL="1600200" indent="-228600" algn="l" defTabSz="457200" rtl="0" eaLnBrk="1" latinLnBrk="0" hangingPunct="1">
+              <a:spcBef>
+                <a:spcPts val="1000"/>
+              </a:spcBef>
+              <a:spcAft>
+                <a:spcPts val="0"/>
+              </a:spcAft>
+              <a:buClr>
+                <a:schemeClr val="accent1"/>
+              </a:buClr>
+              <a:buSzPct val="80000"/>
+              <a:buFont typeface="Wingdings 3" charset="2"/>
+              <a:buChar char=""/>
+              <a:defRPr sz="1200" kern="1200">
+                <a:solidFill>
+                  <a:schemeClr val="tx1">
+                    <a:lumMod val="75000"/>
+                    <a:lumOff val="25000"/>
+                  </a:schemeClr>
+                </a:solidFill>
+                <a:latin typeface="+mn-lt"/>
+                <a:ea typeface="+mn-ea"/>
+                <a:cs typeface="+mn-cs"/>
+              </a:defRPr>
+            </a:lvl4pPr>
+            <a:lvl5pPr marL="2057400" indent="-228600" algn="l" defTabSz="457200" rtl="0" eaLnBrk="1" latinLnBrk="0" hangingPunct="1">
+              <a:spcBef>
+                <a:spcPts val="1000"/>
+              </a:spcBef>
+              <a:spcAft>
+                <a:spcPts val="0"/>
+              </a:spcAft>
+              <a:buClr>
+                <a:schemeClr val="accent1"/>
+              </a:buClr>
+              <a:buSzPct val="80000"/>
+              <a:buFont typeface="Wingdings 3" charset="2"/>
+              <a:buChar char=""/>
+              <a:defRPr sz="1200" kern="1200">
+                <a:solidFill>
+                  <a:schemeClr val="tx1">
+                    <a:lumMod val="75000"/>
+                    <a:lumOff val="25000"/>
+                  </a:schemeClr>
+                </a:solidFill>
+                <a:latin typeface="+mn-lt"/>
+                <a:ea typeface="+mn-ea"/>
+                <a:cs typeface="+mn-cs"/>
+              </a:defRPr>
+            </a:lvl5pPr>
+            <a:lvl6pPr marL="2514600" indent="-228600" algn="l" defTabSz="457200" rtl="0" eaLnBrk="1" latinLnBrk="0" hangingPunct="1">
+              <a:spcBef>
+                <a:spcPts val="1000"/>
+              </a:spcBef>
+              <a:spcAft>
+                <a:spcPts val="0"/>
+              </a:spcAft>
+              <a:buClr>
+                <a:schemeClr val="accent1"/>
+              </a:buClr>
+              <a:buSzPct val="80000"/>
+              <a:buFont typeface="Wingdings 3" charset="2"/>
+              <a:buChar char=""/>
+              <a:defRPr sz="1200" kern="1200">
+                <a:solidFill>
+                  <a:schemeClr val="tx1">
+                    <a:lumMod val="75000"/>
+                    <a:lumOff val="25000"/>
+                  </a:schemeClr>
+                </a:solidFill>
+                <a:latin typeface="+mn-lt"/>
+                <a:ea typeface="+mn-ea"/>
+                <a:cs typeface="+mn-cs"/>
+              </a:defRPr>
+            </a:lvl6pPr>
+            <a:lvl7pPr marL="2971800" indent="-228600" algn="l" defTabSz="457200" rtl="0" eaLnBrk="1" latinLnBrk="0" hangingPunct="1">
+              <a:spcBef>
+                <a:spcPts val="1000"/>
+              </a:spcBef>
+              <a:spcAft>
+                <a:spcPts val="0"/>
+              </a:spcAft>
+              <a:buClr>
+                <a:schemeClr val="accent1"/>
+              </a:buClr>
+              <a:buSzPct val="80000"/>
+              <a:buFont typeface="Wingdings 3" charset="2"/>
+              <a:buChar char=""/>
+              <a:defRPr sz="1200" kern="1200">
+                <a:solidFill>
+                  <a:schemeClr val="tx1">
+                    <a:lumMod val="75000"/>
+                    <a:lumOff val="25000"/>
+                  </a:schemeClr>
+                </a:solidFill>
+                <a:latin typeface="+mn-lt"/>
+                <a:ea typeface="+mn-ea"/>
+                <a:cs typeface="+mn-cs"/>
+              </a:defRPr>
+            </a:lvl7pPr>
+            <a:lvl8pPr marL="3429000" indent="-228600" algn="l" defTabSz="457200" rtl="0" eaLnBrk="1" latinLnBrk="0" hangingPunct="1">
+              <a:spcBef>
+                <a:spcPts val="1000"/>
+              </a:spcBef>
+              <a:spcAft>
+                <a:spcPts val="0"/>
+              </a:spcAft>
+              <a:buClr>
+                <a:schemeClr val="accent1"/>
+              </a:buClr>
+              <a:buSzPct val="80000"/>
+              <a:buFont typeface="Wingdings 3" charset="2"/>
+              <a:buChar char=""/>
+              <a:defRPr sz="1200" kern="1200">
+                <a:solidFill>
+                  <a:schemeClr val="tx1">
+                    <a:lumMod val="75000"/>
+                    <a:lumOff val="25000"/>
+                  </a:schemeClr>
+                </a:solidFill>
+                <a:latin typeface="+mn-lt"/>
+                <a:ea typeface="+mn-ea"/>
+                <a:cs typeface="+mn-cs"/>
+              </a:defRPr>
+            </a:lvl8pPr>
+            <a:lvl9pPr marL="3886200" indent="-228600" algn="l" defTabSz="457200" rtl="0" eaLnBrk="1" latinLnBrk="0" hangingPunct="1">
+              <a:spcBef>
+                <a:spcPts val="1000"/>
+              </a:spcBef>
+              <a:spcAft>
+                <a:spcPts val="0"/>
+              </a:spcAft>
+              <a:buClr>
+                <a:schemeClr val="accent1"/>
+              </a:buClr>
+              <a:buSzPct val="80000"/>
+              <a:buFont typeface="Wingdings 3" charset="2"/>
+              <a:buChar char=""/>
+              <a:defRPr sz="1200" kern="1200">
+                <a:solidFill>
+                  <a:schemeClr val="tx1">
+                    <a:lumMod val="75000"/>
+                    <a:lumOff val="25000"/>
+                  </a:schemeClr>
+                </a:solidFill>
+                <a:latin typeface="+mn-lt"/>
+                <a:ea typeface="+mn-ea"/>
+                <a:cs typeface="+mn-cs"/>
+              </a:defRPr>
+            </a:lvl9pPr>
+          </a:lstStyle>
+          <a:p>
+            <a:r>
+              <a:rPr lang="en-US"/>
+              <a:t>For testing purpose we have decided to implement an aggregation mechanism for the updates management</a:t>
+            </a:r>
+            <a:endParaRPr lang="en-US" dirty="0"/>
+          </a:p>
+        </p:txBody>
+      </p:sp>
+      <p:pic>
+        <p:nvPicPr>
+          <p:cNvPr id="33" name="Espaço Reservado para Conteúdo 6" descr="Diagrama&#10;&#10;Descrição gerada automaticamente">
+            <a:extLst>
+              <a:ext uri="{FF2B5EF4-FFF2-40B4-BE49-F238E27FC236}">
+                <a16:creationId xmlns:a16="http://schemas.microsoft.com/office/drawing/2014/main" id="{362D87E7-D822-4A83-8F26-73E51B76762A}"/>
+              </a:ext>
+            </a:extLst>
+          </p:cNvPr>
+          <p:cNvPicPr>
+            <a:picLocks noGrp="1" noChangeAspect="1"/>
+          </p:cNvPicPr>
+          <p:nvPr>
+            <p:ph idx="1"/>
+          </p:nvPr>
+        </p:nvPicPr>
+        <p:blipFill>
+          <a:blip r:embed="rId2"/>
+          <a:stretch>
+            <a:fillRect/>
+          </a:stretch>
+        </p:blipFill>
+        <p:spPr>
+          <a:xfrm>
+            <a:off x="6897079" y="0"/>
+            <a:ext cx="4579690" cy="6858000"/>
+          </a:xfrm>
+        </p:spPr>
+      </p:pic>
+      <p:grpSp>
+        <p:nvGrpSpPr>
+          <p:cNvPr id="17" name="Agrupar 33">
+            <a:extLst>
+              <a:ext uri="{FF2B5EF4-FFF2-40B4-BE49-F238E27FC236}">
+                <a16:creationId xmlns:a16="http://schemas.microsoft.com/office/drawing/2014/main" id="{B70C2687-37EF-4BE9-99F1-80CEE2EC17EA}"/>
+              </a:ext>
+            </a:extLst>
+          </p:cNvPr>
+          <p:cNvGrpSpPr/>
+          <p:nvPr/>
+        </p:nvGrpSpPr>
+        <p:grpSpPr>
+          <a:xfrm>
+            <a:off x="1431404" y="1281706"/>
+            <a:ext cx="5877082" cy="1365454"/>
+            <a:chOff x="1431404" y="1281706"/>
+            <a:chExt cx="5877082" cy="1365454"/>
+          </a:xfrm>
+        </p:grpSpPr>
+        <p:sp>
+          <p:nvSpPr>
+            <p:cNvPr id="18" name="Retângulo: Cantos Arredondados 15">
+              <a:extLst>
+                <a:ext uri="{FF2B5EF4-FFF2-40B4-BE49-F238E27FC236}">
+                  <a16:creationId xmlns:a16="http://schemas.microsoft.com/office/drawing/2014/main" id="{70AFA0C6-B5CD-4787-A0F2-E9C327B61E72}"/>
+                </a:ext>
+              </a:extLst>
+            </p:cNvPr>
+            <p:cNvSpPr/>
+            <p:nvPr/>
+          </p:nvSpPr>
+          <p:spPr>
+            <a:xfrm>
+              <a:off x="1491003" y="2213495"/>
+              <a:ext cx="4315717" cy="433665"/>
+            </a:xfrm>
+            <a:prstGeom prst="roundRect">
+              <a:avLst/>
+            </a:prstGeom>
+            <a:solidFill>
+              <a:schemeClr val="bg2"/>
+            </a:solidFill>
+            <a:ln>
+              <a:solidFill>
+                <a:schemeClr val="tx1"/>
+              </a:solidFill>
+            </a:ln>
+          </p:spPr>
+          <p:style>
+            <a:lnRef idx="2">
+              <a:schemeClr val="accent1">
+                <a:shade val="50000"/>
+              </a:schemeClr>
+            </a:lnRef>
+            <a:fillRef idx="1">
+              <a:schemeClr val="accent1"/>
+            </a:fillRef>
+            <a:effectRef idx="0">
+              <a:schemeClr val="accent1"/>
+            </a:effectRef>
+            <a:fontRef idx="minor">
+              <a:schemeClr val="lt1"/>
+            </a:fontRef>
+          </p:style>
+          <p:txBody>
+            <a:bodyPr rtlCol="0" anchor="ctr"/>
+            <a:lstStyle/>
+            <a:p>
+              <a:pPr algn="ctr"/>
+              <a:endParaRPr lang="en-US"/>
+            </a:p>
+          </p:txBody>
+        </p:sp>
+        <p:sp>
+          <p:nvSpPr>
+            <p:cNvPr id="19" name="CaixaDeTexto 12">
+              <a:extLst>
+                <a:ext uri="{FF2B5EF4-FFF2-40B4-BE49-F238E27FC236}">
+                  <a16:creationId xmlns:a16="http://schemas.microsoft.com/office/drawing/2014/main" id="{145ECE3C-9729-4297-BEC5-0400D028D3BE}"/>
+                </a:ext>
+              </a:extLst>
+            </p:cNvPr>
+            <p:cNvSpPr txBox="1"/>
+            <p:nvPr/>
+          </p:nvSpPr>
+          <p:spPr>
+            <a:xfrm>
+              <a:off x="1431404" y="2241051"/>
+              <a:ext cx="4312153" cy="338554"/>
+            </a:xfrm>
+            <a:prstGeom prst="rect">
+              <a:avLst/>
+            </a:prstGeom>
+            <a:noFill/>
+          </p:spPr>
+          <p:txBody>
+            <a:bodyPr wrap="square" rtlCol="0">
+              <a:spAutoFit/>
+            </a:bodyPr>
+            <a:lstStyle/>
+            <a:p>
+              <a:pPr algn="ctr"/>
+              <a:r>
+                <a:rPr lang="en-US" sz="1600" dirty="0"/>
+                <a:t>Updates will be sent by the Managers</a:t>
+              </a:r>
+            </a:p>
+          </p:txBody>
+        </p:sp>
+        <p:cxnSp>
+          <p:nvCxnSpPr>
+            <p:cNvPr id="20" name="Conector de Seta Reta 20">
+              <a:extLst>
+                <a:ext uri="{FF2B5EF4-FFF2-40B4-BE49-F238E27FC236}">
+                  <a16:creationId xmlns:a16="http://schemas.microsoft.com/office/drawing/2014/main" id="{9F25DC03-E322-4272-860F-871D2E04C2FB}"/>
+                </a:ext>
+              </a:extLst>
+            </p:cNvPr>
+            <p:cNvCxnSpPr>
+              <a:cxnSpLocks/>
+              <a:stCxn id="18" idx="3"/>
+            </p:cNvCxnSpPr>
+            <p:nvPr/>
+          </p:nvCxnSpPr>
+          <p:spPr>
+            <a:xfrm flipV="1">
+              <a:off x="5806720" y="1281706"/>
+              <a:ext cx="1501766" cy="1148622"/>
+            </a:xfrm>
+            <a:prstGeom prst="straightConnector1">
+              <a:avLst/>
+            </a:prstGeom>
+            <a:ln>
+              <a:solidFill>
+                <a:srgbClr val="FF0000"/>
+              </a:solidFill>
+              <a:tailEnd type="triangle"/>
+            </a:ln>
+          </p:spPr>
+          <p:style>
+            <a:lnRef idx="1">
+              <a:schemeClr val="accent1"/>
+            </a:lnRef>
+            <a:fillRef idx="0">
+              <a:schemeClr val="accent1"/>
+            </a:fillRef>
+            <a:effectRef idx="0">
+              <a:schemeClr val="accent1"/>
+            </a:effectRef>
+            <a:fontRef idx="minor">
+              <a:schemeClr val="tx1"/>
+            </a:fontRef>
+          </p:style>
+        </p:cxnSp>
+      </p:grpSp>
+      <p:grpSp>
+        <p:nvGrpSpPr>
+          <p:cNvPr id="21" name="Agrupar 34">
+            <a:extLst>
+              <a:ext uri="{FF2B5EF4-FFF2-40B4-BE49-F238E27FC236}">
+                <a16:creationId xmlns:a16="http://schemas.microsoft.com/office/drawing/2014/main" id="{A2D3297A-F144-4151-BE2C-371527E8F4D6}"/>
+              </a:ext>
+            </a:extLst>
+          </p:cNvPr>
+          <p:cNvGrpSpPr/>
+          <p:nvPr/>
+        </p:nvGrpSpPr>
+        <p:grpSpPr>
+          <a:xfrm>
+            <a:off x="569232" y="2080776"/>
+            <a:ext cx="7380968" cy="1651404"/>
+            <a:chOff x="569232" y="2080776"/>
+            <a:chExt cx="7380968" cy="1651404"/>
+          </a:xfrm>
+        </p:grpSpPr>
+        <p:sp>
+          <p:nvSpPr>
+            <p:cNvPr id="22" name="Retângulo: Cantos Arredondados 16">
+              <a:extLst>
+                <a:ext uri="{FF2B5EF4-FFF2-40B4-BE49-F238E27FC236}">
+                  <a16:creationId xmlns:a16="http://schemas.microsoft.com/office/drawing/2014/main" id="{3A1AB528-E1A2-4DF2-BC43-1A02F2CDE7AE}"/>
+                </a:ext>
+              </a:extLst>
+            </p:cNvPr>
+            <p:cNvSpPr/>
+            <p:nvPr/>
+          </p:nvSpPr>
+          <p:spPr>
+            <a:xfrm>
+              <a:off x="741033" y="3298515"/>
+              <a:ext cx="5665730" cy="433665"/>
+            </a:xfrm>
+            <a:prstGeom prst="roundRect">
+              <a:avLst/>
+            </a:prstGeom>
+            <a:solidFill>
+              <a:schemeClr val="bg2"/>
+            </a:solidFill>
+            <a:ln>
+              <a:solidFill>
+                <a:schemeClr val="tx1"/>
+              </a:solidFill>
+            </a:ln>
+          </p:spPr>
+          <p:style>
+            <a:lnRef idx="2">
+              <a:schemeClr val="accent1">
+                <a:shade val="50000"/>
+              </a:schemeClr>
+            </a:lnRef>
+            <a:fillRef idx="1">
+              <a:schemeClr val="accent1"/>
+            </a:fillRef>
+            <a:effectRef idx="0">
+              <a:schemeClr val="accent1"/>
+            </a:effectRef>
+            <a:fontRef idx="minor">
+              <a:schemeClr val="lt1"/>
+            </a:fontRef>
+          </p:style>
+          <p:txBody>
+            <a:bodyPr rtlCol="0" anchor="ctr"/>
+            <a:lstStyle/>
+            <a:p>
+              <a:pPr algn="ctr"/>
+              <a:endParaRPr lang="en-US"/>
+            </a:p>
+          </p:txBody>
+        </p:sp>
+        <p:sp>
+          <p:nvSpPr>
+            <p:cNvPr id="23" name="CaixaDeTexto 23">
+              <a:extLst>
+                <a:ext uri="{FF2B5EF4-FFF2-40B4-BE49-F238E27FC236}">
+                  <a16:creationId xmlns:a16="http://schemas.microsoft.com/office/drawing/2014/main" id="{64356B5C-2F51-46B9-BE3E-5C33B66CEA2F}"/>
+                </a:ext>
+              </a:extLst>
+            </p:cNvPr>
+            <p:cNvSpPr txBox="1"/>
+            <p:nvPr/>
+          </p:nvSpPr>
+          <p:spPr>
+            <a:xfrm>
+              <a:off x="569232" y="3317559"/>
+              <a:ext cx="5674331" cy="338554"/>
+            </a:xfrm>
+            <a:prstGeom prst="rect">
+              <a:avLst/>
+            </a:prstGeom>
+            <a:noFill/>
+          </p:spPr>
+          <p:txBody>
+            <a:bodyPr wrap="square" rtlCol="0">
+              <a:spAutoFit/>
+            </a:bodyPr>
+            <a:lstStyle/>
+            <a:p>
+              <a:pPr algn="r"/>
+              <a:r>
+                <a:rPr lang="pt-BR" sz="1600" dirty="0"/>
+                <a:t>The </a:t>
+              </a:r>
+              <a:r>
+                <a:rPr lang="pt-BR" sz="1600" dirty="0" err="1"/>
+                <a:t>Controller</a:t>
+              </a:r>
+              <a:r>
+                <a:rPr lang="pt-BR" sz="1600" dirty="0"/>
+                <a:t> </a:t>
+              </a:r>
+              <a:r>
+                <a:rPr lang="en-US" sz="1600" dirty="0"/>
+                <a:t>tracks</a:t>
+              </a:r>
+              <a:r>
+                <a:rPr lang="pt-BR" sz="1600" dirty="0"/>
+                <a:t> </a:t>
+              </a:r>
+              <a:r>
+                <a:rPr lang="pt-BR" sz="1600" dirty="0" err="1"/>
+                <a:t>the</a:t>
+              </a:r>
+              <a:r>
+                <a:rPr lang="pt-BR" sz="1600" dirty="0"/>
+                <a:t> Managers </a:t>
+              </a:r>
+              <a:r>
+                <a:rPr lang="pt-BR" sz="1600" dirty="0" err="1"/>
+                <a:t>with</a:t>
+              </a:r>
+              <a:r>
+                <a:rPr lang="pt-BR" sz="1600" dirty="0"/>
+                <a:t> </a:t>
+              </a:r>
+              <a:r>
+                <a:rPr lang="pt-BR" sz="1600" dirty="0" err="1"/>
+                <a:t>pending</a:t>
+              </a:r>
+              <a:r>
+                <a:rPr lang="pt-BR" sz="1600" dirty="0"/>
+                <a:t> updates</a:t>
+              </a:r>
+            </a:p>
+          </p:txBody>
+        </p:sp>
+        <p:cxnSp>
+          <p:nvCxnSpPr>
+            <p:cNvPr id="24" name="Conector de Seta Reta 24">
+              <a:extLst>
+                <a:ext uri="{FF2B5EF4-FFF2-40B4-BE49-F238E27FC236}">
+                  <a16:creationId xmlns:a16="http://schemas.microsoft.com/office/drawing/2014/main" id="{D36EBA71-D0F2-4359-84F3-937643E7EF3B}"/>
+                </a:ext>
+              </a:extLst>
+            </p:cNvPr>
+            <p:cNvCxnSpPr>
+              <a:cxnSpLocks/>
+              <a:stCxn id="22" idx="3"/>
+            </p:cNvCxnSpPr>
+            <p:nvPr/>
+          </p:nvCxnSpPr>
+          <p:spPr>
+            <a:xfrm flipV="1">
+              <a:off x="6406763" y="2080776"/>
+              <a:ext cx="1543437" cy="1434572"/>
+            </a:xfrm>
+            <a:prstGeom prst="straightConnector1">
+              <a:avLst/>
+            </a:prstGeom>
+            <a:ln>
+              <a:solidFill>
+                <a:srgbClr val="FF0000"/>
+              </a:solidFill>
+              <a:tailEnd type="triangle"/>
+            </a:ln>
+          </p:spPr>
+          <p:style>
+            <a:lnRef idx="1">
+              <a:schemeClr val="accent1"/>
+            </a:lnRef>
+            <a:fillRef idx="0">
+              <a:schemeClr val="accent1"/>
+            </a:fillRef>
+            <a:effectRef idx="0">
+              <a:schemeClr val="accent1"/>
+            </a:effectRef>
+            <a:fontRef idx="minor">
+              <a:schemeClr val="tx1"/>
+            </a:fontRef>
+          </p:style>
+        </p:cxnSp>
+      </p:grpSp>
+      <p:grpSp>
+        <p:nvGrpSpPr>
+          <p:cNvPr id="25" name="Agrupar 35">
+            <a:extLst>
+              <a:ext uri="{FF2B5EF4-FFF2-40B4-BE49-F238E27FC236}">
+                <a16:creationId xmlns:a16="http://schemas.microsoft.com/office/drawing/2014/main" id="{AB163AC8-A919-4963-A4E0-EC804E6C225B}"/>
+              </a:ext>
+            </a:extLst>
+          </p:cNvPr>
+          <p:cNvGrpSpPr/>
+          <p:nvPr/>
+        </p:nvGrpSpPr>
+        <p:grpSpPr>
+          <a:xfrm>
+            <a:off x="191820" y="2933700"/>
+            <a:ext cx="8393380" cy="2067058"/>
+            <a:chOff x="191820" y="2933700"/>
+            <a:chExt cx="8393380" cy="2067058"/>
+          </a:xfrm>
+        </p:grpSpPr>
+        <p:sp>
+          <p:nvSpPr>
+            <p:cNvPr id="26" name="Retângulo: Cantos Arredondados 17">
+              <a:extLst>
+                <a:ext uri="{FF2B5EF4-FFF2-40B4-BE49-F238E27FC236}">
+                  <a16:creationId xmlns:a16="http://schemas.microsoft.com/office/drawing/2014/main" id="{992F5771-263C-47D3-9795-0EC9E789A2FA}"/>
+                </a:ext>
+              </a:extLst>
+            </p:cNvPr>
+            <p:cNvSpPr/>
+            <p:nvPr/>
+          </p:nvSpPr>
+          <p:spPr>
+            <a:xfrm>
+              <a:off x="382810" y="4394610"/>
+              <a:ext cx="6323279" cy="433665"/>
+            </a:xfrm>
+            <a:prstGeom prst="roundRect">
+              <a:avLst/>
+            </a:prstGeom>
+            <a:solidFill>
+              <a:schemeClr val="bg2"/>
+            </a:solidFill>
+            <a:ln>
+              <a:solidFill>
+                <a:schemeClr val="tx1"/>
+              </a:solidFill>
+            </a:ln>
+          </p:spPr>
+          <p:style>
+            <a:lnRef idx="2">
+              <a:schemeClr val="accent1">
+                <a:shade val="50000"/>
+              </a:schemeClr>
+            </a:lnRef>
+            <a:fillRef idx="1">
+              <a:schemeClr val="accent1"/>
+            </a:fillRef>
+            <a:effectRef idx="0">
+              <a:schemeClr val="accent1"/>
+            </a:effectRef>
+            <a:fontRef idx="minor">
+              <a:schemeClr val="lt1"/>
+            </a:fontRef>
+          </p:style>
+          <p:txBody>
+            <a:bodyPr rtlCol="0" anchor="ctr"/>
+            <a:lstStyle/>
+            <a:p>
+              <a:pPr algn="ctr"/>
+              <a:endParaRPr lang="en-US"/>
+            </a:p>
+          </p:txBody>
+        </p:sp>
+        <p:sp>
+          <p:nvSpPr>
+            <p:cNvPr id="27" name="CaixaDeTexto 10">
+              <a:extLst>
+                <a:ext uri="{FF2B5EF4-FFF2-40B4-BE49-F238E27FC236}">
+                  <a16:creationId xmlns:a16="http://schemas.microsoft.com/office/drawing/2014/main" id="{030319C2-7F5B-43ED-BA90-3BD98C9E9872}"/>
+                </a:ext>
+              </a:extLst>
+            </p:cNvPr>
+            <p:cNvSpPr txBox="1"/>
+            <p:nvPr/>
+          </p:nvSpPr>
+          <p:spPr>
+            <a:xfrm>
+              <a:off x="191820" y="4415983"/>
+              <a:ext cx="6468260" cy="584775"/>
+            </a:xfrm>
+            <a:prstGeom prst="rect">
+              <a:avLst/>
+            </a:prstGeom>
+            <a:noFill/>
+          </p:spPr>
+          <p:txBody>
+            <a:bodyPr wrap="square" rtlCol="0">
+              <a:spAutoFit/>
+            </a:bodyPr>
+            <a:lstStyle/>
+            <a:p>
+              <a:pPr algn="r"/>
+              <a:r>
+                <a:rPr lang="pt-BR" sz="1600" dirty="0" err="1"/>
+                <a:t>After</a:t>
+              </a:r>
+              <a:r>
+                <a:rPr lang="pt-BR" sz="1600" dirty="0"/>
+                <a:t> a </a:t>
+              </a:r>
+              <a:r>
+                <a:rPr lang="pt-BR" sz="1600" dirty="0" err="1"/>
+                <a:t>defined</a:t>
+              </a:r>
+              <a:r>
+                <a:rPr lang="pt-BR" sz="1600" dirty="0"/>
+                <a:t> </a:t>
+              </a:r>
+              <a:r>
+                <a:rPr lang="pt-BR" sz="1600" dirty="0" err="1"/>
+                <a:t>period</a:t>
+              </a:r>
+              <a:r>
+                <a:rPr lang="pt-BR" sz="1600" dirty="0"/>
+                <a:t>, </a:t>
+              </a:r>
+              <a:r>
+                <a:rPr lang="pt-BR" sz="1600" dirty="0" err="1"/>
+                <a:t>the</a:t>
+              </a:r>
+              <a:r>
+                <a:rPr lang="pt-BR" sz="1600" dirty="0"/>
+                <a:t> </a:t>
+              </a:r>
+              <a:r>
+                <a:rPr lang="pt-BR" sz="1600" dirty="0" err="1"/>
+                <a:t>Controller</a:t>
+              </a:r>
+              <a:r>
+                <a:rPr lang="pt-BR" sz="1600" dirty="0"/>
+                <a:t> </a:t>
+              </a:r>
+              <a:r>
+                <a:rPr lang="pt-BR" sz="1600" dirty="0" err="1"/>
+                <a:t>requests</a:t>
+              </a:r>
+              <a:r>
+                <a:rPr lang="pt-BR" sz="1600" dirty="0"/>
+                <a:t> </a:t>
+              </a:r>
+              <a:r>
+                <a:rPr lang="pt-BR" sz="1600" dirty="0" err="1"/>
+                <a:t>the</a:t>
+              </a:r>
+              <a:r>
+                <a:rPr lang="pt-BR" sz="1600" dirty="0"/>
+                <a:t> </a:t>
+              </a:r>
+              <a:r>
+                <a:rPr lang="pt-BR" sz="1600" dirty="0" err="1"/>
+                <a:t>monitoring</a:t>
+              </a:r>
+              <a:r>
+                <a:rPr lang="pt-BR" sz="1600" dirty="0"/>
+                <a:t> log</a:t>
+              </a:r>
+            </a:p>
+            <a:p>
+              <a:endParaRPr lang="en-US" sz="1600" dirty="0"/>
+            </a:p>
+          </p:txBody>
+        </p:sp>
+        <p:cxnSp>
+          <p:nvCxnSpPr>
+            <p:cNvPr id="28" name="Conector de Seta Reta 27">
+              <a:extLst>
+                <a:ext uri="{FF2B5EF4-FFF2-40B4-BE49-F238E27FC236}">
+                  <a16:creationId xmlns:a16="http://schemas.microsoft.com/office/drawing/2014/main" id="{38AC5AA5-D2B0-471E-82AB-08C3D0FD9766}"/>
+                </a:ext>
+              </a:extLst>
+            </p:cNvPr>
+            <p:cNvCxnSpPr>
+              <a:cxnSpLocks/>
+              <a:stCxn id="26" idx="3"/>
+            </p:cNvCxnSpPr>
+            <p:nvPr/>
+          </p:nvCxnSpPr>
+          <p:spPr>
+            <a:xfrm flipV="1">
+              <a:off x="6706089" y="2933700"/>
+              <a:ext cx="1879111" cy="1677743"/>
+            </a:xfrm>
+            <a:prstGeom prst="straightConnector1">
+              <a:avLst/>
+            </a:prstGeom>
+            <a:ln>
+              <a:solidFill>
+                <a:srgbClr val="FF0000"/>
+              </a:solidFill>
+              <a:tailEnd type="triangle"/>
+            </a:ln>
+          </p:spPr>
+          <p:style>
+            <a:lnRef idx="1">
+              <a:schemeClr val="accent1"/>
+            </a:lnRef>
+            <a:fillRef idx="0">
+              <a:schemeClr val="accent1"/>
+            </a:fillRef>
+            <a:effectRef idx="0">
+              <a:schemeClr val="accent1"/>
+            </a:effectRef>
+            <a:fontRef idx="minor">
+              <a:schemeClr val="tx1"/>
+            </a:fontRef>
+          </p:style>
+        </p:cxnSp>
+      </p:grpSp>
+      <p:grpSp>
+        <p:nvGrpSpPr>
+          <p:cNvPr id="29" name="Agrupar 36">
+            <a:extLst>
+              <a:ext uri="{FF2B5EF4-FFF2-40B4-BE49-F238E27FC236}">
+                <a16:creationId xmlns:a16="http://schemas.microsoft.com/office/drawing/2014/main" id="{40D90EBD-4CCF-4C9A-AF7B-14EEE59755E8}"/>
+              </a:ext>
+            </a:extLst>
+          </p:cNvPr>
+          <p:cNvGrpSpPr/>
+          <p:nvPr/>
+        </p:nvGrpSpPr>
+        <p:grpSpPr>
+          <a:xfrm>
+            <a:off x="1577130" y="5603382"/>
+            <a:ext cx="8049470" cy="822818"/>
+            <a:chOff x="1577130" y="5603382"/>
+            <a:chExt cx="8049470" cy="822818"/>
+          </a:xfrm>
+        </p:grpSpPr>
+        <p:sp>
+          <p:nvSpPr>
+            <p:cNvPr id="30" name="Retângulo: Cantos Arredondados 18">
+              <a:extLst>
+                <a:ext uri="{FF2B5EF4-FFF2-40B4-BE49-F238E27FC236}">
+                  <a16:creationId xmlns:a16="http://schemas.microsoft.com/office/drawing/2014/main" id="{F9D3556A-A22F-44D2-91A0-1E240A7227BC}"/>
+                </a:ext>
+              </a:extLst>
+            </p:cNvPr>
+            <p:cNvSpPr/>
+            <p:nvPr/>
+          </p:nvSpPr>
+          <p:spPr>
+            <a:xfrm>
+              <a:off x="1577130" y="5603382"/>
+              <a:ext cx="4140200" cy="651994"/>
+            </a:xfrm>
+            <a:prstGeom prst="roundRect">
+              <a:avLst/>
+            </a:prstGeom>
+            <a:solidFill>
+              <a:schemeClr val="bg2"/>
+            </a:solidFill>
+            <a:ln>
+              <a:solidFill>
+                <a:schemeClr val="tx1"/>
+              </a:solidFill>
+            </a:ln>
+          </p:spPr>
+          <p:style>
+            <a:lnRef idx="2">
+              <a:schemeClr val="accent1">
+                <a:shade val="50000"/>
+              </a:schemeClr>
+            </a:lnRef>
+            <a:fillRef idx="1">
+              <a:schemeClr val="accent1"/>
+            </a:fillRef>
+            <a:effectRef idx="0">
+              <a:schemeClr val="accent1"/>
+            </a:effectRef>
+            <a:fontRef idx="minor">
+              <a:schemeClr val="lt1"/>
+            </a:fontRef>
+          </p:style>
+          <p:txBody>
+            <a:bodyPr rtlCol="0" anchor="ctr"/>
+            <a:lstStyle/>
+            <a:p>
+              <a:pPr algn="ctr"/>
+              <a:endParaRPr lang="en-US"/>
+            </a:p>
+          </p:txBody>
+        </p:sp>
+        <p:sp>
+          <p:nvSpPr>
+            <p:cNvPr id="31" name="CaixaDeTexto 13">
+              <a:extLst>
+                <a:ext uri="{FF2B5EF4-FFF2-40B4-BE49-F238E27FC236}">
+                  <a16:creationId xmlns:a16="http://schemas.microsoft.com/office/drawing/2014/main" id="{4E368C10-2EB3-4C09-9BEE-727D861E136A}"/>
+                </a:ext>
+              </a:extLst>
+            </p:cNvPr>
+            <p:cNvSpPr txBox="1"/>
+            <p:nvPr/>
+          </p:nvSpPr>
+          <p:spPr>
+            <a:xfrm>
+              <a:off x="1577130" y="5636991"/>
+              <a:ext cx="4140199" cy="584775"/>
+            </a:xfrm>
+            <a:prstGeom prst="rect">
+              <a:avLst/>
+            </a:prstGeom>
+            <a:noFill/>
+          </p:spPr>
+          <p:txBody>
+            <a:bodyPr wrap="square" rtlCol="0">
+              <a:spAutoFit/>
+            </a:bodyPr>
+            <a:lstStyle/>
+            <a:p>
+              <a:pPr algn="ctr"/>
+              <a:r>
+                <a:rPr lang="pt-BR" sz="1600" dirty="0"/>
+                <a:t>The </a:t>
+              </a:r>
+              <a:r>
+                <a:rPr lang="pt-BR" sz="1600" dirty="0" err="1"/>
+                <a:t>Controller</a:t>
+              </a:r>
+              <a:r>
+                <a:rPr lang="pt-BR" sz="1600" dirty="0"/>
+                <a:t> updates </a:t>
+              </a:r>
+              <a:r>
+                <a:rPr lang="pt-BR" sz="1600" dirty="0" err="1"/>
+                <a:t>the</a:t>
+              </a:r>
+              <a:r>
+                <a:rPr lang="pt-BR" sz="1600" dirty="0"/>
+                <a:t> REST interface</a:t>
+              </a:r>
+            </a:p>
+            <a:p>
+              <a:pPr algn="ctr"/>
+              <a:r>
+                <a:rPr lang="pt-BR" sz="1600" dirty="0"/>
+                <a:t> </a:t>
+              </a:r>
+              <a:r>
+                <a:rPr lang="pt-BR" sz="1600" dirty="0" err="1"/>
+                <a:t>with</a:t>
+              </a:r>
+              <a:r>
+                <a:rPr lang="pt-BR" sz="1600" dirty="0"/>
+                <a:t> </a:t>
+              </a:r>
+              <a:r>
+                <a:rPr lang="pt-BR" sz="1600" dirty="0" err="1"/>
+                <a:t>the</a:t>
+              </a:r>
+              <a:r>
+                <a:rPr lang="pt-BR" sz="1600" dirty="0"/>
+                <a:t> container </a:t>
+              </a:r>
+              <a:r>
+                <a:rPr lang="pt-BR" sz="1600" dirty="0" err="1"/>
+                <a:t>list</a:t>
+              </a:r>
+              <a:r>
+                <a:rPr lang="pt-BR" sz="1600" dirty="0"/>
+                <a:t> </a:t>
+              </a:r>
+              <a:r>
+                <a:rPr lang="pt-BR" sz="1600" dirty="0" err="1"/>
+                <a:t>and</a:t>
+              </a:r>
+              <a:r>
+                <a:rPr lang="pt-BR" sz="1600" dirty="0"/>
+                <a:t> </a:t>
+              </a:r>
+              <a:r>
+                <a:rPr lang="pt-BR" sz="1600" dirty="0" err="1"/>
+                <a:t>info</a:t>
+              </a:r>
+              <a:endParaRPr lang="pt-BR" sz="1600" dirty="0"/>
+            </a:p>
+          </p:txBody>
+        </p:sp>
+        <p:cxnSp>
+          <p:nvCxnSpPr>
+            <p:cNvPr id="32" name="Conector de Seta Reta 30">
+              <a:extLst>
+                <a:ext uri="{FF2B5EF4-FFF2-40B4-BE49-F238E27FC236}">
+                  <a16:creationId xmlns:a16="http://schemas.microsoft.com/office/drawing/2014/main" id="{C20B9CB0-C806-473D-B975-EAB29590A7B8}"/>
+                </a:ext>
+              </a:extLst>
+            </p:cNvPr>
+            <p:cNvCxnSpPr>
+              <a:cxnSpLocks/>
+              <a:stCxn id="31" idx="3"/>
+            </p:cNvCxnSpPr>
+            <p:nvPr/>
+          </p:nvCxnSpPr>
+          <p:spPr>
+            <a:xfrm>
+              <a:off x="5717329" y="5929379"/>
+              <a:ext cx="3909271" cy="496821"/>
+            </a:xfrm>
+            <a:prstGeom prst="straightConnector1">
+              <a:avLst/>
+            </a:prstGeom>
+            <a:ln>
+              <a:solidFill>
+                <a:srgbClr val="FF0000"/>
+              </a:solidFill>
+              <a:tailEnd type="triangle"/>
+            </a:ln>
+          </p:spPr>
+          <p:style>
+            <a:lnRef idx="1">
+              <a:schemeClr val="accent1"/>
+            </a:lnRef>
+            <a:fillRef idx="0">
+              <a:schemeClr val="accent1"/>
+            </a:fillRef>
+            <a:effectRef idx="0">
+              <a:schemeClr val="accent1"/>
+            </a:effectRef>
+            <a:fontRef idx="minor">
+              <a:schemeClr val="tx1"/>
+            </a:fontRef>
+          </p:style>
+        </p:cxnSp>
+      </p:grpSp>
+    </p:spTree>
+    <p:extLst>
+      <p:ext uri="{BB962C8B-B14F-4D97-AF65-F5344CB8AC3E}">
+        <p14:creationId xmlns:p14="http://schemas.microsoft.com/office/powerpoint/2010/main" val="419237074"/>
+      </p:ext>
+    </p:extLst>
+  </p:cSld>
+  <p:clrMapOvr>
+    <a:masterClrMapping/>
+  </p:clrMapOvr>
+  <p:timing>
+    <p:tnLst>
+      <p:par>
+        <p:cTn id="1" dur="indefinite" restart="never" nodeType="tmRoot">
+          <p:childTnLst>
+            <p:seq concurrent="1" nextAc="seek">
+              <p:cTn id="2" dur="indefinite" nodeType="mainSeq">
+                <p:childTnLst>
+                  <p:par>
+                    <p:cTn id="3" fill="hold">
+                      <p:stCondLst>
+                        <p:cond delay="indefinite"/>
+                      </p:stCondLst>
+                      <p:childTnLst>
+                        <p:par>
+                          <p:cTn id="4" fill="hold">
+                            <p:stCondLst>
+                              <p:cond delay="0"/>
+                            </p:stCondLst>
+                            <p:childTnLst>
+                              <p:par>
+                                <p:cTn id="5" presetID="2" presetClass="entr" presetSubtype="4" fill="hold" nodeType="clickEffect">
+                                  <p:stCondLst>
+                                    <p:cond delay="0"/>
+                                  </p:stCondLst>
+                                  <p:childTnLst>
+                                    <p:set>
+                                      <p:cBhvr>
+                                        <p:cTn id="6" dur="1" fill="hold">
+                                          <p:stCondLst>
+                                            <p:cond delay="0"/>
+                                          </p:stCondLst>
+                                        </p:cTn>
+                                        <p:tgtEl>
+                                          <p:spTgt spid="17"/>
+                                        </p:tgtEl>
+                                        <p:attrNameLst>
+                                          <p:attrName>style.visibility</p:attrName>
+                                        </p:attrNameLst>
+                                      </p:cBhvr>
+                                      <p:to>
+                                        <p:strVal val="visible"/>
+                                      </p:to>
+                                    </p:set>
+                                    <p:anim calcmode="lin" valueType="num">
+                                      <p:cBhvr additive="base">
+                                        <p:cTn id="7" dur="500" fill="hold"/>
+                                        <p:tgtEl>
+                                          <p:spTgt spid="17"/>
+                                        </p:tgtEl>
+                                        <p:attrNameLst>
+                                          <p:attrName>ppt_x</p:attrName>
+                                        </p:attrNameLst>
+                                      </p:cBhvr>
+                                      <p:tavLst>
+                                        <p:tav tm="0">
+                                          <p:val>
+                                            <p:strVal val="#ppt_x"/>
+                                          </p:val>
+                                        </p:tav>
+                                        <p:tav tm="100000">
+                                          <p:val>
+                                            <p:strVal val="#ppt_x"/>
+                                          </p:val>
+                                        </p:tav>
+                                      </p:tavLst>
+                                    </p:anim>
+                                    <p:anim calcmode="lin" valueType="num">
+                                      <p:cBhvr additive="base">
+                                        <p:cTn id="8" dur="500" fill="hold"/>
+                                        <p:tgtEl>
+                                          <p:spTgt spid="17"/>
+                                        </p:tgtEl>
+                                        <p:attrNameLst>
+                                          <p:attrName>ppt_y</p:attrName>
+                                        </p:attrNameLst>
+                                      </p:cBhvr>
+                                      <p:tavLst>
+                                        <p:tav tm="0">
+                                          <p:val>
+                                            <p:strVal val="1+#ppt_h/2"/>
+                                          </p:val>
+                                        </p:tav>
+                                        <p:tav tm="100000">
+                                          <p:val>
+                                            <p:strVal val="#ppt_y"/>
+                                          </p:val>
+                                        </p:tav>
+                                      </p:tavLst>
+                                    </p:anim>
+                                  </p:childTnLst>
+                                </p:cTn>
+                              </p:par>
+                            </p:childTnLst>
+                          </p:cTn>
+                        </p:par>
+                      </p:childTnLst>
+                    </p:cTn>
+                  </p:par>
+                  <p:par>
+                    <p:cTn id="9" fill="hold">
+                      <p:stCondLst>
+                        <p:cond delay="indefinite"/>
+                      </p:stCondLst>
+                      <p:childTnLst>
+                        <p:par>
+                          <p:cTn id="10" fill="hold">
+                            <p:stCondLst>
+                              <p:cond delay="0"/>
+                            </p:stCondLst>
+                            <p:childTnLst>
+                              <p:par>
+                                <p:cTn id="11" presetID="2" presetClass="entr" presetSubtype="4" fill="hold" nodeType="clickEffect">
+                                  <p:stCondLst>
+                                    <p:cond delay="0"/>
+                                  </p:stCondLst>
+                                  <p:childTnLst>
+                                    <p:set>
+                                      <p:cBhvr>
+                                        <p:cTn id="12" dur="1" fill="hold">
+                                          <p:stCondLst>
+                                            <p:cond delay="0"/>
+                                          </p:stCondLst>
+                                        </p:cTn>
+                                        <p:tgtEl>
+                                          <p:spTgt spid="21"/>
+                                        </p:tgtEl>
+                                        <p:attrNameLst>
+                                          <p:attrName>style.visibility</p:attrName>
+                                        </p:attrNameLst>
+                                      </p:cBhvr>
+                                      <p:to>
+                                        <p:strVal val="visible"/>
+                                      </p:to>
+                                    </p:set>
+                                    <p:anim calcmode="lin" valueType="num">
+                                      <p:cBhvr additive="base">
+                                        <p:cTn id="13" dur="500" fill="hold"/>
+                                        <p:tgtEl>
+                                          <p:spTgt spid="21"/>
+                                        </p:tgtEl>
+                                        <p:attrNameLst>
+                                          <p:attrName>ppt_x</p:attrName>
+                                        </p:attrNameLst>
+                                      </p:cBhvr>
+                                      <p:tavLst>
+                                        <p:tav tm="0">
+                                          <p:val>
+                                            <p:strVal val="#ppt_x"/>
+                                          </p:val>
+                                        </p:tav>
+                                        <p:tav tm="100000">
+                                          <p:val>
+                                            <p:strVal val="#ppt_x"/>
+                                          </p:val>
+                                        </p:tav>
+                                      </p:tavLst>
+                                    </p:anim>
+                                    <p:anim calcmode="lin" valueType="num">
+                                      <p:cBhvr additive="base">
+                                        <p:cTn id="14" dur="500" fill="hold"/>
+                                        <p:tgtEl>
+                                          <p:spTgt spid="21"/>
+                                        </p:tgtEl>
+                                        <p:attrNameLst>
+                                          <p:attrName>ppt_y</p:attrName>
+                                        </p:attrNameLst>
+                                      </p:cBhvr>
+                                      <p:tavLst>
+                                        <p:tav tm="0">
+                                          <p:val>
+                                            <p:strVal val="1+#ppt_h/2"/>
+                                          </p:val>
+                                        </p:tav>
+                                        <p:tav tm="100000">
+                                          <p:val>
+                                            <p:strVal val="#ppt_y"/>
+                                          </p:val>
+                                        </p:tav>
+                                      </p:tavLst>
+                                    </p:anim>
+                                  </p:childTnLst>
+                                </p:cTn>
+                              </p:par>
+                            </p:childTnLst>
+                          </p:cTn>
+                        </p:par>
+                      </p:childTnLst>
+                    </p:cTn>
+                  </p:par>
+                  <p:par>
+                    <p:cTn id="15" fill="hold">
+                      <p:stCondLst>
+                        <p:cond delay="indefinite"/>
+                      </p:stCondLst>
+                      <p:childTnLst>
+                        <p:par>
+                          <p:cTn id="16" fill="hold">
+                            <p:stCondLst>
+                              <p:cond delay="0"/>
+                            </p:stCondLst>
+                            <p:childTnLst>
+                              <p:par>
+                                <p:cTn id="17" presetID="2" presetClass="entr" presetSubtype="4" fill="hold" nodeType="clickEffect">
+                                  <p:stCondLst>
+                                    <p:cond delay="0"/>
+                                  </p:stCondLst>
+                                  <p:childTnLst>
+                                    <p:set>
+                                      <p:cBhvr>
+                                        <p:cTn id="18" dur="1" fill="hold">
+                                          <p:stCondLst>
+                                            <p:cond delay="0"/>
+                                          </p:stCondLst>
+                                        </p:cTn>
+                                        <p:tgtEl>
+                                          <p:spTgt spid="25"/>
+                                        </p:tgtEl>
+                                        <p:attrNameLst>
+                                          <p:attrName>style.visibility</p:attrName>
+                                        </p:attrNameLst>
+                                      </p:cBhvr>
+                                      <p:to>
+                                        <p:strVal val="visible"/>
+                                      </p:to>
+                                    </p:set>
+                                    <p:anim calcmode="lin" valueType="num">
+                                      <p:cBhvr additive="base">
+                                        <p:cTn id="19" dur="500" fill="hold"/>
+                                        <p:tgtEl>
+                                          <p:spTgt spid="25"/>
+                                        </p:tgtEl>
+                                        <p:attrNameLst>
+                                          <p:attrName>ppt_x</p:attrName>
+                                        </p:attrNameLst>
+                                      </p:cBhvr>
+                                      <p:tavLst>
+                                        <p:tav tm="0">
+                                          <p:val>
+                                            <p:strVal val="#ppt_x"/>
+                                          </p:val>
+                                        </p:tav>
+                                        <p:tav tm="100000">
+                                          <p:val>
+                                            <p:strVal val="#ppt_x"/>
+                                          </p:val>
+                                        </p:tav>
+                                      </p:tavLst>
+                                    </p:anim>
+                                    <p:anim calcmode="lin" valueType="num">
+                                      <p:cBhvr additive="base">
+                                        <p:cTn id="20" dur="500" fill="hold"/>
+                                        <p:tgtEl>
+                                          <p:spTgt spid="25"/>
+                                        </p:tgtEl>
+                                        <p:attrNameLst>
+                                          <p:attrName>ppt_y</p:attrName>
+                                        </p:attrNameLst>
+                                      </p:cBhvr>
+                                      <p:tavLst>
+                                        <p:tav tm="0">
+                                          <p:val>
+                                            <p:strVal val="1+#ppt_h/2"/>
+                                          </p:val>
+                                        </p:tav>
+                                        <p:tav tm="100000">
+                                          <p:val>
+                                            <p:strVal val="#ppt_y"/>
+                                          </p:val>
+                                        </p:tav>
+                                      </p:tavLst>
+                                    </p:anim>
+                                  </p:childTnLst>
+                                </p:cTn>
+                              </p:par>
+                            </p:childTnLst>
+                          </p:cTn>
+                        </p:par>
+                      </p:childTnLst>
+                    </p:cTn>
+                  </p:par>
+                  <p:par>
+                    <p:cTn id="21" fill="hold">
+                      <p:stCondLst>
+                        <p:cond delay="indefinite"/>
+                      </p:stCondLst>
+                      <p:childTnLst>
+                        <p:par>
+                          <p:cTn id="22" fill="hold">
+                            <p:stCondLst>
+                              <p:cond delay="0"/>
+                            </p:stCondLst>
+                            <p:childTnLst>
+                              <p:par>
+                                <p:cTn id="23" presetID="2" presetClass="entr" presetSubtype="4" fill="hold" nodeType="clickEffect">
+                                  <p:stCondLst>
+                                    <p:cond delay="0"/>
+                                  </p:stCondLst>
+                                  <p:childTnLst>
+                                    <p:set>
+                                      <p:cBhvr>
+                                        <p:cTn id="24" dur="1" fill="hold">
+                                          <p:stCondLst>
+                                            <p:cond delay="0"/>
+                                          </p:stCondLst>
+                                        </p:cTn>
+                                        <p:tgtEl>
+                                          <p:spTgt spid="29"/>
+                                        </p:tgtEl>
+                                        <p:attrNameLst>
+                                          <p:attrName>style.visibility</p:attrName>
+                                        </p:attrNameLst>
+                                      </p:cBhvr>
+                                      <p:to>
+                                        <p:strVal val="visible"/>
+                                      </p:to>
+                                    </p:set>
+                                    <p:anim calcmode="lin" valueType="num">
+                                      <p:cBhvr additive="base">
+                                        <p:cTn id="25" dur="500" fill="hold"/>
+                                        <p:tgtEl>
+                                          <p:spTgt spid="29"/>
+                                        </p:tgtEl>
+                                        <p:attrNameLst>
+                                          <p:attrName>ppt_x</p:attrName>
+                                        </p:attrNameLst>
+                                      </p:cBhvr>
+                                      <p:tavLst>
+                                        <p:tav tm="0">
+                                          <p:val>
+                                            <p:strVal val="#ppt_x"/>
+                                          </p:val>
+                                        </p:tav>
+                                        <p:tav tm="100000">
+                                          <p:val>
+                                            <p:strVal val="#ppt_x"/>
+                                          </p:val>
+                                        </p:tav>
+                                      </p:tavLst>
+                                    </p:anim>
+                                    <p:anim calcmode="lin" valueType="num">
+                                      <p:cBhvr additive="base">
+                                        <p:cTn id="26" dur="500" fill="hold"/>
+                                        <p:tgtEl>
+                                          <p:spTgt spid="29"/>
+                                        </p:tgtEl>
+                                        <p:attrNameLst>
+                                          <p:attrName>ppt_y</p:attrName>
+                                        </p:attrNameLst>
+                                      </p:cBhvr>
+                                      <p:tavLst>
+                                        <p:tav tm="0">
+                                          <p:val>
+                                            <p:strVal val="1+#ppt_h/2"/>
+                                          </p:val>
+                                        </p:tav>
+                                        <p:tav tm="100000">
+                                          <p:val>
+                                            <p:strVal val="#ppt_y"/>
+                                          </p:val>
+                                        </p:tav>
+                                      </p:tavLst>
+                                    </p:anim>
+                                  </p:childTnLst>
+                                </p:cTn>
+                              </p:par>
+                            </p:childTnLst>
+                          </p:cTn>
+                        </p:par>
+                      </p:childTnLst>
+                    </p:cTn>
+                  </p:par>
+                </p:childTnLst>
+              </p:cTn>
+              <p:prevCondLst>
+                <p:cond evt="onPrev" delay="0">
+                  <p:tgtEl>
+                    <p:sldTgt/>
+                  </p:tgtEl>
+                </p:cond>
+              </p:prevCondLst>
+              <p:nextCondLst>
+                <p:cond evt="onNext" delay="0">
+                  <p:tgtEl>
+                    <p:sldTgt/>
+                  </p:tgtEl>
+                </p:cond>
+              </p:nextCondLst>
+            </p:seq>
+          </p:childTnLst>
+        </p:cTn>
+      </p:par>
+    </p:tnLst>
+  </p:timing>
+</p:sld>
+</file>
+
+<file path=ppt/slides/slide16.xml><?xml version="1.0" encoding="utf-8"?>
+<p:sld xmlns:a="http://schemas.openxmlformats.org/drawingml/2006/main" xmlns:r="http://schemas.openxmlformats.org/officeDocument/2006/relationships" xmlns:p="http://schemas.openxmlformats.org/presentationml/2006/main">
+  <p:cSld>
+    <p:bg>
+      <p:bgPr>
+        <a:solidFill>
+          <a:schemeClr val="bg1"/>
+        </a:solidFill>
+        <a:effectLst/>
+      </p:bgPr>
+    </p:bg>
+    <p:spTree>
+      <p:nvGrpSpPr>
+        <p:cNvPr id="1" name=""/>
+        <p:cNvGrpSpPr/>
+        <p:nvPr/>
+      </p:nvGrpSpPr>
+      <p:grpSpPr>
+        <a:xfrm>
+          <a:off x="0" y="0"/>
+          <a:ext cx="0" cy="0"/>
+          <a:chOff x="0" y="0"/>
+          <a:chExt cx="0" cy="0"/>
+        </a:xfrm>
+      </p:grpSpPr>
+      <p:pic>
+        <p:nvPicPr>
+          <p:cNvPr id="5" name="Segnaposto contenuto 4" descr="Scienziato che guarda uno schermo futuristico con dati">
+            <a:extLst>
+              <a:ext uri="{FF2B5EF4-FFF2-40B4-BE49-F238E27FC236}">
+                <a16:creationId xmlns:a16="http://schemas.microsoft.com/office/drawing/2014/main" id="{A93E36F6-F180-4BC5-BE4C-9B76650441B0}"/>
+              </a:ext>
+            </a:extLst>
+          </p:cNvPr>
+          <p:cNvPicPr>
+            <a:picLocks noChangeAspect="1"/>
+          </p:cNvPicPr>
+          <p:nvPr/>
+        </p:nvPicPr>
+        <p:blipFill rotWithShape="1">
+          <a:blip r:embed="rId2"/>
+          <a:srcRect l="22893" r="-2" b="-2"/>
+          <a:stretch/>
+        </p:blipFill>
+        <p:spPr>
+          <a:xfrm>
+            <a:off x="4269854" y="-1"/>
+            <a:ext cx="7922146" cy="6858001"/>
+          </a:xfrm>
+          <a:custGeom>
+            <a:avLst/>
+            <a:gdLst/>
+            <a:ahLst/>
+            <a:cxnLst/>
+            <a:rect l="l" t="t" r="r" b="b"/>
+            <a:pathLst>
+              <a:path w="7922146" h="6858001">
+                <a:moveTo>
+                  <a:pt x="379987" y="0"/>
+                </a:moveTo>
+                <a:lnTo>
+                  <a:pt x="5304971" y="0"/>
+                </a:lnTo>
+                <a:lnTo>
+                  <a:pt x="7065281" y="0"/>
+                </a:lnTo>
+                <a:lnTo>
+                  <a:pt x="7397540" y="0"/>
+                </a:lnTo>
+                <a:lnTo>
+                  <a:pt x="7397540" y="1"/>
+                </a:lnTo>
+                <a:lnTo>
+                  <a:pt x="7922146" y="1"/>
+                </a:lnTo>
+                <a:lnTo>
+                  <a:pt x="7922146" y="6858001"/>
+                </a:lnTo>
+                <a:lnTo>
+                  <a:pt x="7065281" y="6858001"/>
+                </a:lnTo>
+                <a:lnTo>
+                  <a:pt x="7065281" y="6858000"/>
+                </a:lnTo>
+                <a:lnTo>
+                  <a:pt x="5932989" y="6858000"/>
+                </a:lnTo>
+                <a:lnTo>
+                  <a:pt x="5932989" y="6858001"/>
+                </a:lnTo>
+                <a:lnTo>
+                  <a:pt x="27809" y="6858001"/>
+                </a:lnTo>
+                <a:lnTo>
+                  <a:pt x="1803228" y="4521201"/>
+                </a:lnTo>
+                <a:close/>
+                <a:moveTo>
+                  <a:pt x="0" y="0"/>
+                </a:moveTo>
+                <a:lnTo>
+                  <a:pt x="379987" y="0"/>
+                </a:lnTo>
+                <a:lnTo>
+                  <a:pt x="0" y="407"/>
+                </a:lnTo>
+                <a:close/>
+              </a:path>
+            </a:pathLst>
+          </a:custGeom>
+        </p:spPr>
+      </p:pic>
+      <p:sp>
+        <p:nvSpPr>
+          <p:cNvPr id="2" name="Título 1">
+            <a:extLst>
+              <a:ext uri="{FF2B5EF4-FFF2-40B4-BE49-F238E27FC236}">
+                <a16:creationId xmlns:a16="http://schemas.microsoft.com/office/drawing/2014/main" id="{69BED902-288F-4373-AC39-F683554F2CE0}"/>
+              </a:ext>
+            </a:extLst>
+          </p:cNvPr>
+          <p:cNvSpPr>
+            <a:spLocks noGrp="1"/>
+          </p:cNvSpPr>
+          <p:nvPr>
+            <p:ph type="title"/>
+          </p:nvPr>
+        </p:nvSpPr>
+        <p:spPr>
+          <a:xfrm>
+            <a:off x="444301" y="3199077"/>
+            <a:ext cx="3177909" cy="964671"/>
+          </a:xfrm>
+        </p:spPr>
+        <p:txBody>
+          <a:bodyPr>
+            <a:noAutofit/>
+          </a:bodyPr>
+          <a:lstStyle/>
+          <a:p>
+            <a:r>
+              <a:rPr lang="pt-BR" sz="6600" b="1">
+                <a:latin typeface="Aharoni" panose="02010803020104030203" pitchFamily="2" charset="-79"/>
+                <a:cs typeface="Aharoni" panose="02010803020104030203" pitchFamily="2" charset="-79"/>
+              </a:rPr>
+              <a:t>Testing</a:t>
+            </a:r>
+            <a:endParaRPr lang="pt-BR" sz="6600" b="1" dirty="0">
+              <a:latin typeface="Aharoni" panose="02010803020104030203" pitchFamily="2" charset="-79"/>
+              <a:cs typeface="Aharoni" panose="02010803020104030203" pitchFamily="2" charset="-79"/>
+            </a:endParaRPr>
+          </a:p>
+        </p:txBody>
+      </p:sp>
+      <p:cxnSp>
+        <p:nvCxnSpPr>
+          <p:cNvPr id="34" name="Straight Connector 33">
+            <a:extLst>
+              <a:ext uri="{FF2B5EF4-FFF2-40B4-BE49-F238E27FC236}">
+                <a16:creationId xmlns:a16="http://schemas.microsoft.com/office/drawing/2014/main" id="{64FA5DFF-7FE6-4855-84E6-DFA78EE978BD}"/>
+              </a:ext>
+              <a:ext uri="{C183D7F6-B498-43B3-948B-1728B52AA6E4}">
+                <adec:decorative xmlns:adec="http://schemas.microsoft.com/office/drawing/2017/decorative" val="1"/>
+              </a:ext>
+            </a:extLst>
+          </p:cNvPr>
+          <p:cNvCxnSpPr>
+            <a:cxnSpLocks noGrp="1" noRot="1" noChangeAspect="1" noMove="1" noResize="1" noEditPoints="1" noAdjustHandles="1" noChangeArrowheads="1" noChangeShapeType="1"/>
+          </p:cNvCxnSpPr>
+          <p:nvPr>
+            <p:extLst>
+              <p:ext uri="{386F3935-93C4-4BCD-93E2-E3B085C9AB24}">
+                <p16:designElem xmlns:p16="http://schemas.microsoft.com/office/powerpoint/2015/main" val="1"/>
+              </p:ext>
+            </p:extLst>
+          </p:nvPr>
+        </p:nvCxnSpPr>
+        <p:spPr>
+          <a:xfrm>
+            <a:off x="9371012" y="0"/>
+            <a:ext cx="1219200" cy="6858000"/>
+          </a:xfrm>
+          <a:prstGeom prst="line">
+            <a:avLst/>
+          </a:prstGeom>
+          <a:ln w="9525">
+            <a:solidFill>
+              <a:schemeClr val="bg1">
+                <a:lumMod val="75000"/>
+              </a:schemeClr>
+            </a:solidFill>
+          </a:ln>
+        </p:spPr>
+        <p:style>
+          <a:lnRef idx="2">
+            <a:schemeClr val="accent1"/>
+          </a:lnRef>
+          <a:fillRef idx="0">
+            <a:schemeClr val="accent1"/>
+          </a:fillRef>
+          <a:effectRef idx="1">
+            <a:schemeClr val="accent1"/>
+          </a:effectRef>
+          <a:fontRef idx="minor">
+            <a:schemeClr val="tx1"/>
+          </a:fontRef>
+        </p:style>
+      </p:cxnSp>
+      <p:cxnSp>
+        <p:nvCxnSpPr>
+          <p:cNvPr id="36" name="Straight Connector 35">
+            <a:extLst>
+              <a:ext uri="{FF2B5EF4-FFF2-40B4-BE49-F238E27FC236}">
+                <a16:creationId xmlns:a16="http://schemas.microsoft.com/office/drawing/2014/main" id="{2AFD8CBA-54A3-4363-991B-B9C631BBFA74}"/>
+              </a:ext>
+              <a:ext uri="{C183D7F6-B498-43B3-948B-1728B52AA6E4}">
+                <adec:decorative xmlns:adec="http://schemas.microsoft.com/office/drawing/2017/decorative" val="1"/>
+              </a:ext>
+            </a:extLst>
+          </p:cNvPr>
+          <p:cNvCxnSpPr>
+            <a:cxnSpLocks noGrp="1" noRot="1" noChangeAspect="1" noMove="1" noResize="1" noEditPoints="1" noAdjustHandles="1" noChangeArrowheads="1" noChangeShapeType="1"/>
+          </p:cNvCxnSpPr>
+          <p:nvPr>
+            <p:extLst>
+              <p:ext uri="{386F3935-93C4-4BCD-93E2-E3B085C9AB24}">
+                <p16:designElem xmlns:p16="http://schemas.microsoft.com/office/powerpoint/2015/main" val="1"/>
+              </p:ext>
+            </p:extLst>
+          </p:nvPr>
+        </p:nvCxnSpPr>
+        <p:spPr>
+          <a:xfrm flipH="1">
+            <a:off x="7425267" y="3681413"/>
+            <a:ext cx="4763558" cy="3176587"/>
+          </a:xfrm>
+          <a:prstGeom prst="line">
+            <a:avLst/>
+          </a:prstGeom>
+          <a:ln w="9525">
+            <a:solidFill>
+              <a:schemeClr val="bg1">
+                <a:lumMod val="85000"/>
+              </a:schemeClr>
+            </a:solidFill>
+          </a:ln>
+        </p:spPr>
+        <p:style>
+          <a:lnRef idx="2">
+            <a:schemeClr val="accent1"/>
+          </a:lnRef>
+          <a:fillRef idx="0">
+            <a:schemeClr val="accent1"/>
+          </a:fillRef>
+          <a:effectRef idx="1">
+            <a:schemeClr val="accent1"/>
+          </a:effectRef>
+          <a:fontRef idx="minor">
+            <a:schemeClr val="tx1"/>
+          </a:fontRef>
+        </p:style>
+      </p:cxnSp>
+      <p:sp>
+        <p:nvSpPr>
+          <p:cNvPr id="38" name="Rectangle 23">
+            <a:extLst>
+              <a:ext uri="{FF2B5EF4-FFF2-40B4-BE49-F238E27FC236}">
+                <a16:creationId xmlns:a16="http://schemas.microsoft.com/office/drawing/2014/main" id="{3F088236-D655-4F88-B238-E16762358025}"/>
+              </a:ext>
+              <a:ext uri="{C183D7F6-B498-43B3-948B-1728B52AA6E4}">
+                <adec:decorative xmlns:adec="http://schemas.microsoft.com/office/drawing/2017/decorative" val="1"/>
+              </a:ext>
+            </a:extLst>
+          </p:cNvPr>
+          <p:cNvSpPr>
+            <a:spLocks noGrp="1" noRot="1" noChangeAspect="1" noMove="1" noResize="1" noEditPoints="1" noAdjustHandles="1" noChangeArrowheads="1" noChangeShapeType="1" noTextEdit="1"/>
+          </p:cNvSpPr>
+          <p:nvPr>
+            <p:extLst>
+              <p:ext uri="{386F3935-93C4-4BCD-93E2-E3B085C9AB24}">
+                <p16:designElem xmlns:p16="http://schemas.microsoft.com/office/powerpoint/2015/main" val="1"/>
+              </p:ext>
+            </p:extLst>
+          </p:nvPr>
+        </p:nvSpPr>
+        <p:spPr>
+          <a:xfrm>
+            <a:off x="9181476" y="-8467"/>
+            <a:ext cx="3007349" cy="6866467"/>
+          </a:xfrm>
+          <a:custGeom>
+            <a:avLst/>
+            <a:gdLst/>
+            <a:ahLst/>
+            <a:cxnLst/>
+            <a:rect l="l" t="t" r="r" b="b"/>
+            <a:pathLst>
+              <a:path w="3007349" h="6866467">
+                <a:moveTo>
+                  <a:pt x="2045532" y="0"/>
+                </a:moveTo>
+                <a:lnTo>
+                  <a:pt x="3007349" y="0"/>
+                </a:lnTo>
+                <a:lnTo>
+                  <a:pt x="3007349" y="6866467"/>
+                </a:lnTo>
+                <a:lnTo>
+                  <a:pt x="0" y="6866467"/>
+                </a:lnTo>
+                <a:lnTo>
+                  <a:pt x="2045532" y="0"/>
+                </a:lnTo>
+                <a:close/>
+              </a:path>
+            </a:pathLst>
+          </a:custGeom>
+          <a:solidFill>
+            <a:schemeClr val="accent1">
+              <a:alpha val="30000"/>
+            </a:schemeClr>
+          </a:solidFill>
+          <a:ln>
+            <a:noFill/>
+          </a:ln>
+          <a:effectLst/>
+        </p:spPr>
+        <p:style>
+          <a:lnRef idx="1">
+            <a:schemeClr val="accent1"/>
+          </a:lnRef>
+          <a:fillRef idx="3">
+            <a:schemeClr val="accent1"/>
+          </a:fillRef>
+          <a:effectRef idx="2">
+            <a:schemeClr val="accent1"/>
+          </a:effectRef>
+          <a:fontRef idx="minor">
+            <a:schemeClr val="lt1"/>
+          </a:fontRef>
+        </p:style>
+      </p:sp>
+      <p:sp>
+        <p:nvSpPr>
+          <p:cNvPr id="40" name="Rectangle 25">
+            <a:extLst>
+              <a:ext uri="{FF2B5EF4-FFF2-40B4-BE49-F238E27FC236}">
+                <a16:creationId xmlns:a16="http://schemas.microsoft.com/office/drawing/2014/main" id="{3DAC0C92-199E-475C-9390-119A9B027276}"/>
+              </a:ext>
+              <a:ext uri="{C183D7F6-B498-43B3-948B-1728B52AA6E4}">
+                <adec:decorative xmlns:adec="http://schemas.microsoft.com/office/drawing/2017/decorative" val="1"/>
+              </a:ext>
+            </a:extLst>
+          </p:cNvPr>
+          <p:cNvSpPr>
+            <a:spLocks noGrp="1" noRot="1" noChangeAspect="1" noMove="1" noResize="1" noEditPoints="1" noAdjustHandles="1" noChangeArrowheads="1" noChangeShapeType="1" noTextEdit="1"/>
+          </p:cNvSpPr>
+          <p:nvPr>
+            <p:extLst>
+              <p:ext uri="{386F3935-93C4-4BCD-93E2-E3B085C9AB24}">
+                <p16:designElem xmlns:p16="http://schemas.microsoft.com/office/powerpoint/2015/main" val="1"/>
+              </p:ext>
+            </p:extLst>
+          </p:nvPr>
+        </p:nvSpPr>
+        <p:spPr>
+          <a:xfrm>
+            <a:off x="9603442" y="-8467"/>
+            <a:ext cx="2588558" cy="6866467"/>
+          </a:xfrm>
+          <a:custGeom>
+            <a:avLst/>
+            <a:gdLst/>
+            <a:ahLst/>
+            <a:cxnLst/>
+            <a:rect l="l" t="t" r="r" b="b"/>
+            <a:pathLst>
+              <a:path w="2573311" h="6866467">
+                <a:moveTo>
+                  <a:pt x="0" y="0"/>
+                </a:moveTo>
+                <a:lnTo>
+                  <a:pt x="2573311" y="0"/>
+                </a:lnTo>
+                <a:lnTo>
+                  <a:pt x="2573311" y="6866467"/>
+                </a:lnTo>
+                <a:lnTo>
+                  <a:pt x="1202336" y="6866467"/>
+                </a:lnTo>
+                <a:lnTo>
+                  <a:pt x="0" y="0"/>
+                </a:lnTo>
+                <a:close/>
+              </a:path>
+            </a:pathLst>
+          </a:custGeom>
+          <a:solidFill>
+            <a:schemeClr val="accent1">
+              <a:alpha val="20000"/>
+            </a:schemeClr>
+          </a:solidFill>
+          <a:ln>
+            <a:noFill/>
+          </a:ln>
+          <a:effectLst/>
+        </p:spPr>
+        <p:style>
+          <a:lnRef idx="1">
+            <a:schemeClr val="accent1"/>
+          </a:lnRef>
+          <a:fillRef idx="3">
+            <a:schemeClr val="accent1"/>
+          </a:fillRef>
+          <a:effectRef idx="2">
+            <a:schemeClr val="accent1"/>
+          </a:effectRef>
+          <a:fontRef idx="minor">
+            <a:schemeClr val="lt1"/>
+          </a:fontRef>
+        </p:style>
+      </p:sp>
+      <p:sp>
+        <p:nvSpPr>
+          <p:cNvPr id="42" name="Isosceles Triangle 24">
+            <a:extLst>
+              <a:ext uri="{FF2B5EF4-FFF2-40B4-BE49-F238E27FC236}">
+                <a16:creationId xmlns:a16="http://schemas.microsoft.com/office/drawing/2014/main" id="{C4CFB339-0ED8-4FE2-9EF1-6D1375B8499B}"/>
+              </a:ext>
+              <a:ext uri="{C183D7F6-B498-43B3-948B-1728B52AA6E4}">
+                <adec:decorative xmlns:adec="http://schemas.microsoft.com/office/drawing/2017/decorative" val="1"/>
+              </a:ext>
+            </a:extLst>
+          </p:cNvPr>
+          <p:cNvSpPr>
+            <a:spLocks noGrp="1" noRot="1" noChangeAspect="1" noMove="1" noResize="1" noEditPoints="1" noAdjustHandles="1" noChangeArrowheads="1" noChangeShapeType="1" noTextEdit="1"/>
+          </p:cNvSpPr>
+          <p:nvPr>
+            <p:extLst>
+              <p:ext uri="{386F3935-93C4-4BCD-93E2-E3B085C9AB24}">
+                <p16:designElem xmlns:p16="http://schemas.microsoft.com/office/powerpoint/2015/main" val="1"/>
+              </p:ext>
+            </p:extLst>
+          </p:nvPr>
+        </p:nvSpPr>
+        <p:spPr>
+          <a:xfrm>
+            <a:off x="8932333" y="3048000"/>
+            <a:ext cx="3259667" cy="3810000"/>
+          </a:xfrm>
+          <a:prstGeom prst="triangle">
+            <a:avLst>
+              <a:gd name="adj" fmla="val 100000"/>
+            </a:avLst>
+          </a:prstGeom>
+          <a:solidFill>
+            <a:schemeClr val="accent2">
+              <a:alpha val="72000"/>
+            </a:schemeClr>
+          </a:solidFill>
+          <a:ln>
+            <a:noFill/>
+          </a:ln>
+          <a:effectLst/>
+        </p:spPr>
+        <p:style>
+          <a:lnRef idx="1">
+            <a:schemeClr val="accent1"/>
+          </a:lnRef>
+          <a:fillRef idx="3">
+            <a:schemeClr val="accent1"/>
+          </a:fillRef>
+          <a:effectRef idx="2">
+            <a:schemeClr val="accent1"/>
+          </a:effectRef>
+          <a:fontRef idx="minor">
+            <a:schemeClr val="lt1"/>
+          </a:fontRef>
+        </p:style>
+      </p:sp>
+      <p:sp>
+        <p:nvSpPr>
+          <p:cNvPr id="44" name="Rectangle 27">
+            <a:extLst>
+              <a:ext uri="{FF2B5EF4-FFF2-40B4-BE49-F238E27FC236}">
+                <a16:creationId xmlns:a16="http://schemas.microsoft.com/office/drawing/2014/main" id="{31896C80-2069-4431-9C19-83B913734490}"/>
+              </a:ext>
+              <a:ext uri="{C183D7F6-B498-43B3-948B-1728B52AA6E4}">
+                <adec:decorative xmlns:adec="http://schemas.microsoft.com/office/drawing/2017/decorative" val="1"/>
+              </a:ext>
+            </a:extLst>
+          </p:cNvPr>
+          <p:cNvSpPr>
+            <a:spLocks noGrp="1" noRot="1" noChangeAspect="1" noMove="1" noResize="1" noEditPoints="1" noAdjustHandles="1" noChangeArrowheads="1" noChangeShapeType="1" noTextEdit="1"/>
+          </p:cNvSpPr>
+          <p:nvPr>
+            <p:extLst>
+              <p:ext uri="{386F3935-93C4-4BCD-93E2-E3B085C9AB24}">
+                <p16:designElem xmlns:p16="http://schemas.microsoft.com/office/powerpoint/2015/main" val="1"/>
+              </p:ext>
+            </p:extLst>
+          </p:nvPr>
+        </p:nvSpPr>
+        <p:spPr>
+          <a:xfrm>
+            <a:off x="9334500" y="-8467"/>
+            <a:ext cx="2854326" cy="6866467"/>
+          </a:xfrm>
+          <a:custGeom>
+            <a:avLst/>
+            <a:gdLst/>
+            <a:ahLst/>
+            <a:cxnLst/>
+            <a:rect l="l" t="t" r="r" b="b"/>
+            <a:pathLst>
+              <a:path w="2858013" h="6866467">
+                <a:moveTo>
+                  <a:pt x="0" y="0"/>
+                </a:moveTo>
+                <a:lnTo>
+                  <a:pt x="2858013" y="0"/>
+                </a:lnTo>
+                <a:lnTo>
+                  <a:pt x="2858013" y="6866467"/>
+                </a:lnTo>
+                <a:lnTo>
+                  <a:pt x="2473942" y="6866467"/>
+                </a:lnTo>
+                <a:lnTo>
+                  <a:pt x="0" y="0"/>
+                </a:lnTo>
+                <a:close/>
+              </a:path>
+            </a:pathLst>
+          </a:custGeom>
+          <a:solidFill>
+            <a:schemeClr val="accent2">
+              <a:lumMod val="75000"/>
+              <a:alpha val="47000"/>
+            </a:schemeClr>
+          </a:solidFill>
+          <a:ln>
+            <a:noFill/>
+          </a:ln>
+          <a:effectLst/>
+        </p:spPr>
+        <p:style>
+          <a:lnRef idx="1">
+            <a:schemeClr val="accent1"/>
+          </a:lnRef>
+          <a:fillRef idx="3">
+            <a:schemeClr val="accent1"/>
+          </a:fillRef>
+          <a:effectRef idx="2">
+            <a:schemeClr val="accent1"/>
+          </a:effectRef>
+          <a:fontRef idx="minor">
+            <a:schemeClr val="lt1"/>
+          </a:fontRef>
+        </p:style>
+      </p:sp>
+      <p:sp>
+        <p:nvSpPr>
+          <p:cNvPr id="46" name="Rectangle 28">
+            <a:extLst>
+              <a:ext uri="{FF2B5EF4-FFF2-40B4-BE49-F238E27FC236}">
+                <a16:creationId xmlns:a16="http://schemas.microsoft.com/office/drawing/2014/main" id="{BF120A21-0841-4823-B0C4-28AEBCEF9B78}"/>
+              </a:ext>
+              <a:ext uri="{C183D7F6-B498-43B3-948B-1728B52AA6E4}">
+                <adec:decorative xmlns:adec="http://schemas.microsoft.com/office/drawing/2017/decorative" val="1"/>
+              </a:ext>
+            </a:extLst>
+          </p:cNvPr>
+          <p:cNvSpPr>
+            <a:spLocks noGrp="1" noRot="1" noChangeAspect="1" noMove="1" noResize="1" noEditPoints="1" noAdjustHandles="1" noChangeArrowheads="1" noChangeShapeType="1" noTextEdit="1"/>
+          </p:cNvSpPr>
+          <p:nvPr>
+            <p:extLst>
+              <p:ext uri="{386F3935-93C4-4BCD-93E2-E3B085C9AB24}">
+                <p16:designElem xmlns:p16="http://schemas.microsoft.com/office/powerpoint/2015/main" val="1"/>
+              </p:ext>
+            </p:extLst>
+          </p:nvPr>
+        </p:nvSpPr>
+        <p:spPr>
+          <a:xfrm>
+            <a:off x="10898730" y="-8467"/>
+            <a:ext cx="1290094" cy="6866467"/>
+          </a:xfrm>
+          <a:custGeom>
+            <a:avLst/>
+            <a:gdLst/>
+            <a:ahLst/>
+            <a:cxnLst/>
+            <a:rect l="l" t="t" r="r" b="b"/>
+            <a:pathLst>
+              <a:path w="1290094" h="6858000">
+                <a:moveTo>
+                  <a:pt x="1019735" y="0"/>
+                </a:moveTo>
+                <a:lnTo>
+                  <a:pt x="1290094" y="0"/>
+                </a:lnTo>
+                <a:lnTo>
+                  <a:pt x="1290094" y="6858000"/>
+                </a:lnTo>
+                <a:lnTo>
+                  <a:pt x="0" y="6858000"/>
+                </a:lnTo>
+                <a:lnTo>
+                  <a:pt x="1019735" y="0"/>
+                </a:lnTo>
+                <a:close/>
+              </a:path>
+            </a:pathLst>
+          </a:custGeom>
+          <a:solidFill>
+            <a:schemeClr val="accent1">
+              <a:lumMod val="60000"/>
+              <a:lumOff val="40000"/>
+              <a:alpha val="70000"/>
+            </a:schemeClr>
+          </a:solidFill>
+          <a:ln>
+            <a:noFill/>
+          </a:ln>
+          <a:effectLst/>
+        </p:spPr>
+        <p:style>
+          <a:lnRef idx="1">
+            <a:schemeClr val="accent1"/>
+          </a:lnRef>
+          <a:fillRef idx="3">
+            <a:schemeClr val="accent1"/>
+          </a:fillRef>
+          <a:effectRef idx="2">
+            <a:schemeClr val="accent1"/>
+          </a:effectRef>
+          <a:fontRef idx="minor">
+            <a:schemeClr val="lt1"/>
+          </a:fontRef>
+        </p:style>
+      </p:sp>
+      <p:sp>
+        <p:nvSpPr>
+          <p:cNvPr id="48" name="Rectangle 29">
+            <a:extLst>
+              <a:ext uri="{FF2B5EF4-FFF2-40B4-BE49-F238E27FC236}">
+                <a16:creationId xmlns:a16="http://schemas.microsoft.com/office/drawing/2014/main" id="{DBB05BAE-BBD3-4289-899F-A6851503C6B0}"/>
+              </a:ext>
+              <a:ext uri="{C183D7F6-B498-43B3-948B-1728B52AA6E4}">
+                <adec:decorative xmlns:adec="http://schemas.microsoft.com/office/drawing/2017/decorative" val="1"/>
+              </a:ext>
+            </a:extLst>
+          </p:cNvPr>
+          <p:cNvSpPr>
+            <a:spLocks noGrp="1" noRot="1" noChangeAspect="1" noMove="1" noResize="1" noEditPoints="1" noAdjustHandles="1" noChangeArrowheads="1" noChangeShapeType="1" noTextEdit="1"/>
+          </p:cNvSpPr>
+          <p:nvPr>
+            <p:extLst>
+              <p:ext uri="{386F3935-93C4-4BCD-93E2-E3B085C9AB24}">
+                <p16:designElem xmlns:p16="http://schemas.microsoft.com/office/powerpoint/2015/main" val="1"/>
+              </p:ext>
+            </p:extLst>
+          </p:nvPr>
+        </p:nvSpPr>
+        <p:spPr>
+          <a:xfrm>
+            <a:off x="10938999" y="-8467"/>
+            <a:ext cx="1249825" cy="6866467"/>
+          </a:xfrm>
+          <a:custGeom>
+            <a:avLst/>
+            <a:gdLst/>
+            <a:ahLst/>
+            <a:cxnLst/>
+            <a:rect l="l" t="t" r="r" b="b"/>
+            <a:pathLst>
+              <a:path w="1249825" h="6858000">
+                <a:moveTo>
+                  <a:pt x="0" y="0"/>
+                </a:moveTo>
+                <a:lnTo>
+                  <a:pt x="1249825" y="0"/>
+                </a:lnTo>
+                <a:lnTo>
+                  <a:pt x="1249825" y="6858000"/>
+                </a:lnTo>
+                <a:lnTo>
+                  <a:pt x="1109382" y="6858000"/>
+                </a:lnTo>
+                <a:lnTo>
+                  <a:pt x="0" y="0"/>
+                </a:lnTo>
+                <a:close/>
+              </a:path>
+            </a:pathLst>
+          </a:custGeom>
+          <a:solidFill>
+            <a:schemeClr val="accent1">
+              <a:alpha val="65000"/>
+            </a:schemeClr>
+          </a:solidFill>
+          <a:ln>
+            <a:noFill/>
+          </a:ln>
+          <a:effectLst/>
+        </p:spPr>
+        <p:style>
+          <a:lnRef idx="1">
+            <a:schemeClr val="accent1"/>
+          </a:lnRef>
+          <a:fillRef idx="3">
+            <a:schemeClr val="accent1"/>
+          </a:fillRef>
+          <a:effectRef idx="2">
+            <a:schemeClr val="accent1"/>
+          </a:effectRef>
+          <a:fontRef idx="minor">
+            <a:schemeClr val="lt1"/>
+          </a:fontRef>
+        </p:style>
+      </p:sp>
+      <p:sp>
+        <p:nvSpPr>
+          <p:cNvPr id="50" name="Isosceles Triangle 29">
+            <a:extLst>
+              <a:ext uri="{FF2B5EF4-FFF2-40B4-BE49-F238E27FC236}">
+                <a16:creationId xmlns:a16="http://schemas.microsoft.com/office/drawing/2014/main" id="{9874D11C-36F5-4BBE-A490-019A54E953B0}"/>
+              </a:ext>
+              <a:ext uri="{C183D7F6-B498-43B3-948B-1728B52AA6E4}">
+                <adec:decorative xmlns:adec="http://schemas.microsoft.com/office/drawing/2017/decorative" val="1"/>
+              </a:ext>
+            </a:extLst>
+          </p:cNvPr>
+          <p:cNvSpPr>
+            <a:spLocks noGrp="1" noRot="1" noChangeAspect="1" noMove="1" noResize="1" noEditPoints="1" noAdjustHandles="1" noChangeArrowheads="1" noChangeShapeType="1" noTextEdit="1"/>
+          </p:cNvSpPr>
+          <p:nvPr>
+            <p:extLst>
+              <p:ext uri="{386F3935-93C4-4BCD-93E2-E3B085C9AB24}">
+                <p16:designElem xmlns:p16="http://schemas.microsoft.com/office/powerpoint/2015/main" val="1"/>
+              </p:ext>
+            </p:extLst>
+          </p:nvPr>
+        </p:nvSpPr>
+        <p:spPr>
+          <a:xfrm>
+            <a:off x="10371666" y="3589867"/>
+            <a:ext cx="1817159" cy="3268133"/>
+          </a:xfrm>
+          <a:prstGeom prst="triangle">
+            <a:avLst>
+              <a:gd name="adj" fmla="val 100000"/>
+            </a:avLst>
+          </a:prstGeom>
+          <a:solidFill>
+            <a:schemeClr val="accent1">
+              <a:alpha val="80000"/>
+            </a:schemeClr>
+          </a:solidFill>
+          <a:ln>
+            <a:noFill/>
+          </a:ln>
+          <a:effectLst/>
+        </p:spPr>
+        <p:style>
+          <a:lnRef idx="1">
+            <a:schemeClr val="accent1"/>
+          </a:lnRef>
+          <a:fillRef idx="3">
+            <a:schemeClr val="accent1"/>
+          </a:fillRef>
+          <a:effectRef idx="2">
+            <a:schemeClr val="accent1"/>
+          </a:effectRef>
+          <a:fontRef idx="minor">
+            <a:schemeClr val="lt1"/>
+          </a:fontRef>
+        </p:style>
+      </p:sp>
+    </p:spTree>
+    <p:extLst>
+      <p:ext uri="{BB962C8B-B14F-4D97-AF65-F5344CB8AC3E}">
+        <p14:creationId xmlns:p14="http://schemas.microsoft.com/office/powerpoint/2010/main" val="3908950468"/>
+      </p:ext>
+    </p:extLst>
+  </p:cSld>
+  <p:clrMapOvr>
+    <a:masterClrMapping/>
+  </p:clrMapOvr>
+</p:sld>
+</file>
+
+<file path=ppt/slides/slide17.xml><?xml version="1.0" encoding="utf-8"?>
+<p:sld xmlns:a="http://schemas.openxmlformats.org/drawingml/2006/main" xmlns:r="http://schemas.openxmlformats.org/officeDocument/2006/relationships" xmlns:p="http://schemas.openxmlformats.org/presentationml/2006/main">
+  <p:cSld>
+    <p:bg>
+      <p:bgPr>
+        <a:solidFill>
+          <a:schemeClr val="bg1"/>
+        </a:solidFill>
+        <a:effectLst/>
+      </p:bgPr>
+    </p:bg>
+    <p:spTree>
+      <p:nvGrpSpPr>
+        <p:cNvPr id="1" name=""/>
+        <p:cNvGrpSpPr/>
+        <p:nvPr/>
+      </p:nvGrpSpPr>
+      <p:grpSpPr>
+        <a:xfrm>
+          <a:off x="0" y="0"/>
+          <a:ext cx="0" cy="0"/>
+          <a:chOff x="0" y="0"/>
+          <a:chExt cx="0" cy="0"/>
+        </a:xfrm>
+      </p:grpSpPr>
+      <p:sp useBgFill="1">
+        <p:nvSpPr>
+          <p:cNvPr id="17" name="Rectangle 16">
+            <a:extLst>
+              <a:ext uri="{FF2B5EF4-FFF2-40B4-BE49-F238E27FC236}">
+                <a16:creationId xmlns:a16="http://schemas.microsoft.com/office/drawing/2014/main" id="{8DF4D7F6-81B5-452A-9CE6-76D81F91D41B}"/>
+              </a:ext>
+              <a:ext uri="{C183D7F6-B498-43B3-948B-1728B52AA6E4}">
+                <adec:decorative xmlns:adec="http://schemas.microsoft.com/office/drawing/2017/decorative" val="1"/>
+              </a:ext>
+            </a:extLst>
+          </p:cNvPr>
+          <p:cNvSpPr>
+            <a:spLocks noGrp="1" noRot="1" noChangeAspect="1" noMove="1" noResize="1" noEditPoints="1" noAdjustHandles="1" noChangeArrowheads="1" noChangeShapeType="1" noTextEdit="1"/>
+          </p:cNvSpPr>
+          <p:nvPr>
+            <p:extLst>
+              <p:ext uri="{386F3935-93C4-4BCD-93E2-E3B085C9AB24}">
+                <p16:designElem xmlns:p16="http://schemas.microsoft.com/office/powerpoint/2015/main" val="1"/>
+              </p:ext>
+            </p:extLst>
+          </p:nvPr>
+        </p:nvSpPr>
+        <p:spPr>
+          <a:xfrm>
+            <a:off x="0" y="0"/>
+            <a:ext cx="12192000" cy="6858000"/>
+          </a:xfrm>
+          <a:prstGeom prst="rect">
+            <a:avLst/>
+          </a:prstGeom>
+          <a:ln>
+            <a:noFill/>
+          </a:ln>
+        </p:spPr>
+        <p:style>
+          <a:lnRef idx="2">
+            <a:schemeClr val="accent1">
+              <a:shade val="50000"/>
+            </a:schemeClr>
+          </a:lnRef>
+          <a:fillRef idx="1">
+            <a:schemeClr val="accent1"/>
+          </a:fillRef>
+          <a:effectRef idx="0">
+            <a:schemeClr val="accent1"/>
+          </a:effectRef>
+          <a:fontRef idx="minor">
+            <a:schemeClr val="lt1"/>
+          </a:fontRef>
+        </p:style>
+        <p:txBody>
+          <a:bodyPr rtlCol="0" anchor="ctr"/>
+          <a:lstStyle/>
+          <a:p>
+            <a:pPr algn="ctr"/>
+            <a:endParaRPr lang="en-US"/>
+          </a:p>
+        </p:txBody>
+      </p:sp>
+      <p:sp>
+        <p:nvSpPr>
+          <p:cNvPr id="2" name="Título 1">
+            <a:extLst>
+              <a:ext uri="{FF2B5EF4-FFF2-40B4-BE49-F238E27FC236}">
+                <a16:creationId xmlns:a16="http://schemas.microsoft.com/office/drawing/2014/main" id="{69BED902-288F-4373-AC39-F683554F2CE0}"/>
+              </a:ext>
+            </a:extLst>
+          </p:cNvPr>
+          <p:cNvSpPr>
+            <a:spLocks noGrp="1"/>
+          </p:cNvSpPr>
+          <p:nvPr>
+            <p:ph type="title"/>
+          </p:nvPr>
+        </p:nvSpPr>
+        <p:spPr>
+          <a:xfrm>
+            <a:off x="1333502" y="0"/>
+            <a:ext cx="8596668" cy="1320800"/>
+          </a:xfrm>
+        </p:spPr>
+        <p:txBody>
+          <a:bodyPr>
+            <a:normAutofit/>
+          </a:bodyPr>
+          <a:lstStyle/>
+          <a:p>
+            <a:endParaRPr lang="pt-BR" dirty="0"/>
+          </a:p>
+        </p:txBody>
+      </p:sp>
+      <p:sp>
+        <p:nvSpPr>
+          <p:cNvPr id="19" name="Isosceles Triangle 18">
+            <a:extLst>
+              <a:ext uri="{FF2B5EF4-FFF2-40B4-BE49-F238E27FC236}">
+                <a16:creationId xmlns:a16="http://schemas.microsoft.com/office/drawing/2014/main" id="{4600514D-20FB-4559-97DC-D1DC39E6C3DE}"/>
+              </a:ext>
+              <a:ext uri="{C183D7F6-B498-43B3-948B-1728B52AA6E4}">
+                <adec:decorative xmlns:adec="http://schemas.microsoft.com/office/drawing/2017/decorative" val="1"/>
+              </a:ext>
+            </a:extLst>
+          </p:cNvPr>
+          <p:cNvSpPr>
+            <a:spLocks noGrp="1" noRot="1" noChangeAspect="1" noMove="1" noResize="1" noEditPoints="1" noAdjustHandles="1" noChangeArrowheads="1" noChangeShapeType="1" noTextEdit="1"/>
+          </p:cNvSpPr>
+          <p:nvPr>
+            <p:extLst>
+              <p:ext uri="{386F3935-93C4-4BCD-93E2-E3B085C9AB24}">
+                <p16:designElem xmlns:p16="http://schemas.microsoft.com/office/powerpoint/2015/main" val="1"/>
+              </p:ext>
+            </p:extLst>
+          </p:nvPr>
+        </p:nvSpPr>
+        <p:spPr>
+          <a:xfrm flipV="1">
+            <a:off x="0" y="0"/>
+            <a:ext cx="448733" cy="2844800"/>
+          </a:xfrm>
+          <a:prstGeom prst="triangle">
+            <a:avLst>
+              <a:gd name="adj" fmla="val 0"/>
+            </a:avLst>
+          </a:prstGeom>
+          <a:solidFill>
+            <a:schemeClr val="accent1">
+              <a:alpha val="85000"/>
+            </a:schemeClr>
+          </a:solidFill>
+          <a:ln>
+            <a:noFill/>
+          </a:ln>
+          <a:effectLst/>
+        </p:spPr>
+        <p:style>
+          <a:lnRef idx="1">
+            <a:schemeClr val="accent1"/>
+          </a:lnRef>
+          <a:fillRef idx="3">
+            <a:schemeClr val="accent1"/>
+          </a:fillRef>
+          <a:effectRef idx="2">
+            <a:schemeClr val="accent1"/>
+          </a:effectRef>
+          <a:fontRef idx="minor">
+            <a:schemeClr val="lt1"/>
+          </a:fontRef>
+        </p:style>
+      </p:sp>
+      <p:sp>
+        <p:nvSpPr>
+          <p:cNvPr id="21" name="Isosceles Triangle 20">
+            <a:extLst>
+              <a:ext uri="{FF2B5EF4-FFF2-40B4-BE49-F238E27FC236}">
+                <a16:creationId xmlns:a16="http://schemas.microsoft.com/office/drawing/2014/main" id="{266F638A-E405-4AC0-B984-72E5813B0DD1}"/>
+              </a:ext>
+              <a:ext uri="{C183D7F6-B498-43B3-948B-1728B52AA6E4}">
+                <adec:decorative xmlns:adec="http://schemas.microsoft.com/office/drawing/2017/decorative" val="1"/>
+              </a:ext>
+            </a:extLst>
+          </p:cNvPr>
+          <p:cNvSpPr>
+            <a:spLocks noGrp="1" noRot="1" noChangeAspect="1" noMove="1" noResize="1" noEditPoints="1" noAdjustHandles="1" noChangeArrowheads="1" noChangeShapeType="1" noTextEdit="1"/>
+          </p:cNvSpPr>
+          <p:nvPr>
+            <p:extLst>
+              <p:ext uri="{386F3935-93C4-4BCD-93E2-E3B085C9AB24}">
+                <p16:designElem xmlns:p16="http://schemas.microsoft.com/office/powerpoint/2015/main" val="1"/>
+              </p:ext>
+            </p:extLst>
+          </p:nvPr>
+        </p:nvSpPr>
+        <p:spPr>
+          <a:xfrm>
+            <a:off x="7738534" y="3818467"/>
+            <a:ext cx="4450292" cy="3039533"/>
+          </a:xfrm>
+          <a:prstGeom prst="triangle">
+            <a:avLst>
+              <a:gd name="adj" fmla="val 100000"/>
+            </a:avLst>
+          </a:prstGeom>
+          <a:solidFill>
+            <a:schemeClr val="accent1"/>
+          </a:solidFill>
+          <a:ln>
+            <a:noFill/>
+          </a:ln>
+          <a:effectLst/>
+        </p:spPr>
+        <p:style>
+          <a:lnRef idx="1">
+            <a:schemeClr val="accent1"/>
+          </a:lnRef>
+          <a:fillRef idx="3">
+            <a:schemeClr val="accent1"/>
+          </a:fillRef>
+          <a:effectRef idx="2">
+            <a:schemeClr val="accent1"/>
+          </a:effectRef>
+          <a:fontRef idx="minor">
+            <a:schemeClr val="lt1"/>
+          </a:fontRef>
+        </p:style>
+      </p:sp>
+      <p:cxnSp>
+        <p:nvCxnSpPr>
+          <p:cNvPr id="23" name="Straight Connector 22">
+            <a:extLst>
+              <a:ext uri="{FF2B5EF4-FFF2-40B4-BE49-F238E27FC236}">
+                <a16:creationId xmlns:a16="http://schemas.microsoft.com/office/drawing/2014/main" id="{7D1CBE93-B17D-4509-843C-82287C38032A}"/>
+              </a:ext>
+              <a:ext uri="{C183D7F6-B498-43B3-948B-1728B52AA6E4}">
+                <adec:decorative xmlns:adec="http://schemas.microsoft.com/office/drawing/2017/decorative" val="1"/>
+              </a:ext>
+            </a:extLst>
+          </p:cNvPr>
+          <p:cNvCxnSpPr>
+            <a:cxnSpLocks noGrp="1" noRot="1" noChangeAspect="1" noMove="1" noResize="1" noEditPoints="1" noAdjustHandles="1" noChangeArrowheads="1" noChangeShapeType="1"/>
+          </p:cNvCxnSpPr>
+          <p:nvPr>
+            <p:extLst>
+              <p:ext uri="{386F3935-93C4-4BCD-93E2-E3B085C9AB24}">
+                <p16:designElem xmlns:p16="http://schemas.microsoft.com/office/powerpoint/2015/main" val="1"/>
+              </p:ext>
+            </p:extLst>
+          </p:nvPr>
+        </p:nvCxnSpPr>
+        <p:spPr>
+          <a:xfrm>
+            <a:off x="10134600" y="0"/>
+            <a:ext cx="1727200" cy="6858000"/>
+          </a:xfrm>
+          <a:prstGeom prst="line">
+            <a:avLst/>
+          </a:prstGeom>
+          <a:ln w="15875" cap="sq">
+            <a:solidFill>
+              <a:schemeClr val="accent2"/>
+            </a:solidFill>
+            <a:bevel/>
+          </a:ln>
+        </p:spPr>
+        <p:style>
+          <a:lnRef idx="2">
+            <a:schemeClr val="accent1"/>
+          </a:lnRef>
+          <a:fillRef idx="0">
+            <a:schemeClr val="accent1"/>
+          </a:fillRef>
+          <a:effectRef idx="1">
+            <a:schemeClr val="accent1"/>
+          </a:effectRef>
+          <a:fontRef idx="minor">
+            <a:schemeClr val="tx1"/>
+          </a:fontRef>
+        </p:style>
+      </p:cxnSp>
+      <p:cxnSp>
+        <p:nvCxnSpPr>
+          <p:cNvPr id="25" name="Straight Connector 24">
+            <a:extLst>
+              <a:ext uri="{FF2B5EF4-FFF2-40B4-BE49-F238E27FC236}">
+                <a16:creationId xmlns:a16="http://schemas.microsoft.com/office/drawing/2014/main" id="{AE6277B4-6A43-48AB-89B2-3442221619CC}"/>
+              </a:ext>
+              <a:ext uri="{C183D7F6-B498-43B3-948B-1728B52AA6E4}">
+                <adec:decorative xmlns:adec="http://schemas.microsoft.com/office/drawing/2017/decorative" val="1"/>
+              </a:ext>
+            </a:extLst>
+          </p:cNvPr>
+          <p:cNvCxnSpPr>
+            <a:cxnSpLocks noGrp="1" noRot="1" noChangeAspect="1" noMove="1" noResize="1" noEditPoints="1" noAdjustHandles="1" noChangeArrowheads="1" noChangeShapeType="1"/>
+          </p:cNvCxnSpPr>
+          <p:nvPr>
+            <p:extLst>
+              <p:ext uri="{386F3935-93C4-4BCD-93E2-E3B085C9AB24}">
+                <p16:designElem xmlns:p16="http://schemas.microsoft.com/office/powerpoint/2015/main" val="1"/>
+              </p:ext>
+            </p:extLst>
+          </p:nvPr>
+        </p:nvCxnSpPr>
+        <p:spPr>
+          <a:xfrm flipH="1">
+            <a:off x="7425267" y="3681413"/>
+            <a:ext cx="4763558" cy="3176587"/>
+          </a:xfrm>
+          <a:prstGeom prst="line">
+            <a:avLst/>
+          </a:prstGeom>
+          <a:ln w="15875">
+            <a:solidFill>
+              <a:schemeClr val="accent1"/>
+            </a:solidFill>
+          </a:ln>
+        </p:spPr>
+        <p:style>
+          <a:lnRef idx="2">
+            <a:schemeClr val="accent1"/>
+          </a:lnRef>
+          <a:fillRef idx="0">
+            <a:schemeClr val="accent1"/>
+          </a:fillRef>
+          <a:effectRef idx="1">
+            <a:schemeClr val="accent1"/>
+          </a:effectRef>
+          <a:fontRef idx="minor">
+            <a:schemeClr val="tx1"/>
+          </a:fontRef>
+        </p:style>
+      </p:cxnSp>
+      <p:sp>
+        <p:nvSpPr>
           <p:cNvPr id="3" name="Espaço Reservado para Conteúdo 2">
             <a:extLst>
               <a:ext uri="{FF2B5EF4-FFF2-40B4-BE49-F238E27FC236}">
-                <a16:creationId xmlns:a16="http://schemas.microsoft.com/office/drawing/2014/main" id="{588B6012-B7C8-4688-8091-EAC4D0F01DD7}"/>
+                <a16:creationId xmlns:a16="http://schemas.microsoft.com/office/drawing/2014/main" id="{5B65D832-808E-4996-AAB3-33A4FF1B5839}"/>
               </a:ext>
             </a:extLst>
           </p:cNvPr>
@@ -6766,19 +12982,104 @@
             <p:ph idx="1"/>
           </p:nvPr>
         </p:nvSpPr>
-        <p:spPr/>
+        <p:spPr>
+          <a:xfrm>
+            <a:off x="1333502" y="2160590"/>
+            <a:ext cx="8470898" cy="3429260"/>
+          </a:xfrm>
+        </p:spPr>
         <p:txBody>
-          <a:bodyPr/>
+          <a:bodyPr>
+            <a:normAutofit/>
+          </a:bodyPr>
           <a:lstStyle/>
           <a:p>
             <a:endParaRPr lang="pt-BR"/>
           </a:p>
         </p:txBody>
       </p:sp>
+      <p:sp>
+        <p:nvSpPr>
+          <p:cNvPr id="27" name="Rectangle 27">
+            <a:extLst>
+              <a:ext uri="{FF2B5EF4-FFF2-40B4-BE49-F238E27FC236}">
+                <a16:creationId xmlns:a16="http://schemas.microsoft.com/office/drawing/2014/main" id="{27B538D5-95DB-47ED-9CB4-34AE5BF78E6B}"/>
+              </a:ext>
+              <a:ext uri="{C183D7F6-B498-43B3-948B-1728B52AA6E4}">
+                <adec:decorative xmlns:adec="http://schemas.microsoft.com/office/drawing/2017/decorative" val="1"/>
+              </a:ext>
+            </a:extLst>
+          </p:cNvPr>
+          <p:cNvSpPr>
+            <a:spLocks noGrp="1" noRot="1" noChangeAspect="1" noMove="1" noResize="1" noEditPoints="1" noAdjustHandles="1" noChangeArrowheads="1" noChangeShapeType="1" noTextEdit="1"/>
+          </p:cNvSpPr>
+          <p:nvPr>
+            <p:extLst>
+              <p:ext uri="{386F3935-93C4-4BCD-93E2-E3B085C9AB24}">
+                <p16:designElem xmlns:p16="http://schemas.microsoft.com/office/powerpoint/2015/main" val="1"/>
+              </p:ext>
+            </p:extLst>
+          </p:nvPr>
+        </p:nvSpPr>
+        <p:spPr>
+          <a:xfrm>
+            <a:off x="10425641" y="0"/>
+            <a:ext cx="1766359" cy="6858000"/>
+          </a:xfrm>
+          <a:custGeom>
+            <a:avLst/>
+            <a:gdLst/>
+            <a:ahLst/>
+            <a:cxnLst/>
+            <a:rect l="l" t="t" r="r" b="b"/>
+            <a:pathLst>
+              <a:path w="2858013" h="6866467">
+                <a:moveTo>
+                  <a:pt x="0" y="0"/>
+                </a:moveTo>
+                <a:lnTo>
+                  <a:pt x="2858013" y="0"/>
+                </a:lnTo>
+                <a:lnTo>
+                  <a:pt x="2858013" y="6866467"/>
+                </a:lnTo>
+                <a:lnTo>
+                  <a:pt x="2473942" y="6866467"/>
+                </a:lnTo>
+                <a:lnTo>
+                  <a:pt x="0" y="0"/>
+                </a:lnTo>
+                <a:close/>
+              </a:path>
+            </a:pathLst>
+          </a:custGeom>
+          <a:solidFill>
+            <a:schemeClr val="accent2"/>
+          </a:solidFill>
+          <a:ln>
+            <a:noFill/>
+          </a:ln>
+          <a:effectLst/>
+        </p:spPr>
+        <p:style>
+          <a:lnRef idx="1">
+            <a:schemeClr val="accent1"/>
+          </a:lnRef>
+          <a:fillRef idx="3">
+            <a:schemeClr val="accent1"/>
+          </a:fillRef>
+          <a:effectRef idx="2">
+            <a:schemeClr val="accent1"/>
+          </a:effectRef>
+          <a:fontRef idx="minor">
+            <a:schemeClr val="lt1"/>
+          </a:fontRef>
+        </p:style>
+      </p:sp>
     </p:spTree>
     <p:extLst>
       <p:ext uri="{BB962C8B-B14F-4D97-AF65-F5344CB8AC3E}">
-        <p14:creationId xmlns:p14="http://schemas.microsoft.com/office/powerpoint/2010/main" val="3921225901"/>
+        <p14:creationId xmlns:p14="http://schemas.microsoft.com/office/powerpoint/2010/main" val="3008709187"/>
       </p:ext>
     </p:extLst>
   </p:cSld>
@@ -6992,7 +13293,7 @@
         </p:spPr>
         <p:txBody>
           <a:bodyPr>
-            <a:normAutofit/>
+            <a:normAutofit fontScale="92500" lnSpcReduction="10000"/>
           </a:bodyPr>
           <a:lstStyle/>
           <a:p>
@@ -7056,9 +13357,23 @@
               <a:buChar char="q"/>
             </a:pPr>
             <a:r>
-              <a:rPr lang="en-US" sz="2400" dirty="0"/>
+              <a:rPr lang="en-US" sz="2400"/>
               <a:t>Service Optimization</a:t>
             </a:r>
+          </a:p>
+          <a:p>
+            <a:pPr>
+              <a:lnSpc>
+                <a:spcPct val="150000"/>
+              </a:lnSpc>
+              <a:buFont typeface="Wingdings" panose="05000000000000000000" pitchFamily="2" charset="2"/>
+              <a:buChar char="q"/>
+            </a:pPr>
+            <a:r>
+              <a:rPr lang="en-US" sz="2400"/>
+              <a:t>System Testing</a:t>
+            </a:r>
+            <a:endParaRPr lang="en-US" sz="2400" dirty="0"/>
           </a:p>
           <a:p>
             <a:pPr>
@@ -7147,6 +13462,806 @@
 </file>
 
 <file path=ppt/slides/slide3.xml><?xml version="1.0" encoding="utf-8"?>
+<p:sld xmlns:a="http://schemas.openxmlformats.org/drawingml/2006/main" xmlns:r="http://schemas.openxmlformats.org/officeDocument/2006/relationships" xmlns:p="http://schemas.openxmlformats.org/presentationml/2006/main">
+  <p:cSld>
+    <p:bg>
+      <p:bgPr>
+        <a:solidFill>
+          <a:schemeClr val="bg1"/>
+        </a:solidFill>
+        <a:effectLst/>
+      </p:bgPr>
+    </p:bg>
+    <p:spTree>
+      <p:nvGrpSpPr>
+        <p:cNvPr id="1" name=""/>
+        <p:cNvGrpSpPr/>
+        <p:nvPr/>
+      </p:nvGrpSpPr>
+      <p:grpSpPr>
+        <a:xfrm>
+          <a:off x="0" y="0"/>
+          <a:ext cx="0" cy="0"/>
+          <a:chOff x="0" y="0"/>
+          <a:chExt cx="0" cy="0"/>
+        </a:xfrm>
+      </p:grpSpPr>
+      <p:pic>
+        <p:nvPicPr>
+          <p:cNvPr id="5" name="Segnaposto contenuto 4">
+            <a:extLst>
+              <a:ext uri="{FF2B5EF4-FFF2-40B4-BE49-F238E27FC236}">
+                <a16:creationId xmlns:a16="http://schemas.microsoft.com/office/drawing/2014/main" id="{A93E36F6-F180-4BC5-BE4C-9B76650441B0}"/>
+              </a:ext>
+            </a:extLst>
+          </p:cNvPr>
+          <p:cNvPicPr>
+            <a:picLocks noChangeAspect="1"/>
+          </p:cNvPicPr>
+          <p:nvPr/>
+        </p:nvPicPr>
+        <p:blipFill>
+          <a:blip r:embed="rId2">
+            <a:extLst>
+              <a:ext uri="{837473B0-CC2E-450A-ABE3-18F120FF3D39}">
+                <a1611:picAttrSrcUrl xmlns:a1611="http://schemas.microsoft.com/office/drawing/2016/11/main" r:id="rId3"/>
+              </a:ext>
+            </a:extLst>
+          </a:blip>
+          <a:srcRect l="11475" r="11475"/>
+          <a:stretch/>
+        </p:blipFill>
+        <p:spPr>
+          <a:xfrm>
+            <a:off x="4269854" y="-1"/>
+            <a:ext cx="7922146" cy="6858001"/>
+          </a:xfrm>
+          <a:custGeom>
+            <a:avLst/>
+            <a:gdLst/>
+            <a:ahLst/>
+            <a:cxnLst/>
+            <a:rect l="l" t="t" r="r" b="b"/>
+            <a:pathLst>
+              <a:path w="7922146" h="6858001">
+                <a:moveTo>
+                  <a:pt x="379987" y="0"/>
+                </a:moveTo>
+                <a:lnTo>
+                  <a:pt x="5304971" y="0"/>
+                </a:lnTo>
+                <a:lnTo>
+                  <a:pt x="7065281" y="0"/>
+                </a:lnTo>
+                <a:lnTo>
+                  <a:pt x="7397540" y="0"/>
+                </a:lnTo>
+                <a:lnTo>
+                  <a:pt x="7397540" y="1"/>
+                </a:lnTo>
+                <a:lnTo>
+                  <a:pt x="7922146" y="1"/>
+                </a:lnTo>
+                <a:lnTo>
+                  <a:pt x="7922146" y="6858001"/>
+                </a:lnTo>
+                <a:lnTo>
+                  <a:pt x="7065281" y="6858001"/>
+                </a:lnTo>
+                <a:lnTo>
+                  <a:pt x="7065281" y="6858000"/>
+                </a:lnTo>
+                <a:lnTo>
+                  <a:pt x="5932989" y="6858000"/>
+                </a:lnTo>
+                <a:lnTo>
+                  <a:pt x="5932989" y="6858001"/>
+                </a:lnTo>
+                <a:lnTo>
+                  <a:pt x="27809" y="6858001"/>
+                </a:lnTo>
+                <a:lnTo>
+                  <a:pt x="1803228" y="4521201"/>
+                </a:lnTo>
+                <a:close/>
+                <a:moveTo>
+                  <a:pt x="0" y="0"/>
+                </a:moveTo>
+                <a:lnTo>
+                  <a:pt x="379987" y="0"/>
+                </a:lnTo>
+                <a:lnTo>
+                  <a:pt x="0" y="407"/>
+                </a:lnTo>
+                <a:close/>
+              </a:path>
+            </a:pathLst>
+          </a:custGeom>
+        </p:spPr>
+      </p:pic>
+      <p:sp>
+        <p:nvSpPr>
+          <p:cNvPr id="2" name="Título 1">
+            <a:extLst>
+              <a:ext uri="{FF2B5EF4-FFF2-40B4-BE49-F238E27FC236}">
+                <a16:creationId xmlns:a16="http://schemas.microsoft.com/office/drawing/2014/main" id="{69BED902-288F-4373-AC39-F683554F2CE0}"/>
+              </a:ext>
+            </a:extLst>
+          </p:cNvPr>
+          <p:cNvSpPr>
+            <a:spLocks noGrp="1"/>
+          </p:cNvSpPr>
+          <p:nvPr>
+            <p:ph type="title"/>
+          </p:nvPr>
+        </p:nvSpPr>
+        <p:spPr>
+          <a:xfrm>
+            <a:off x="405229" y="3086099"/>
+            <a:ext cx="5646789" cy="885648"/>
+          </a:xfrm>
+        </p:spPr>
+        <p:txBody>
+          <a:bodyPr>
+            <a:noAutofit/>
+          </a:bodyPr>
+          <a:lstStyle/>
+          <a:p>
+            <a:r>
+              <a:rPr lang="pt-BR" sz="5400" b="1">
+                <a:latin typeface="Aharoni" panose="02010803020104030203" pitchFamily="2" charset="-79"/>
+                <a:cs typeface="Aharoni" panose="02010803020104030203" pitchFamily="2" charset="-79"/>
+              </a:rPr>
+              <a:t>Architecture</a:t>
+            </a:r>
+            <a:endParaRPr lang="pt-BR" sz="5400" b="1" dirty="0">
+              <a:latin typeface="Aharoni" panose="02010803020104030203" pitchFamily="2" charset="-79"/>
+              <a:cs typeface="Aharoni" panose="02010803020104030203" pitchFamily="2" charset="-79"/>
+            </a:endParaRPr>
+          </a:p>
+        </p:txBody>
+      </p:sp>
+      <p:cxnSp>
+        <p:nvCxnSpPr>
+          <p:cNvPr id="34" name="Straight Connector 33">
+            <a:extLst>
+              <a:ext uri="{FF2B5EF4-FFF2-40B4-BE49-F238E27FC236}">
+                <a16:creationId xmlns:a16="http://schemas.microsoft.com/office/drawing/2014/main" id="{64FA5DFF-7FE6-4855-84E6-DFA78EE978BD}"/>
+              </a:ext>
+              <a:ext uri="{C183D7F6-B498-43B3-948B-1728B52AA6E4}">
+                <adec:decorative xmlns:adec="http://schemas.microsoft.com/office/drawing/2017/decorative" val="1"/>
+              </a:ext>
+            </a:extLst>
+          </p:cNvPr>
+          <p:cNvCxnSpPr>
+            <a:cxnSpLocks noGrp="1" noRot="1" noChangeAspect="1" noMove="1" noResize="1" noEditPoints="1" noAdjustHandles="1" noChangeArrowheads="1" noChangeShapeType="1"/>
+          </p:cNvCxnSpPr>
+          <p:nvPr>
+            <p:extLst>
+              <p:ext uri="{386F3935-93C4-4BCD-93E2-E3B085C9AB24}">
+                <p16:designElem xmlns:p16="http://schemas.microsoft.com/office/powerpoint/2015/main" val="1"/>
+              </p:ext>
+            </p:extLst>
+          </p:nvPr>
+        </p:nvCxnSpPr>
+        <p:spPr>
+          <a:xfrm>
+            <a:off x="9371012" y="0"/>
+            <a:ext cx="1219200" cy="6858000"/>
+          </a:xfrm>
+          <a:prstGeom prst="line">
+            <a:avLst/>
+          </a:prstGeom>
+          <a:ln w="9525">
+            <a:solidFill>
+              <a:schemeClr val="bg1">
+                <a:lumMod val="75000"/>
+              </a:schemeClr>
+            </a:solidFill>
+          </a:ln>
+        </p:spPr>
+        <p:style>
+          <a:lnRef idx="2">
+            <a:schemeClr val="accent1"/>
+          </a:lnRef>
+          <a:fillRef idx="0">
+            <a:schemeClr val="accent1"/>
+          </a:fillRef>
+          <a:effectRef idx="1">
+            <a:schemeClr val="accent1"/>
+          </a:effectRef>
+          <a:fontRef idx="minor">
+            <a:schemeClr val="tx1"/>
+          </a:fontRef>
+        </p:style>
+      </p:cxnSp>
+      <p:cxnSp>
+        <p:nvCxnSpPr>
+          <p:cNvPr id="36" name="Straight Connector 35">
+            <a:extLst>
+              <a:ext uri="{FF2B5EF4-FFF2-40B4-BE49-F238E27FC236}">
+                <a16:creationId xmlns:a16="http://schemas.microsoft.com/office/drawing/2014/main" id="{2AFD8CBA-54A3-4363-991B-B9C631BBFA74}"/>
+              </a:ext>
+              <a:ext uri="{C183D7F6-B498-43B3-948B-1728B52AA6E4}">
+                <adec:decorative xmlns:adec="http://schemas.microsoft.com/office/drawing/2017/decorative" val="1"/>
+              </a:ext>
+            </a:extLst>
+          </p:cNvPr>
+          <p:cNvCxnSpPr>
+            <a:cxnSpLocks noGrp="1" noRot="1" noChangeAspect="1" noMove="1" noResize="1" noEditPoints="1" noAdjustHandles="1" noChangeArrowheads="1" noChangeShapeType="1"/>
+          </p:cNvCxnSpPr>
+          <p:nvPr>
+            <p:extLst>
+              <p:ext uri="{386F3935-93C4-4BCD-93E2-E3B085C9AB24}">
+                <p16:designElem xmlns:p16="http://schemas.microsoft.com/office/powerpoint/2015/main" val="1"/>
+              </p:ext>
+            </p:extLst>
+          </p:nvPr>
+        </p:nvCxnSpPr>
+        <p:spPr>
+          <a:xfrm flipH="1">
+            <a:off x="7425267" y="3681413"/>
+            <a:ext cx="4763558" cy="3176587"/>
+          </a:xfrm>
+          <a:prstGeom prst="line">
+            <a:avLst/>
+          </a:prstGeom>
+          <a:ln w="9525">
+            <a:solidFill>
+              <a:schemeClr val="bg1">
+                <a:lumMod val="85000"/>
+              </a:schemeClr>
+            </a:solidFill>
+          </a:ln>
+        </p:spPr>
+        <p:style>
+          <a:lnRef idx="2">
+            <a:schemeClr val="accent1"/>
+          </a:lnRef>
+          <a:fillRef idx="0">
+            <a:schemeClr val="accent1"/>
+          </a:fillRef>
+          <a:effectRef idx="1">
+            <a:schemeClr val="accent1"/>
+          </a:effectRef>
+          <a:fontRef idx="minor">
+            <a:schemeClr val="tx1"/>
+          </a:fontRef>
+        </p:style>
+      </p:cxnSp>
+      <p:sp>
+        <p:nvSpPr>
+          <p:cNvPr id="38" name="Rectangle 23">
+            <a:extLst>
+              <a:ext uri="{FF2B5EF4-FFF2-40B4-BE49-F238E27FC236}">
+                <a16:creationId xmlns:a16="http://schemas.microsoft.com/office/drawing/2014/main" id="{3F088236-D655-4F88-B238-E16762358025}"/>
+              </a:ext>
+              <a:ext uri="{C183D7F6-B498-43B3-948B-1728B52AA6E4}">
+                <adec:decorative xmlns:adec="http://schemas.microsoft.com/office/drawing/2017/decorative" val="1"/>
+              </a:ext>
+            </a:extLst>
+          </p:cNvPr>
+          <p:cNvSpPr>
+            <a:spLocks noGrp="1" noRot="1" noChangeAspect="1" noMove="1" noResize="1" noEditPoints="1" noAdjustHandles="1" noChangeArrowheads="1" noChangeShapeType="1" noTextEdit="1"/>
+          </p:cNvSpPr>
+          <p:nvPr>
+            <p:extLst>
+              <p:ext uri="{386F3935-93C4-4BCD-93E2-E3B085C9AB24}">
+                <p16:designElem xmlns:p16="http://schemas.microsoft.com/office/powerpoint/2015/main" val="1"/>
+              </p:ext>
+            </p:extLst>
+          </p:nvPr>
+        </p:nvSpPr>
+        <p:spPr>
+          <a:xfrm>
+            <a:off x="9181476" y="-8467"/>
+            <a:ext cx="3007349" cy="6866467"/>
+          </a:xfrm>
+          <a:custGeom>
+            <a:avLst/>
+            <a:gdLst/>
+            <a:ahLst/>
+            <a:cxnLst/>
+            <a:rect l="l" t="t" r="r" b="b"/>
+            <a:pathLst>
+              <a:path w="3007349" h="6866467">
+                <a:moveTo>
+                  <a:pt x="2045532" y="0"/>
+                </a:moveTo>
+                <a:lnTo>
+                  <a:pt x="3007349" y="0"/>
+                </a:lnTo>
+                <a:lnTo>
+                  <a:pt x="3007349" y="6866467"/>
+                </a:lnTo>
+                <a:lnTo>
+                  <a:pt x="0" y="6866467"/>
+                </a:lnTo>
+                <a:lnTo>
+                  <a:pt x="2045532" y="0"/>
+                </a:lnTo>
+                <a:close/>
+              </a:path>
+            </a:pathLst>
+          </a:custGeom>
+          <a:solidFill>
+            <a:schemeClr val="accent1">
+              <a:alpha val="30000"/>
+            </a:schemeClr>
+          </a:solidFill>
+          <a:ln>
+            <a:noFill/>
+          </a:ln>
+          <a:effectLst/>
+        </p:spPr>
+        <p:style>
+          <a:lnRef idx="1">
+            <a:schemeClr val="accent1"/>
+          </a:lnRef>
+          <a:fillRef idx="3">
+            <a:schemeClr val="accent1"/>
+          </a:fillRef>
+          <a:effectRef idx="2">
+            <a:schemeClr val="accent1"/>
+          </a:effectRef>
+          <a:fontRef idx="minor">
+            <a:schemeClr val="lt1"/>
+          </a:fontRef>
+        </p:style>
+      </p:sp>
+      <p:sp>
+        <p:nvSpPr>
+          <p:cNvPr id="40" name="Rectangle 25">
+            <a:extLst>
+              <a:ext uri="{FF2B5EF4-FFF2-40B4-BE49-F238E27FC236}">
+                <a16:creationId xmlns:a16="http://schemas.microsoft.com/office/drawing/2014/main" id="{3DAC0C92-199E-475C-9390-119A9B027276}"/>
+              </a:ext>
+              <a:ext uri="{C183D7F6-B498-43B3-948B-1728B52AA6E4}">
+                <adec:decorative xmlns:adec="http://schemas.microsoft.com/office/drawing/2017/decorative" val="1"/>
+              </a:ext>
+            </a:extLst>
+          </p:cNvPr>
+          <p:cNvSpPr>
+            <a:spLocks noGrp="1" noRot="1" noChangeAspect="1" noMove="1" noResize="1" noEditPoints="1" noAdjustHandles="1" noChangeArrowheads="1" noChangeShapeType="1" noTextEdit="1"/>
+          </p:cNvSpPr>
+          <p:nvPr>
+            <p:extLst>
+              <p:ext uri="{386F3935-93C4-4BCD-93E2-E3B085C9AB24}">
+                <p16:designElem xmlns:p16="http://schemas.microsoft.com/office/powerpoint/2015/main" val="1"/>
+              </p:ext>
+            </p:extLst>
+          </p:nvPr>
+        </p:nvSpPr>
+        <p:spPr>
+          <a:xfrm>
+            <a:off x="9603442" y="-8467"/>
+            <a:ext cx="2588558" cy="6866467"/>
+          </a:xfrm>
+          <a:custGeom>
+            <a:avLst/>
+            <a:gdLst/>
+            <a:ahLst/>
+            <a:cxnLst/>
+            <a:rect l="l" t="t" r="r" b="b"/>
+            <a:pathLst>
+              <a:path w="2573311" h="6866467">
+                <a:moveTo>
+                  <a:pt x="0" y="0"/>
+                </a:moveTo>
+                <a:lnTo>
+                  <a:pt x="2573311" y="0"/>
+                </a:lnTo>
+                <a:lnTo>
+                  <a:pt x="2573311" y="6866467"/>
+                </a:lnTo>
+                <a:lnTo>
+                  <a:pt x="1202336" y="6866467"/>
+                </a:lnTo>
+                <a:lnTo>
+                  <a:pt x="0" y="0"/>
+                </a:lnTo>
+                <a:close/>
+              </a:path>
+            </a:pathLst>
+          </a:custGeom>
+          <a:solidFill>
+            <a:schemeClr val="accent1">
+              <a:alpha val="20000"/>
+            </a:schemeClr>
+          </a:solidFill>
+          <a:ln>
+            <a:noFill/>
+          </a:ln>
+          <a:effectLst/>
+        </p:spPr>
+        <p:style>
+          <a:lnRef idx="1">
+            <a:schemeClr val="accent1"/>
+          </a:lnRef>
+          <a:fillRef idx="3">
+            <a:schemeClr val="accent1"/>
+          </a:fillRef>
+          <a:effectRef idx="2">
+            <a:schemeClr val="accent1"/>
+          </a:effectRef>
+          <a:fontRef idx="minor">
+            <a:schemeClr val="lt1"/>
+          </a:fontRef>
+        </p:style>
+      </p:sp>
+      <p:sp>
+        <p:nvSpPr>
+          <p:cNvPr id="42" name="Isosceles Triangle 24">
+            <a:extLst>
+              <a:ext uri="{FF2B5EF4-FFF2-40B4-BE49-F238E27FC236}">
+                <a16:creationId xmlns:a16="http://schemas.microsoft.com/office/drawing/2014/main" id="{C4CFB339-0ED8-4FE2-9EF1-6D1375B8499B}"/>
+              </a:ext>
+              <a:ext uri="{C183D7F6-B498-43B3-948B-1728B52AA6E4}">
+                <adec:decorative xmlns:adec="http://schemas.microsoft.com/office/drawing/2017/decorative" val="1"/>
+              </a:ext>
+            </a:extLst>
+          </p:cNvPr>
+          <p:cNvSpPr>
+            <a:spLocks noGrp="1" noRot="1" noChangeAspect="1" noMove="1" noResize="1" noEditPoints="1" noAdjustHandles="1" noChangeArrowheads="1" noChangeShapeType="1" noTextEdit="1"/>
+          </p:cNvSpPr>
+          <p:nvPr>
+            <p:extLst>
+              <p:ext uri="{386F3935-93C4-4BCD-93E2-E3B085C9AB24}">
+                <p16:designElem xmlns:p16="http://schemas.microsoft.com/office/powerpoint/2015/main" val="1"/>
+              </p:ext>
+            </p:extLst>
+          </p:nvPr>
+        </p:nvSpPr>
+        <p:spPr>
+          <a:xfrm>
+            <a:off x="8932333" y="3048000"/>
+            <a:ext cx="3259667" cy="3810000"/>
+          </a:xfrm>
+          <a:prstGeom prst="triangle">
+            <a:avLst>
+              <a:gd name="adj" fmla="val 100000"/>
+            </a:avLst>
+          </a:prstGeom>
+          <a:solidFill>
+            <a:schemeClr val="accent2">
+              <a:alpha val="72000"/>
+            </a:schemeClr>
+          </a:solidFill>
+          <a:ln>
+            <a:noFill/>
+          </a:ln>
+          <a:effectLst/>
+        </p:spPr>
+        <p:style>
+          <a:lnRef idx="1">
+            <a:schemeClr val="accent1"/>
+          </a:lnRef>
+          <a:fillRef idx="3">
+            <a:schemeClr val="accent1"/>
+          </a:fillRef>
+          <a:effectRef idx="2">
+            <a:schemeClr val="accent1"/>
+          </a:effectRef>
+          <a:fontRef idx="minor">
+            <a:schemeClr val="lt1"/>
+          </a:fontRef>
+        </p:style>
+      </p:sp>
+      <p:sp>
+        <p:nvSpPr>
+          <p:cNvPr id="44" name="Rectangle 27">
+            <a:extLst>
+              <a:ext uri="{FF2B5EF4-FFF2-40B4-BE49-F238E27FC236}">
+                <a16:creationId xmlns:a16="http://schemas.microsoft.com/office/drawing/2014/main" id="{31896C80-2069-4431-9C19-83B913734490}"/>
+              </a:ext>
+              <a:ext uri="{C183D7F6-B498-43B3-948B-1728B52AA6E4}">
+                <adec:decorative xmlns:adec="http://schemas.microsoft.com/office/drawing/2017/decorative" val="1"/>
+              </a:ext>
+            </a:extLst>
+          </p:cNvPr>
+          <p:cNvSpPr>
+            <a:spLocks noGrp="1" noRot="1" noChangeAspect="1" noMove="1" noResize="1" noEditPoints="1" noAdjustHandles="1" noChangeArrowheads="1" noChangeShapeType="1" noTextEdit="1"/>
+          </p:cNvSpPr>
+          <p:nvPr>
+            <p:extLst>
+              <p:ext uri="{386F3935-93C4-4BCD-93E2-E3B085C9AB24}">
+                <p16:designElem xmlns:p16="http://schemas.microsoft.com/office/powerpoint/2015/main" val="1"/>
+              </p:ext>
+            </p:extLst>
+          </p:nvPr>
+        </p:nvSpPr>
+        <p:spPr>
+          <a:xfrm>
+            <a:off x="9334500" y="-8467"/>
+            <a:ext cx="2854326" cy="6866467"/>
+          </a:xfrm>
+          <a:custGeom>
+            <a:avLst/>
+            <a:gdLst/>
+            <a:ahLst/>
+            <a:cxnLst/>
+            <a:rect l="l" t="t" r="r" b="b"/>
+            <a:pathLst>
+              <a:path w="2858013" h="6866467">
+                <a:moveTo>
+                  <a:pt x="0" y="0"/>
+                </a:moveTo>
+                <a:lnTo>
+                  <a:pt x="2858013" y="0"/>
+                </a:lnTo>
+                <a:lnTo>
+                  <a:pt x="2858013" y="6866467"/>
+                </a:lnTo>
+                <a:lnTo>
+                  <a:pt x="2473942" y="6866467"/>
+                </a:lnTo>
+                <a:lnTo>
+                  <a:pt x="0" y="0"/>
+                </a:lnTo>
+                <a:close/>
+              </a:path>
+            </a:pathLst>
+          </a:custGeom>
+          <a:solidFill>
+            <a:schemeClr val="accent2">
+              <a:lumMod val="75000"/>
+              <a:alpha val="47000"/>
+            </a:schemeClr>
+          </a:solidFill>
+          <a:ln>
+            <a:noFill/>
+          </a:ln>
+          <a:effectLst/>
+        </p:spPr>
+        <p:style>
+          <a:lnRef idx="1">
+            <a:schemeClr val="accent1"/>
+          </a:lnRef>
+          <a:fillRef idx="3">
+            <a:schemeClr val="accent1"/>
+          </a:fillRef>
+          <a:effectRef idx="2">
+            <a:schemeClr val="accent1"/>
+          </a:effectRef>
+          <a:fontRef idx="minor">
+            <a:schemeClr val="lt1"/>
+          </a:fontRef>
+        </p:style>
+      </p:sp>
+      <p:sp>
+        <p:nvSpPr>
+          <p:cNvPr id="46" name="Rectangle 28">
+            <a:extLst>
+              <a:ext uri="{FF2B5EF4-FFF2-40B4-BE49-F238E27FC236}">
+                <a16:creationId xmlns:a16="http://schemas.microsoft.com/office/drawing/2014/main" id="{BF120A21-0841-4823-B0C4-28AEBCEF9B78}"/>
+              </a:ext>
+              <a:ext uri="{C183D7F6-B498-43B3-948B-1728B52AA6E4}">
+                <adec:decorative xmlns:adec="http://schemas.microsoft.com/office/drawing/2017/decorative" val="1"/>
+              </a:ext>
+            </a:extLst>
+          </p:cNvPr>
+          <p:cNvSpPr>
+            <a:spLocks noGrp="1" noRot="1" noChangeAspect="1" noMove="1" noResize="1" noEditPoints="1" noAdjustHandles="1" noChangeArrowheads="1" noChangeShapeType="1" noTextEdit="1"/>
+          </p:cNvSpPr>
+          <p:nvPr>
+            <p:extLst>
+              <p:ext uri="{386F3935-93C4-4BCD-93E2-E3B085C9AB24}">
+                <p16:designElem xmlns:p16="http://schemas.microsoft.com/office/powerpoint/2015/main" val="1"/>
+              </p:ext>
+            </p:extLst>
+          </p:nvPr>
+        </p:nvSpPr>
+        <p:spPr>
+          <a:xfrm>
+            <a:off x="10898730" y="-8467"/>
+            <a:ext cx="1290094" cy="6866467"/>
+          </a:xfrm>
+          <a:custGeom>
+            <a:avLst/>
+            <a:gdLst/>
+            <a:ahLst/>
+            <a:cxnLst/>
+            <a:rect l="l" t="t" r="r" b="b"/>
+            <a:pathLst>
+              <a:path w="1290094" h="6858000">
+                <a:moveTo>
+                  <a:pt x="1019735" y="0"/>
+                </a:moveTo>
+                <a:lnTo>
+                  <a:pt x="1290094" y="0"/>
+                </a:lnTo>
+                <a:lnTo>
+                  <a:pt x="1290094" y="6858000"/>
+                </a:lnTo>
+                <a:lnTo>
+                  <a:pt x="0" y="6858000"/>
+                </a:lnTo>
+                <a:lnTo>
+                  <a:pt x="1019735" y="0"/>
+                </a:lnTo>
+                <a:close/>
+              </a:path>
+            </a:pathLst>
+          </a:custGeom>
+          <a:solidFill>
+            <a:schemeClr val="accent1">
+              <a:lumMod val="60000"/>
+              <a:lumOff val="40000"/>
+              <a:alpha val="70000"/>
+            </a:schemeClr>
+          </a:solidFill>
+          <a:ln>
+            <a:noFill/>
+          </a:ln>
+          <a:effectLst/>
+        </p:spPr>
+        <p:style>
+          <a:lnRef idx="1">
+            <a:schemeClr val="accent1"/>
+          </a:lnRef>
+          <a:fillRef idx="3">
+            <a:schemeClr val="accent1"/>
+          </a:fillRef>
+          <a:effectRef idx="2">
+            <a:schemeClr val="accent1"/>
+          </a:effectRef>
+          <a:fontRef idx="minor">
+            <a:schemeClr val="lt1"/>
+          </a:fontRef>
+        </p:style>
+      </p:sp>
+      <p:sp>
+        <p:nvSpPr>
+          <p:cNvPr id="48" name="Rectangle 29">
+            <a:extLst>
+              <a:ext uri="{FF2B5EF4-FFF2-40B4-BE49-F238E27FC236}">
+                <a16:creationId xmlns:a16="http://schemas.microsoft.com/office/drawing/2014/main" id="{DBB05BAE-BBD3-4289-899F-A6851503C6B0}"/>
+              </a:ext>
+              <a:ext uri="{C183D7F6-B498-43B3-948B-1728B52AA6E4}">
+                <adec:decorative xmlns:adec="http://schemas.microsoft.com/office/drawing/2017/decorative" val="1"/>
+              </a:ext>
+            </a:extLst>
+          </p:cNvPr>
+          <p:cNvSpPr>
+            <a:spLocks noGrp="1" noRot="1" noChangeAspect="1" noMove="1" noResize="1" noEditPoints="1" noAdjustHandles="1" noChangeArrowheads="1" noChangeShapeType="1" noTextEdit="1"/>
+          </p:cNvSpPr>
+          <p:nvPr>
+            <p:extLst>
+              <p:ext uri="{386F3935-93C4-4BCD-93E2-E3B085C9AB24}">
+                <p16:designElem xmlns:p16="http://schemas.microsoft.com/office/powerpoint/2015/main" val="1"/>
+              </p:ext>
+            </p:extLst>
+          </p:nvPr>
+        </p:nvSpPr>
+        <p:spPr>
+          <a:xfrm>
+            <a:off x="10938999" y="-8467"/>
+            <a:ext cx="1249825" cy="6866467"/>
+          </a:xfrm>
+          <a:custGeom>
+            <a:avLst/>
+            <a:gdLst/>
+            <a:ahLst/>
+            <a:cxnLst/>
+            <a:rect l="l" t="t" r="r" b="b"/>
+            <a:pathLst>
+              <a:path w="1249825" h="6858000">
+                <a:moveTo>
+                  <a:pt x="0" y="0"/>
+                </a:moveTo>
+                <a:lnTo>
+                  <a:pt x="1249825" y="0"/>
+                </a:lnTo>
+                <a:lnTo>
+                  <a:pt x="1249825" y="6858000"/>
+                </a:lnTo>
+                <a:lnTo>
+                  <a:pt x="1109382" y="6858000"/>
+                </a:lnTo>
+                <a:lnTo>
+                  <a:pt x="0" y="0"/>
+                </a:lnTo>
+                <a:close/>
+              </a:path>
+            </a:pathLst>
+          </a:custGeom>
+          <a:solidFill>
+            <a:schemeClr val="accent1">
+              <a:alpha val="65000"/>
+            </a:schemeClr>
+          </a:solidFill>
+          <a:ln>
+            <a:noFill/>
+          </a:ln>
+          <a:effectLst/>
+        </p:spPr>
+        <p:style>
+          <a:lnRef idx="1">
+            <a:schemeClr val="accent1"/>
+          </a:lnRef>
+          <a:fillRef idx="3">
+            <a:schemeClr val="accent1"/>
+          </a:fillRef>
+          <a:effectRef idx="2">
+            <a:schemeClr val="accent1"/>
+          </a:effectRef>
+          <a:fontRef idx="minor">
+            <a:schemeClr val="lt1"/>
+          </a:fontRef>
+        </p:style>
+      </p:sp>
+      <p:sp>
+        <p:nvSpPr>
+          <p:cNvPr id="50" name="Isosceles Triangle 29">
+            <a:extLst>
+              <a:ext uri="{FF2B5EF4-FFF2-40B4-BE49-F238E27FC236}">
+                <a16:creationId xmlns:a16="http://schemas.microsoft.com/office/drawing/2014/main" id="{9874D11C-36F5-4BBE-A490-019A54E953B0}"/>
+              </a:ext>
+              <a:ext uri="{C183D7F6-B498-43B3-948B-1728B52AA6E4}">
+                <adec:decorative xmlns:adec="http://schemas.microsoft.com/office/drawing/2017/decorative" val="1"/>
+              </a:ext>
+            </a:extLst>
+          </p:cNvPr>
+          <p:cNvSpPr>
+            <a:spLocks noGrp="1" noRot="1" noChangeAspect="1" noMove="1" noResize="1" noEditPoints="1" noAdjustHandles="1" noChangeArrowheads="1" noChangeShapeType="1" noTextEdit="1"/>
+          </p:cNvSpPr>
+          <p:nvPr>
+            <p:extLst>
+              <p:ext uri="{386F3935-93C4-4BCD-93E2-E3B085C9AB24}">
+                <p16:designElem xmlns:p16="http://schemas.microsoft.com/office/powerpoint/2015/main" val="1"/>
+              </p:ext>
+            </p:extLst>
+          </p:nvPr>
+        </p:nvSpPr>
+        <p:spPr>
+          <a:xfrm>
+            <a:off x="10371666" y="3589867"/>
+            <a:ext cx="1817159" cy="3268133"/>
+          </a:xfrm>
+          <a:prstGeom prst="triangle">
+            <a:avLst>
+              <a:gd name="adj" fmla="val 100000"/>
+            </a:avLst>
+          </a:prstGeom>
+          <a:solidFill>
+            <a:schemeClr val="accent1">
+              <a:alpha val="80000"/>
+            </a:schemeClr>
+          </a:solidFill>
+          <a:ln>
+            <a:noFill/>
+          </a:ln>
+          <a:effectLst/>
+        </p:spPr>
+        <p:style>
+          <a:lnRef idx="1">
+            <a:schemeClr val="accent1"/>
+          </a:lnRef>
+          <a:fillRef idx="3">
+            <a:schemeClr val="accent1"/>
+          </a:fillRef>
+          <a:effectRef idx="2">
+            <a:schemeClr val="accent1"/>
+          </a:effectRef>
+          <a:fontRef idx="minor">
+            <a:schemeClr val="lt1"/>
+          </a:fontRef>
+        </p:style>
+      </p:sp>
+    </p:spTree>
+    <p:extLst>
+      <p:ext uri="{BB962C8B-B14F-4D97-AF65-F5344CB8AC3E}">
+        <p14:creationId xmlns:p14="http://schemas.microsoft.com/office/powerpoint/2010/main" val="606099081"/>
+      </p:ext>
+    </p:extLst>
+  </p:cSld>
+  <p:clrMapOvr>
+    <a:masterClrMapping/>
+  </p:clrMapOvr>
+</p:sld>
+</file>
+
+<file path=ppt/slides/slide4.xml><?xml version="1.0" encoding="utf-8"?>
 <p:sld xmlns:a="http://schemas.openxmlformats.org/drawingml/2006/main" xmlns:r="http://schemas.openxmlformats.org/officeDocument/2006/relationships" xmlns:p="http://schemas.openxmlformats.org/presentationml/2006/main">
   <p:cSld>
     <p:bg>
@@ -7994,7 +15109,7 @@
 </p:sld>
 </file>
 
-<file path=ppt/slides/slide4.xml><?xml version="1.0" encoding="utf-8"?>
+<file path=ppt/slides/slide5.xml><?xml version="1.0" encoding="utf-8"?>
 <p:sld xmlns:a="http://schemas.openxmlformats.org/drawingml/2006/main" xmlns:r="http://schemas.openxmlformats.org/officeDocument/2006/relationships" xmlns:p="http://schemas.openxmlformats.org/presentationml/2006/main">
   <p:cSld>
     <p:bg>
@@ -9195,7 +16310,7 @@
 </p:sld>
 </file>
 
-<file path=ppt/slides/slide5.xml><?xml version="1.0" encoding="utf-8"?>
+<file path=ppt/slides/slide6.xml><?xml version="1.0" encoding="utf-8"?>
 <p:sld xmlns:a="http://schemas.openxmlformats.org/drawingml/2006/main" xmlns:r="http://schemas.openxmlformats.org/officeDocument/2006/relationships" xmlns:p="http://schemas.openxmlformats.org/presentationml/2006/main">
   <p:cSld>
     <p:bg>
@@ -9750,7 +16865,7 @@
 </p:sld>
 </file>
 
-<file path=ppt/slides/slide6.xml><?xml version="1.0" encoding="utf-8"?>
+<file path=ppt/slides/slide7.xml><?xml version="1.0" encoding="utf-8"?>
 <p:sld xmlns:a="http://schemas.openxmlformats.org/drawingml/2006/main" xmlns:r="http://schemas.openxmlformats.org/officeDocument/2006/relationships" xmlns:p="http://schemas.openxmlformats.org/presentationml/2006/main">
   <p:cSld>
     <p:bg>
@@ -12319,7 +19434,7 @@
 </p:sld>
 </file>
 
-<file path=ppt/slides/slide7.xml><?xml version="1.0" encoding="utf-8"?>
+<file path=ppt/slides/slide8.xml><?xml version="1.0" encoding="utf-8"?>
 <p:sld xmlns:a="http://schemas.openxmlformats.org/drawingml/2006/main" xmlns:r="http://schemas.openxmlformats.org/officeDocument/2006/relationships" xmlns:p="http://schemas.openxmlformats.org/presentationml/2006/main">
   <p:cSld>
     <p:bg>
@@ -14053,7 +21168,7 @@
 </p:sld>
 </file>
 
-<file path=ppt/slides/slide8.xml><?xml version="1.0" encoding="utf-8"?>
+<file path=ppt/slides/slide9.xml><?xml version="1.0" encoding="utf-8"?>
 <p:sld xmlns:a="http://schemas.openxmlformats.org/drawingml/2006/main" xmlns:r="http://schemas.openxmlformats.org/officeDocument/2006/relationships" xmlns:p="http://schemas.openxmlformats.org/presentationml/2006/main">
   <p:cSld>
     <p:bg>
@@ -14167,16 +21282,8 @@
           <a:lstStyle/>
           <a:p>
             <a:r>
-              <a:rPr lang="pt-BR" dirty="0"/>
-              <a:t>The </a:t>
-            </a:r>
-            <a:r>
-              <a:rPr lang="pt-BR" dirty="0" err="1"/>
-              <a:t>Controller</a:t>
-            </a:r>
-            <a:r>
-              <a:rPr lang="pt-BR" dirty="0"/>
-              <a:t> </a:t>
+              <a:rPr lang="pt-BR"/>
+              <a:t>The Interface </a:t>
             </a:r>
             <a:r>
               <a:rPr lang="pt-BR" dirty="0" err="1"/>
@@ -14935,544 +22042,6 @@
 </p:sld>
 </file>
 
-<file path=ppt/slides/slide9.xml><?xml version="1.0" encoding="utf-8"?>
-<p:sld xmlns:a="http://schemas.openxmlformats.org/drawingml/2006/main" xmlns:r="http://schemas.openxmlformats.org/officeDocument/2006/relationships" xmlns:p="http://schemas.openxmlformats.org/presentationml/2006/main">
-  <p:cSld>
-    <p:bg>
-      <p:bgPr>
-        <a:solidFill>
-          <a:schemeClr val="bg1"/>
-        </a:solidFill>
-        <a:effectLst/>
-      </p:bgPr>
-    </p:bg>
-    <p:spTree>
-      <p:nvGrpSpPr>
-        <p:cNvPr id="1" name=""/>
-        <p:cNvGrpSpPr/>
-        <p:nvPr/>
-      </p:nvGrpSpPr>
-      <p:grpSpPr>
-        <a:xfrm>
-          <a:off x="0" y="0"/>
-          <a:ext cx="0" cy="0"/>
-          <a:chOff x="0" y="0"/>
-          <a:chExt cx="0" cy="0"/>
-        </a:xfrm>
-      </p:grpSpPr>
-      <p:sp useBgFill="1">
-        <p:nvSpPr>
-          <p:cNvPr id="8" name="Rectangle 7">
-            <a:extLst>
-              <a:ext uri="{FF2B5EF4-FFF2-40B4-BE49-F238E27FC236}">
-                <a16:creationId xmlns:a16="http://schemas.microsoft.com/office/drawing/2014/main" id="{E80B86A7-A1EC-475B-9166-88902B033A38}"/>
-              </a:ext>
-              <a:ext uri="{C183D7F6-B498-43B3-948B-1728B52AA6E4}">
-                <adec:decorative xmlns:adec="http://schemas.microsoft.com/office/drawing/2017/decorative" val="1"/>
-              </a:ext>
-            </a:extLst>
-          </p:cNvPr>
-          <p:cNvSpPr>
-            <a:spLocks noGrp="1" noRot="1" noChangeAspect="1" noMove="1" noResize="1" noEditPoints="1" noAdjustHandles="1" noChangeArrowheads="1" noChangeShapeType="1" noTextEdit="1"/>
-          </p:cNvSpPr>
-          <p:nvPr>
-            <p:extLst>
-              <p:ext uri="{386F3935-93C4-4BCD-93E2-E3B085C9AB24}">
-                <p16:designElem xmlns:p16="http://schemas.microsoft.com/office/powerpoint/2015/main" val="1"/>
-              </p:ext>
-            </p:extLst>
-          </p:nvPr>
-        </p:nvSpPr>
-        <p:spPr>
-          <a:xfrm>
-            <a:off x="0" y="0"/>
-            <a:ext cx="12192000" cy="6858000"/>
-          </a:xfrm>
-          <a:prstGeom prst="rect">
-            <a:avLst/>
-          </a:prstGeom>
-          <a:ln>
-            <a:noFill/>
-          </a:ln>
-        </p:spPr>
-        <p:style>
-          <a:lnRef idx="2">
-            <a:schemeClr val="accent1">
-              <a:shade val="50000"/>
-            </a:schemeClr>
-          </a:lnRef>
-          <a:fillRef idx="1">
-            <a:schemeClr val="accent1"/>
-          </a:fillRef>
-          <a:effectRef idx="0">
-            <a:schemeClr val="accent1"/>
-          </a:effectRef>
-          <a:fontRef idx="minor">
-            <a:schemeClr val="lt1"/>
-          </a:fontRef>
-        </p:style>
-        <p:txBody>
-          <a:bodyPr rtlCol="0" anchor="ctr"/>
-          <a:lstStyle/>
-          <a:p>
-            <a:pPr algn="ctr"/>
-            <a:endParaRPr lang="en-US"/>
-          </a:p>
-        </p:txBody>
-      </p:sp>
-      <p:sp>
-        <p:nvSpPr>
-          <p:cNvPr id="2" name="Título 1">
-            <a:extLst>
-              <a:ext uri="{FF2B5EF4-FFF2-40B4-BE49-F238E27FC236}">
-                <a16:creationId xmlns:a16="http://schemas.microsoft.com/office/drawing/2014/main" id="{69BED902-288F-4373-AC39-F683554F2CE0}"/>
-              </a:ext>
-            </a:extLst>
-          </p:cNvPr>
-          <p:cNvSpPr>
-            <a:spLocks noGrp="1"/>
-          </p:cNvSpPr>
-          <p:nvPr>
-            <p:ph type="title"/>
-          </p:nvPr>
-        </p:nvSpPr>
-        <p:spPr>
-          <a:xfrm>
-            <a:off x="1333502" y="252929"/>
-            <a:ext cx="8596668" cy="1320800"/>
-          </a:xfrm>
-        </p:spPr>
-        <p:txBody>
-          <a:bodyPr>
-            <a:normAutofit/>
-          </a:bodyPr>
-          <a:lstStyle/>
-          <a:p>
-            <a:endParaRPr lang="pt-BR" dirty="0"/>
-          </a:p>
-        </p:txBody>
-      </p:sp>
-      <p:sp>
-        <p:nvSpPr>
-          <p:cNvPr id="10" name="Isosceles Triangle 9">
-            <a:extLst>
-              <a:ext uri="{FF2B5EF4-FFF2-40B4-BE49-F238E27FC236}">
-                <a16:creationId xmlns:a16="http://schemas.microsoft.com/office/drawing/2014/main" id="{C2C29CB1-9F74-4879-A6AF-AEA67B6F1F4D}"/>
-              </a:ext>
-              <a:ext uri="{C183D7F6-B498-43B3-948B-1728B52AA6E4}">
-                <adec:decorative xmlns:adec="http://schemas.microsoft.com/office/drawing/2017/decorative" val="1"/>
-              </a:ext>
-            </a:extLst>
-          </p:cNvPr>
-          <p:cNvSpPr>
-            <a:spLocks noGrp="1" noRot="1" noChangeAspect="1" noMove="1" noResize="1" noEditPoints="1" noAdjustHandles="1" noChangeArrowheads="1" noChangeShapeType="1" noTextEdit="1"/>
-          </p:cNvSpPr>
-          <p:nvPr>
-            <p:extLst>
-              <p:ext uri="{386F3935-93C4-4BCD-93E2-E3B085C9AB24}">
-                <p16:designElem xmlns:p16="http://schemas.microsoft.com/office/powerpoint/2015/main" val="1"/>
-              </p:ext>
-            </p:extLst>
-          </p:nvPr>
-        </p:nvSpPr>
-        <p:spPr>
-          <a:xfrm rot="10800000">
-            <a:off x="0" y="0"/>
-            <a:ext cx="842596" cy="5666154"/>
-          </a:xfrm>
-          <a:prstGeom prst="triangle">
-            <a:avLst>
-              <a:gd name="adj" fmla="val 100000"/>
-            </a:avLst>
-          </a:prstGeom>
-          <a:solidFill>
-            <a:schemeClr val="accent1">
-              <a:alpha val="85000"/>
-            </a:schemeClr>
-          </a:solidFill>
-          <a:ln>
-            <a:noFill/>
-          </a:ln>
-          <a:effectLst/>
-        </p:spPr>
-        <p:style>
-          <a:lnRef idx="1">
-            <a:schemeClr val="accent1"/>
-          </a:lnRef>
-          <a:fillRef idx="3">
-            <a:schemeClr val="accent1"/>
-          </a:fillRef>
-          <a:effectRef idx="2">
-            <a:schemeClr val="accent1"/>
-          </a:effectRef>
-          <a:fontRef idx="minor">
-            <a:schemeClr val="lt1"/>
-          </a:fontRef>
-        </p:style>
-      </p:sp>
-      <p:sp>
-        <p:nvSpPr>
-          <p:cNvPr id="12" name="Isosceles Triangle 11">
-            <a:extLst>
-              <a:ext uri="{FF2B5EF4-FFF2-40B4-BE49-F238E27FC236}">
-                <a16:creationId xmlns:a16="http://schemas.microsoft.com/office/drawing/2014/main" id="{7E2C7115-5336-410C-AD71-0F0952A2E5A7}"/>
-              </a:ext>
-              <a:ext uri="{C183D7F6-B498-43B3-948B-1728B52AA6E4}">
-                <adec:decorative xmlns:adec="http://schemas.microsoft.com/office/drawing/2017/decorative" val="1"/>
-              </a:ext>
-            </a:extLst>
-          </p:cNvPr>
-          <p:cNvSpPr>
-            <a:spLocks noGrp="1" noRot="1" noChangeAspect="1" noMove="1" noResize="1" noEditPoints="1" noAdjustHandles="1" noChangeArrowheads="1" noChangeShapeType="1" noTextEdit="1"/>
-          </p:cNvSpPr>
-          <p:nvPr>
-            <p:extLst>
-              <p:ext uri="{386F3935-93C4-4BCD-93E2-E3B085C9AB24}">
-                <p16:designElem xmlns:p16="http://schemas.microsoft.com/office/powerpoint/2015/main" val="1"/>
-              </p:ext>
-            </p:extLst>
-          </p:nvPr>
-        </p:nvSpPr>
-        <p:spPr>
-          <a:xfrm flipH="1">
-            <a:off x="11743267" y="4013200"/>
-            <a:ext cx="448733" cy="2844800"/>
-          </a:xfrm>
-          <a:prstGeom prst="triangle">
-            <a:avLst>
-              <a:gd name="adj" fmla="val 0"/>
-            </a:avLst>
-          </a:prstGeom>
-          <a:solidFill>
-            <a:schemeClr val="accent1">
-              <a:alpha val="85000"/>
-            </a:schemeClr>
-          </a:solidFill>
-          <a:ln>
-            <a:noFill/>
-          </a:ln>
-          <a:effectLst/>
-        </p:spPr>
-        <p:style>
-          <a:lnRef idx="1">
-            <a:schemeClr val="accent1"/>
-          </a:lnRef>
-          <a:fillRef idx="3">
-            <a:schemeClr val="accent1"/>
-          </a:fillRef>
-          <a:effectRef idx="2">
-            <a:schemeClr val="accent1"/>
-          </a:effectRef>
-          <a:fontRef idx="minor">
-            <a:schemeClr val="lt1"/>
-          </a:fontRef>
-        </p:style>
-      </p:sp>
-      <p:sp>
-        <p:nvSpPr>
-          <p:cNvPr id="9" name="Espaço Reservado para Conteúdo 2">
-            <a:extLst>
-              <a:ext uri="{FF2B5EF4-FFF2-40B4-BE49-F238E27FC236}">
-                <a16:creationId xmlns:a16="http://schemas.microsoft.com/office/drawing/2014/main" id="{439371E8-47A5-4CD6-8060-C195E9F43A4C}"/>
-              </a:ext>
-            </a:extLst>
-          </p:cNvPr>
-          <p:cNvSpPr txBox="1">
-            <a:spLocks/>
-          </p:cNvSpPr>
-          <p:nvPr/>
-        </p:nvSpPr>
-        <p:spPr>
-          <a:xfrm>
-            <a:off x="1333502" y="725194"/>
-            <a:ext cx="9798786" cy="1320800"/>
-          </a:xfrm>
-          <a:prstGeom prst="rect">
-            <a:avLst/>
-          </a:prstGeom>
-        </p:spPr>
-        <p:txBody>
-          <a:bodyPr vert="horz" lIns="91440" tIns="45720" rIns="91440" bIns="45720" rtlCol="0">
-            <a:normAutofit/>
-          </a:bodyPr>
-          <a:lstStyle>
-            <a:lvl1pPr marL="342900" indent="-342900" algn="l" defTabSz="457200" rtl="0" eaLnBrk="1" latinLnBrk="0" hangingPunct="1">
-              <a:spcBef>
-                <a:spcPts val="1000"/>
-              </a:spcBef>
-              <a:spcAft>
-                <a:spcPts val="0"/>
-              </a:spcAft>
-              <a:buClr>
-                <a:schemeClr val="accent1"/>
-              </a:buClr>
-              <a:buSzPct val="80000"/>
-              <a:buFont typeface="Wingdings 3" charset="2"/>
-              <a:buChar char=""/>
-              <a:defRPr sz="1800" kern="1200">
-                <a:solidFill>
-                  <a:schemeClr val="tx1">
-                    <a:lumMod val="75000"/>
-                    <a:lumOff val="25000"/>
-                  </a:schemeClr>
-                </a:solidFill>
-                <a:latin typeface="+mn-lt"/>
-                <a:ea typeface="+mn-ea"/>
-                <a:cs typeface="+mn-cs"/>
-              </a:defRPr>
-            </a:lvl1pPr>
-            <a:lvl2pPr marL="742950" indent="-285750" algn="l" defTabSz="457200" rtl="0" eaLnBrk="1" latinLnBrk="0" hangingPunct="1">
-              <a:spcBef>
-                <a:spcPts val="1000"/>
-              </a:spcBef>
-              <a:spcAft>
-                <a:spcPts val="0"/>
-              </a:spcAft>
-              <a:buClr>
-                <a:schemeClr val="accent1"/>
-              </a:buClr>
-              <a:buSzPct val="80000"/>
-              <a:buFont typeface="Wingdings 3" charset="2"/>
-              <a:buChar char=""/>
-              <a:defRPr sz="1600" kern="1200">
-                <a:solidFill>
-                  <a:schemeClr val="tx1">
-                    <a:lumMod val="75000"/>
-                    <a:lumOff val="25000"/>
-                  </a:schemeClr>
-                </a:solidFill>
-                <a:latin typeface="+mn-lt"/>
-                <a:ea typeface="+mn-ea"/>
-                <a:cs typeface="+mn-cs"/>
-              </a:defRPr>
-            </a:lvl2pPr>
-            <a:lvl3pPr marL="1143000" indent="-228600" algn="l" defTabSz="457200" rtl="0" eaLnBrk="1" latinLnBrk="0" hangingPunct="1">
-              <a:spcBef>
-                <a:spcPts val="1000"/>
-              </a:spcBef>
-              <a:spcAft>
-                <a:spcPts val="0"/>
-              </a:spcAft>
-              <a:buClr>
-                <a:schemeClr val="accent1"/>
-              </a:buClr>
-              <a:buSzPct val="80000"/>
-              <a:buFont typeface="Wingdings 3" charset="2"/>
-              <a:buChar char=""/>
-              <a:defRPr sz="1400" kern="1200">
-                <a:solidFill>
-                  <a:schemeClr val="tx1">
-                    <a:lumMod val="75000"/>
-                    <a:lumOff val="25000"/>
-                  </a:schemeClr>
-                </a:solidFill>
-                <a:latin typeface="+mn-lt"/>
-                <a:ea typeface="+mn-ea"/>
-                <a:cs typeface="+mn-cs"/>
-              </a:defRPr>
-            </a:lvl3pPr>
-            <a:lvl4pPr marL="1600200" indent="-228600" algn="l" defTabSz="457200" rtl="0" eaLnBrk="1" latinLnBrk="0" hangingPunct="1">
-              <a:spcBef>
-                <a:spcPts val="1000"/>
-              </a:spcBef>
-              <a:spcAft>
-                <a:spcPts val="0"/>
-              </a:spcAft>
-              <a:buClr>
-                <a:schemeClr val="accent1"/>
-              </a:buClr>
-              <a:buSzPct val="80000"/>
-              <a:buFont typeface="Wingdings 3" charset="2"/>
-              <a:buChar char=""/>
-              <a:defRPr sz="1200" kern="1200">
-                <a:solidFill>
-                  <a:schemeClr val="tx1">
-                    <a:lumMod val="75000"/>
-                    <a:lumOff val="25000"/>
-                  </a:schemeClr>
-                </a:solidFill>
-                <a:latin typeface="+mn-lt"/>
-                <a:ea typeface="+mn-ea"/>
-                <a:cs typeface="+mn-cs"/>
-              </a:defRPr>
-            </a:lvl4pPr>
-            <a:lvl5pPr marL="2057400" indent="-228600" algn="l" defTabSz="457200" rtl="0" eaLnBrk="1" latinLnBrk="0" hangingPunct="1">
-              <a:spcBef>
-                <a:spcPts val="1000"/>
-              </a:spcBef>
-              <a:spcAft>
-                <a:spcPts val="0"/>
-              </a:spcAft>
-              <a:buClr>
-                <a:schemeClr val="accent1"/>
-              </a:buClr>
-              <a:buSzPct val="80000"/>
-              <a:buFont typeface="Wingdings 3" charset="2"/>
-              <a:buChar char=""/>
-              <a:defRPr sz="1200" kern="1200">
-                <a:solidFill>
-                  <a:schemeClr val="tx1">
-                    <a:lumMod val="75000"/>
-                    <a:lumOff val="25000"/>
-                  </a:schemeClr>
-                </a:solidFill>
-                <a:latin typeface="+mn-lt"/>
-                <a:ea typeface="+mn-ea"/>
-                <a:cs typeface="+mn-cs"/>
-              </a:defRPr>
-            </a:lvl5pPr>
-            <a:lvl6pPr marL="2514600" indent="-228600" algn="l" defTabSz="457200" rtl="0" eaLnBrk="1" latinLnBrk="0" hangingPunct="1">
-              <a:spcBef>
-                <a:spcPts val="1000"/>
-              </a:spcBef>
-              <a:spcAft>
-                <a:spcPts val="0"/>
-              </a:spcAft>
-              <a:buClr>
-                <a:schemeClr val="accent1"/>
-              </a:buClr>
-              <a:buSzPct val="80000"/>
-              <a:buFont typeface="Wingdings 3" charset="2"/>
-              <a:buChar char=""/>
-              <a:defRPr sz="1200" kern="1200">
-                <a:solidFill>
-                  <a:schemeClr val="tx1">
-                    <a:lumMod val="75000"/>
-                    <a:lumOff val="25000"/>
-                  </a:schemeClr>
-                </a:solidFill>
-                <a:latin typeface="+mn-lt"/>
-                <a:ea typeface="+mn-ea"/>
-                <a:cs typeface="+mn-cs"/>
-              </a:defRPr>
-            </a:lvl6pPr>
-            <a:lvl7pPr marL="2971800" indent="-228600" algn="l" defTabSz="457200" rtl="0" eaLnBrk="1" latinLnBrk="0" hangingPunct="1">
-              <a:spcBef>
-                <a:spcPts val="1000"/>
-              </a:spcBef>
-              <a:spcAft>
-                <a:spcPts val="0"/>
-              </a:spcAft>
-              <a:buClr>
-                <a:schemeClr val="accent1"/>
-              </a:buClr>
-              <a:buSzPct val="80000"/>
-              <a:buFont typeface="Wingdings 3" charset="2"/>
-              <a:buChar char=""/>
-              <a:defRPr sz="1200" kern="1200">
-                <a:solidFill>
-                  <a:schemeClr val="tx1">
-                    <a:lumMod val="75000"/>
-                    <a:lumOff val="25000"/>
-                  </a:schemeClr>
-                </a:solidFill>
-                <a:latin typeface="+mn-lt"/>
-                <a:ea typeface="+mn-ea"/>
-                <a:cs typeface="+mn-cs"/>
-              </a:defRPr>
-            </a:lvl7pPr>
-            <a:lvl8pPr marL="3429000" indent="-228600" algn="l" defTabSz="457200" rtl="0" eaLnBrk="1" latinLnBrk="0" hangingPunct="1">
-              <a:spcBef>
-                <a:spcPts val="1000"/>
-              </a:spcBef>
-              <a:spcAft>
-                <a:spcPts val="0"/>
-              </a:spcAft>
-              <a:buClr>
-                <a:schemeClr val="accent1"/>
-              </a:buClr>
-              <a:buSzPct val="80000"/>
-              <a:buFont typeface="Wingdings 3" charset="2"/>
-              <a:buChar char=""/>
-              <a:defRPr sz="1200" kern="1200">
-                <a:solidFill>
-                  <a:schemeClr val="tx1">
-                    <a:lumMod val="75000"/>
-                    <a:lumOff val="25000"/>
-                  </a:schemeClr>
-                </a:solidFill>
-                <a:latin typeface="+mn-lt"/>
-                <a:ea typeface="+mn-ea"/>
-                <a:cs typeface="+mn-cs"/>
-              </a:defRPr>
-            </a:lvl8pPr>
-            <a:lvl9pPr marL="3886200" indent="-228600" algn="l" defTabSz="457200" rtl="0" eaLnBrk="1" latinLnBrk="0" hangingPunct="1">
-              <a:spcBef>
-                <a:spcPts val="1000"/>
-              </a:spcBef>
-              <a:spcAft>
-                <a:spcPts val="0"/>
-              </a:spcAft>
-              <a:buClr>
-                <a:schemeClr val="accent1"/>
-              </a:buClr>
-              <a:buSzPct val="80000"/>
-              <a:buFont typeface="Wingdings 3" charset="2"/>
-              <a:buChar char=""/>
-              <a:defRPr sz="1200" kern="1200">
-                <a:solidFill>
-                  <a:schemeClr val="tx1">
-                    <a:lumMod val="75000"/>
-                    <a:lumOff val="25000"/>
-                  </a:schemeClr>
-                </a:solidFill>
-                <a:latin typeface="+mn-lt"/>
-                <a:ea typeface="+mn-ea"/>
-                <a:cs typeface="+mn-cs"/>
-              </a:defRPr>
-            </a:lvl9pPr>
-          </a:lstStyle>
-          <a:p>
-            <a:pPr marL="0" indent="0">
-              <a:buNone/>
-            </a:pPr>
-            <a:endParaRPr lang="en-US" dirty="0"/>
-          </a:p>
-        </p:txBody>
-      </p:sp>
-      <p:sp>
-        <p:nvSpPr>
-          <p:cNvPr id="4" name="Espaço Reservado para Conteúdo 3">
-            <a:extLst>
-              <a:ext uri="{FF2B5EF4-FFF2-40B4-BE49-F238E27FC236}">
-                <a16:creationId xmlns:a16="http://schemas.microsoft.com/office/drawing/2014/main" id="{8892AA6B-7632-43C6-9466-D81DA8B5D7F2}"/>
-              </a:ext>
-            </a:extLst>
-          </p:cNvPr>
-          <p:cNvSpPr>
-            <a:spLocks noGrp="1"/>
-          </p:cNvSpPr>
-          <p:nvPr>
-            <p:ph idx="1"/>
-          </p:nvPr>
-        </p:nvSpPr>
-        <p:spPr>
-          <a:xfrm>
-            <a:off x="1797666" y="2275478"/>
-            <a:ext cx="8596668" cy="3880773"/>
-          </a:xfrm>
-        </p:spPr>
-        <p:txBody>
-          <a:bodyPr/>
-          <a:lstStyle/>
-          <a:p>
-            <a:endParaRPr lang="en-US"/>
-          </a:p>
-        </p:txBody>
-      </p:sp>
-    </p:spTree>
-    <p:extLst>
-      <p:ext uri="{BB962C8B-B14F-4D97-AF65-F5344CB8AC3E}">
-        <p14:creationId xmlns:p14="http://schemas.microsoft.com/office/powerpoint/2010/main" val="2717450381"/>
-      </p:ext>
-    </p:extLst>
-  </p:cSld>
-  <p:clrMapOvr>
-    <a:masterClrMapping/>
-  </p:clrMapOvr>
-</p:sld>
-</file>
-
 <file path=ppt/theme/theme1.xml><?xml version="1.0" encoding="utf-8"?>
 <a:theme xmlns:a="http://schemas.openxmlformats.org/drawingml/2006/main" name="Facetado">
   <a:themeElements>

--- a/Documentation/Cloud-Computing-Proj-Presentation.pptx
+++ b/Documentation/Cloud-Computing-Proj-Presentation.pptx
@@ -882,7 +882,7 @@
             <a:fld id="{B61BEF0D-F0BB-DE4B-95CE-6DB70DBA9567}" type="datetimeFigureOut">
               <a:rPr lang="en-US" dirty="0"/>
               <a:pPr/>
-              <a:t>7/12/2021</a:t>
+              <a:t>7/13/2021</a:t>
             </a:fld>
             <a:endParaRPr lang="en-US" dirty="0"/>
           </a:p>
@@ -1130,7 +1130,7 @@
             <a:fld id="{B61BEF0D-F0BB-DE4B-95CE-6DB70DBA9567}" type="datetimeFigureOut">
               <a:rPr lang="en-US" dirty="0"/>
               <a:pPr/>
-              <a:t>7/12/2021</a:t>
+              <a:t>7/13/2021</a:t>
             </a:fld>
             <a:endParaRPr lang="en-US" dirty="0"/>
           </a:p>
@@ -1441,7 +1441,7 @@
             <a:fld id="{B61BEF0D-F0BB-DE4B-95CE-6DB70DBA9567}" type="datetimeFigureOut">
               <a:rPr lang="en-US" dirty="0"/>
               <a:pPr/>
-              <a:t>7/12/2021</a:t>
+              <a:t>7/13/2021</a:t>
             </a:fld>
             <a:endParaRPr lang="en-US" dirty="0"/>
           </a:p>
@@ -1771,7 +1771,7 @@
             <a:fld id="{B61BEF0D-F0BB-DE4B-95CE-6DB70DBA9567}" type="datetimeFigureOut">
               <a:rPr lang="en-US" dirty="0"/>
               <a:pPr/>
-              <a:t>7/12/2021</a:t>
+              <a:t>7/13/2021</a:t>
             </a:fld>
             <a:endParaRPr lang="en-US" dirty="0"/>
           </a:p>
@@ -2082,7 +2082,7 @@
             <a:fld id="{B61BEF0D-F0BB-DE4B-95CE-6DB70DBA9567}" type="datetimeFigureOut">
               <a:rPr lang="en-US" dirty="0"/>
               <a:pPr/>
-              <a:t>7/12/2021</a:t>
+              <a:t>7/13/2021</a:t>
             </a:fld>
             <a:endParaRPr lang="en-US" dirty="0"/>
           </a:p>
@@ -2472,7 +2472,7 @@
             <a:fld id="{B61BEF0D-F0BB-DE4B-95CE-6DB70DBA9567}" type="datetimeFigureOut">
               <a:rPr lang="en-US" dirty="0"/>
               <a:pPr/>
-              <a:t>7/12/2021</a:t>
+              <a:t>7/13/2021</a:t>
             </a:fld>
             <a:endParaRPr lang="en-US" dirty="0"/>
           </a:p>
@@ -2638,7 +2638,7 @@
           <a:p>
             <a:fld id="{55C6B4A9-1611-4792-9094-5F34BCA07E0B}" type="datetimeFigureOut">
               <a:rPr lang="en-US" dirty="0"/>
-              <a:t>7/12/2021</a:t>
+              <a:t>7/13/2021</a:t>
             </a:fld>
             <a:endParaRPr lang="en-US" dirty="0"/>
           </a:p>
@@ -2814,7 +2814,7 @@
             <a:fld id="{B61BEF0D-F0BB-DE4B-95CE-6DB70DBA9567}" type="datetimeFigureOut">
               <a:rPr lang="en-US" dirty="0"/>
               <a:pPr/>
-              <a:t>7/12/2021</a:t>
+              <a:t>7/13/2021</a:t>
             </a:fld>
             <a:endParaRPr lang="en-US" dirty="0"/>
           </a:p>
@@ -2980,7 +2980,7 @@
           <a:p>
             <a:fld id="{42A54C80-263E-416B-A8E0-580EDEADCBDC}" type="datetimeFigureOut">
               <a:rPr lang="en-US" dirty="0"/>
-              <a:t>7/12/2021</a:t>
+              <a:t>7/13/2021</a:t>
             </a:fld>
             <a:endParaRPr lang="en-US" dirty="0"/>
           </a:p>
@@ -3223,7 +3223,7 @@
             <a:fld id="{B61BEF0D-F0BB-DE4B-95CE-6DB70DBA9567}" type="datetimeFigureOut">
               <a:rPr lang="en-US" dirty="0"/>
               <a:pPr/>
-              <a:t>7/12/2021</a:t>
+              <a:t>7/13/2021</a:t>
             </a:fld>
             <a:endParaRPr lang="en-US" dirty="0"/>
           </a:p>
@@ -3451,7 +3451,7 @@
           <a:p>
             <a:fld id="{42A54C80-263E-416B-A8E0-580EDEADCBDC}" type="datetimeFigureOut">
               <a:rPr lang="en-US" dirty="0"/>
-              <a:t>7/12/2021</a:t>
+              <a:t>7/13/2021</a:t>
             </a:fld>
             <a:endParaRPr lang="en-US" dirty="0"/>
           </a:p>
@@ -3821,7 +3821,7 @@
             <a:fld id="{B61BEF0D-F0BB-DE4B-95CE-6DB70DBA9567}" type="datetimeFigureOut">
               <a:rPr lang="en-US" dirty="0"/>
               <a:pPr/>
-              <a:t>7/12/2021</a:t>
+              <a:t>7/13/2021</a:t>
             </a:fld>
             <a:endParaRPr lang="en-US" dirty="0"/>
           </a:p>
@@ -3941,7 +3941,7 @@
             <a:fld id="{B61BEF0D-F0BB-DE4B-95CE-6DB70DBA9567}" type="datetimeFigureOut">
               <a:rPr lang="en-US" dirty="0"/>
               <a:pPr/>
-              <a:t>7/12/2021</a:t>
+              <a:t>7/13/2021</a:t>
             </a:fld>
             <a:endParaRPr lang="en-US" dirty="0"/>
           </a:p>
@@ -4033,7 +4033,7 @@
             <a:fld id="{B61BEF0D-F0BB-DE4B-95CE-6DB70DBA9567}" type="datetimeFigureOut">
               <a:rPr lang="en-US" dirty="0"/>
               <a:pPr/>
-              <a:t>7/12/2021</a:t>
+              <a:t>7/13/2021</a:t>
             </a:fld>
             <a:endParaRPr lang="en-US" dirty="0"/>
           </a:p>
@@ -4284,7 +4284,7 @@
           <a:p>
             <a:fld id="{42A54C80-263E-416B-A8E0-580EDEADCBDC}" type="datetimeFigureOut">
               <a:rPr lang="en-US" dirty="0"/>
-              <a:t>7/12/2021</a:t>
+              <a:t>7/13/2021</a:t>
             </a:fld>
             <a:endParaRPr lang="en-US" dirty="0"/>
           </a:p>
@@ -4586,7 +4586,7 @@
             <a:fld id="{B61BEF0D-F0BB-DE4B-95CE-6DB70DBA9567}" type="datetimeFigureOut">
               <a:rPr lang="en-US" dirty="0"/>
               <a:pPr/>
-              <a:t>7/12/2021</a:t>
+              <a:t>7/13/2021</a:t>
             </a:fld>
             <a:endParaRPr lang="en-US" dirty="0"/>
           </a:p>
@@ -5284,7 +5284,7 @@
             <a:fld id="{B61BEF0D-F0BB-DE4B-95CE-6DB70DBA9567}" type="datetimeFigureOut">
               <a:rPr lang="en-US" dirty="0"/>
               <a:pPr/>
-              <a:t>7/12/2021</a:t>
+              <a:t>7/13/2021</a:t>
             </a:fld>
             <a:endParaRPr lang="en-US" dirty="0"/>
           </a:p>
@@ -6824,88 +6824,6 @@
       </p:sp>
       <p:sp>
         <p:nvSpPr>
-          <p:cNvPr id="46" name="Rectangle 28">
-            <a:extLst>
-              <a:ext uri="{FF2B5EF4-FFF2-40B4-BE49-F238E27FC236}">
-                <a16:creationId xmlns:a16="http://schemas.microsoft.com/office/drawing/2014/main" id="{BF120A21-0841-4823-B0C4-28AEBCEF9B78}"/>
-              </a:ext>
-              <a:ext uri="{C183D7F6-B498-43B3-948B-1728B52AA6E4}">
-                <adec:decorative xmlns:adec="http://schemas.microsoft.com/office/drawing/2017/decorative" val="1"/>
-              </a:ext>
-            </a:extLst>
-          </p:cNvPr>
-          <p:cNvSpPr>
-            <a:spLocks noGrp="1" noRot="1" noChangeAspect="1" noMove="1" noResize="1" noEditPoints="1" noAdjustHandles="1" noChangeArrowheads="1" noChangeShapeType="1" noTextEdit="1"/>
-          </p:cNvSpPr>
-          <p:nvPr>
-            <p:extLst>
-              <p:ext uri="{386F3935-93C4-4BCD-93E2-E3B085C9AB24}">
-                <p16:designElem xmlns:p16="http://schemas.microsoft.com/office/powerpoint/2015/main" val="1"/>
-              </p:ext>
-            </p:extLst>
-          </p:nvPr>
-        </p:nvSpPr>
-        <p:spPr>
-          <a:xfrm>
-            <a:off x="10898730" y="-8467"/>
-            <a:ext cx="1290094" cy="6866467"/>
-          </a:xfrm>
-          <a:custGeom>
-            <a:avLst/>
-            <a:gdLst/>
-            <a:ahLst/>
-            <a:cxnLst/>
-            <a:rect l="l" t="t" r="r" b="b"/>
-            <a:pathLst>
-              <a:path w="1290094" h="6858000">
-                <a:moveTo>
-                  <a:pt x="1019735" y="0"/>
-                </a:moveTo>
-                <a:lnTo>
-                  <a:pt x="1290094" y="0"/>
-                </a:lnTo>
-                <a:lnTo>
-                  <a:pt x="1290094" y="6858000"/>
-                </a:lnTo>
-                <a:lnTo>
-                  <a:pt x="0" y="6858000"/>
-                </a:lnTo>
-                <a:lnTo>
-                  <a:pt x="1019735" y="0"/>
-                </a:lnTo>
-                <a:close/>
-              </a:path>
-            </a:pathLst>
-          </a:custGeom>
-          <a:solidFill>
-            <a:schemeClr val="accent1">
-              <a:lumMod val="60000"/>
-              <a:lumOff val="40000"/>
-              <a:alpha val="70000"/>
-            </a:schemeClr>
-          </a:solidFill>
-          <a:ln>
-            <a:noFill/>
-          </a:ln>
-          <a:effectLst/>
-        </p:spPr>
-        <p:style>
-          <a:lnRef idx="1">
-            <a:schemeClr val="accent1"/>
-          </a:lnRef>
-          <a:fillRef idx="3">
-            <a:schemeClr val="accent1"/>
-          </a:fillRef>
-          <a:effectRef idx="2">
-            <a:schemeClr val="accent1"/>
-          </a:effectRef>
-          <a:fontRef idx="minor">
-            <a:schemeClr val="lt1"/>
-          </a:fontRef>
-        </p:style>
-      </p:sp>
-      <p:sp>
-        <p:nvSpPr>
           <p:cNvPr id="48" name="Rectangle 29">
             <a:extLst>
               <a:ext uri="{FF2B5EF4-FFF2-40B4-BE49-F238E27FC236}">
@@ -9199,88 +9117,6 @@
             <a:schemeClr val="accent2">
               <a:lumMod val="75000"/>
               <a:alpha val="47000"/>
-            </a:schemeClr>
-          </a:solidFill>
-          <a:ln>
-            <a:noFill/>
-          </a:ln>
-          <a:effectLst/>
-        </p:spPr>
-        <p:style>
-          <a:lnRef idx="1">
-            <a:schemeClr val="accent1"/>
-          </a:lnRef>
-          <a:fillRef idx="3">
-            <a:schemeClr val="accent1"/>
-          </a:fillRef>
-          <a:effectRef idx="2">
-            <a:schemeClr val="accent1"/>
-          </a:effectRef>
-          <a:fontRef idx="minor">
-            <a:schemeClr val="lt1"/>
-          </a:fontRef>
-        </p:style>
-      </p:sp>
-      <p:sp>
-        <p:nvSpPr>
-          <p:cNvPr id="46" name="Rectangle 28">
-            <a:extLst>
-              <a:ext uri="{FF2B5EF4-FFF2-40B4-BE49-F238E27FC236}">
-                <a16:creationId xmlns:a16="http://schemas.microsoft.com/office/drawing/2014/main" id="{BF120A21-0841-4823-B0C4-28AEBCEF9B78}"/>
-              </a:ext>
-              <a:ext uri="{C183D7F6-B498-43B3-948B-1728B52AA6E4}">
-                <adec:decorative xmlns:adec="http://schemas.microsoft.com/office/drawing/2017/decorative" val="1"/>
-              </a:ext>
-            </a:extLst>
-          </p:cNvPr>
-          <p:cNvSpPr>
-            <a:spLocks noGrp="1" noRot="1" noChangeAspect="1" noMove="1" noResize="1" noEditPoints="1" noAdjustHandles="1" noChangeArrowheads="1" noChangeShapeType="1" noTextEdit="1"/>
-          </p:cNvSpPr>
-          <p:nvPr>
-            <p:extLst>
-              <p:ext uri="{386F3935-93C4-4BCD-93E2-E3B085C9AB24}">
-                <p16:designElem xmlns:p16="http://schemas.microsoft.com/office/powerpoint/2015/main" val="1"/>
-              </p:ext>
-            </p:extLst>
-          </p:nvPr>
-        </p:nvSpPr>
-        <p:spPr>
-          <a:xfrm>
-            <a:off x="10898730" y="-8467"/>
-            <a:ext cx="1290094" cy="6866467"/>
-          </a:xfrm>
-          <a:custGeom>
-            <a:avLst/>
-            <a:gdLst/>
-            <a:ahLst/>
-            <a:cxnLst/>
-            <a:rect l="l" t="t" r="r" b="b"/>
-            <a:pathLst>
-              <a:path w="1290094" h="6858000">
-                <a:moveTo>
-                  <a:pt x="1019735" y="0"/>
-                </a:moveTo>
-                <a:lnTo>
-                  <a:pt x="1290094" y="0"/>
-                </a:lnTo>
-                <a:lnTo>
-                  <a:pt x="1290094" y="6858000"/>
-                </a:lnTo>
-                <a:lnTo>
-                  <a:pt x="0" y="6858000"/>
-                </a:lnTo>
-                <a:lnTo>
-                  <a:pt x="1019735" y="0"/>
-                </a:lnTo>
-                <a:close/>
-              </a:path>
-            </a:pathLst>
-          </a:custGeom>
-          <a:solidFill>
-            <a:schemeClr val="accent1">
-              <a:lumMod val="60000"/>
-              <a:lumOff val="40000"/>
-              <a:alpha val="70000"/>
             </a:schemeClr>
           </a:solidFill>
           <a:ln>
@@ -12399,88 +12235,6 @@
       </p:sp>
       <p:sp>
         <p:nvSpPr>
-          <p:cNvPr id="46" name="Rectangle 28">
-            <a:extLst>
-              <a:ext uri="{FF2B5EF4-FFF2-40B4-BE49-F238E27FC236}">
-                <a16:creationId xmlns:a16="http://schemas.microsoft.com/office/drawing/2014/main" id="{BF120A21-0841-4823-B0C4-28AEBCEF9B78}"/>
-              </a:ext>
-              <a:ext uri="{C183D7F6-B498-43B3-948B-1728B52AA6E4}">
-                <adec:decorative xmlns:adec="http://schemas.microsoft.com/office/drawing/2017/decorative" val="1"/>
-              </a:ext>
-            </a:extLst>
-          </p:cNvPr>
-          <p:cNvSpPr>
-            <a:spLocks noGrp="1" noRot="1" noChangeAspect="1" noMove="1" noResize="1" noEditPoints="1" noAdjustHandles="1" noChangeArrowheads="1" noChangeShapeType="1" noTextEdit="1"/>
-          </p:cNvSpPr>
-          <p:nvPr>
-            <p:extLst>
-              <p:ext uri="{386F3935-93C4-4BCD-93E2-E3B085C9AB24}">
-                <p16:designElem xmlns:p16="http://schemas.microsoft.com/office/powerpoint/2015/main" val="1"/>
-              </p:ext>
-            </p:extLst>
-          </p:nvPr>
-        </p:nvSpPr>
-        <p:spPr>
-          <a:xfrm>
-            <a:off x="10898730" y="-8467"/>
-            <a:ext cx="1290094" cy="6866467"/>
-          </a:xfrm>
-          <a:custGeom>
-            <a:avLst/>
-            <a:gdLst/>
-            <a:ahLst/>
-            <a:cxnLst/>
-            <a:rect l="l" t="t" r="r" b="b"/>
-            <a:pathLst>
-              <a:path w="1290094" h="6858000">
-                <a:moveTo>
-                  <a:pt x="1019735" y="0"/>
-                </a:moveTo>
-                <a:lnTo>
-                  <a:pt x="1290094" y="0"/>
-                </a:lnTo>
-                <a:lnTo>
-                  <a:pt x="1290094" y="6858000"/>
-                </a:lnTo>
-                <a:lnTo>
-                  <a:pt x="0" y="6858000"/>
-                </a:lnTo>
-                <a:lnTo>
-                  <a:pt x="1019735" y="0"/>
-                </a:lnTo>
-                <a:close/>
-              </a:path>
-            </a:pathLst>
-          </a:custGeom>
-          <a:solidFill>
-            <a:schemeClr val="accent1">
-              <a:lumMod val="60000"/>
-              <a:lumOff val="40000"/>
-              <a:alpha val="70000"/>
-            </a:schemeClr>
-          </a:solidFill>
-          <a:ln>
-            <a:noFill/>
-          </a:ln>
-          <a:effectLst/>
-        </p:spPr>
-        <p:style>
-          <a:lnRef idx="1">
-            <a:schemeClr val="accent1"/>
-          </a:lnRef>
-          <a:fillRef idx="3">
-            <a:schemeClr val="accent1"/>
-          </a:fillRef>
-          <a:effectRef idx="2">
-            <a:schemeClr val="accent1"/>
-          </a:effectRef>
-          <a:fontRef idx="minor">
-            <a:schemeClr val="lt1"/>
-          </a:fontRef>
-        </p:style>
-      </p:sp>
-      <p:sp>
-        <p:nvSpPr>
           <p:cNvPr id="48" name="Rectangle 29">
             <a:extLst>
               <a:ext uri="{FF2B5EF4-FFF2-40B4-BE49-F238E27FC236}">
@@ -14006,88 +13760,6 @@
             <a:schemeClr val="accent2">
               <a:lumMod val="75000"/>
               <a:alpha val="47000"/>
-            </a:schemeClr>
-          </a:solidFill>
-          <a:ln>
-            <a:noFill/>
-          </a:ln>
-          <a:effectLst/>
-        </p:spPr>
-        <p:style>
-          <a:lnRef idx="1">
-            <a:schemeClr val="accent1"/>
-          </a:lnRef>
-          <a:fillRef idx="3">
-            <a:schemeClr val="accent1"/>
-          </a:fillRef>
-          <a:effectRef idx="2">
-            <a:schemeClr val="accent1"/>
-          </a:effectRef>
-          <a:fontRef idx="minor">
-            <a:schemeClr val="lt1"/>
-          </a:fontRef>
-        </p:style>
-      </p:sp>
-      <p:sp>
-        <p:nvSpPr>
-          <p:cNvPr id="46" name="Rectangle 28">
-            <a:extLst>
-              <a:ext uri="{FF2B5EF4-FFF2-40B4-BE49-F238E27FC236}">
-                <a16:creationId xmlns:a16="http://schemas.microsoft.com/office/drawing/2014/main" id="{BF120A21-0841-4823-B0C4-28AEBCEF9B78}"/>
-              </a:ext>
-              <a:ext uri="{C183D7F6-B498-43B3-948B-1728B52AA6E4}">
-                <adec:decorative xmlns:adec="http://schemas.microsoft.com/office/drawing/2017/decorative" val="1"/>
-              </a:ext>
-            </a:extLst>
-          </p:cNvPr>
-          <p:cNvSpPr>
-            <a:spLocks noGrp="1" noRot="1" noChangeAspect="1" noMove="1" noResize="1" noEditPoints="1" noAdjustHandles="1" noChangeArrowheads="1" noChangeShapeType="1" noTextEdit="1"/>
-          </p:cNvSpPr>
-          <p:nvPr>
-            <p:extLst>
-              <p:ext uri="{386F3935-93C4-4BCD-93E2-E3B085C9AB24}">
-                <p16:designElem xmlns:p16="http://schemas.microsoft.com/office/powerpoint/2015/main" val="1"/>
-              </p:ext>
-            </p:extLst>
-          </p:nvPr>
-        </p:nvSpPr>
-        <p:spPr>
-          <a:xfrm>
-            <a:off x="10898730" y="-8467"/>
-            <a:ext cx="1290094" cy="6866467"/>
-          </a:xfrm>
-          <a:custGeom>
-            <a:avLst/>
-            <a:gdLst/>
-            <a:ahLst/>
-            <a:cxnLst/>
-            <a:rect l="l" t="t" r="r" b="b"/>
-            <a:pathLst>
-              <a:path w="1290094" h="6858000">
-                <a:moveTo>
-                  <a:pt x="1019735" y="0"/>
-                </a:moveTo>
-                <a:lnTo>
-                  <a:pt x="1290094" y="0"/>
-                </a:lnTo>
-                <a:lnTo>
-                  <a:pt x="1290094" y="6858000"/>
-                </a:lnTo>
-                <a:lnTo>
-                  <a:pt x="0" y="6858000"/>
-                </a:lnTo>
-                <a:lnTo>
-                  <a:pt x="1019735" y="0"/>
-                </a:lnTo>
-                <a:close/>
-              </a:path>
-            </a:pathLst>
-          </a:custGeom>
-          <a:solidFill>
-            <a:schemeClr val="accent1">
-              <a:lumMod val="60000"/>
-              <a:lumOff val="40000"/>
-              <a:alpha val="70000"/>
             </a:schemeClr>
           </a:solidFill>
           <a:ln>
